--- a/P7_Modelisation_risque_defaut_credit/Présentation_Modelisation_risque_defaut_credit.pptx
+++ b/P7_Modelisation_risque_defaut_credit/Présentation_Modelisation_risque_defaut_credit.pptx
@@ -5,7 +5,7 @@
     <p:sldMasterId id="2147483648" r:id="rId1"/>
   </p:sldMasterIdLst>
   <p:notesMasterIdLst>
-    <p:notesMasterId r:id="rId27"/>
+    <p:notesMasterId r:id="rId29"/>
   </p:notesMasterIdLst>
   <p:sldIdLst>
     <p:sldId id="256" r:id="rId2"/>
@@ -33,6 +33,8 @@
     <p:sldId id="281" r:id="rId24"/>
     <p:sldId id="282" r:id="rId25"/>
     <p:sldId id="283" r:id="rId26"/>
+    <p:sldId id="286" r:id="rId27"/>
+    <p:sldId id="285" r:id="rId28"/>
   </p:sldIdLst>
   <p:sldSz cx="12192000" cy="6858000"/>
   <p:notesSz cx="6858000" cy="9144000"/>
@@ -131,7 +133,934 @@
       </a:defRPr>
     </a:lvl9pPr>
   </p:defaultTextStyle>
+  <p:extLst>
+    <p:ext uri="{EFAFB233-063F-42B5-8137-9DF3F51BA10A}">
+      <p15:sldGuideLst xmlns:p15="http://schemas.microsoft.com/office/powerpoint/2012/main"/>
+    </p:ext>
+  </p:extLst>
 </p:presentation>
+</file>
+
+<file path=ppt/revisionInfo.xml><?xml version="1.0" encoding="utf-8"?>
+<p1510:revInfo xmlns:a="http://schemas.openxmlformats.org/drawingml/2006/main" xmlns:r="http://schemas.openxmlformats.org/officeDocument/2006/relationships" xmlns:p1510="http://schemas.microsoft.com/office/powerpoint/2015/10/main">
+  <p1510:revLst>
+    <p1510:client id="{7AA76414-0E7B-49FD-AA28-88CCF74D098E}" v="62" dt="2024-06-30T19:09:26.574"/>
+  </p1510:revLst>
+</p1510:revInfo>
+</file>
+
+<file path=ppt/changesInfos/changesInfo1.xml><?xml version="1.0" encoding="utf-8"?>
+<pc:chgInfo xmlns:a="http://schemas.openxmlformats.org/drawingml/2006/main" xmlns:r="http://schemas.openxmlformats.org/officeDocument/2006/relationships" xmlns:ac="http://schemas.microsoft.com/office/drawing/2013/main/command" xmlns:pc="http://schemas.microsoft.com/office/powerpoint/2013/main/command">
+  <pc:docChgLst>
+    <pc:chgData name="Yannick Querin" userId="9ef38f04d9a47384" providerId="LiveId" clId="{7AA76414-0E7B-49FD-AA28-88CCF74D098E}"/>
+    <pc:docChg chg="undo custSel addSld delSld modSld sldOrd">
+      <pc:chgData name="Yannick Querin" userId="9ef38f04d9a47384" providerId="LiveId" clId="{7AA76414-0E7B-49FD-AA28-88CCF74D098E}" dt="2024-06-30T19:09:55.147" v="1609" actId="14100"/>
+      <pc:docMkLst>
+        <pc:docMk/>
+      </pc:docMkLst>
+      <pc:sldChg chg="modSp mod">
+        <pc:chgData name="Yannick Querin" userId="9ef38f04d9a47384" providerId="LiveId" clId="{7AA76414-0E7B-49FD-AA28-88CCF74D098E}" dt="2024-06-22T16:30:26.538" v="1538" actId="20577"/>
+        <pc:sldMkLst>
+          <pc:docMk/>
+          <pc:sldMk cId="3758915775" sldId="256"/>
+        </pc:sldMkLst>
+        <pc:spChg chg="mod">
+          <ac:chgData name="Yannick Querin" userId="9ef38f04d9a47384" providerId="LiveId" clId="{7AA76414-0E7B-49FD-AA28-88CCF74D098E}" dt="2024-06-22T16:30:26.538" v="1538" actId="20577"/>
+          <ac:spMkLst>
+            <pc:docMk/>
+            <pc:sldMk cId="3758915775" sldId="256"/>
+            <ac:spMk id="8" creationId="{6E896A24-6143-3822-FBB4-2F816D39CB5D}"/>
+          </ac:spMkLst>
+        </pc:spChg>
+      </pc:sldChg>
+      <pc:sldChg chg="modSp mod">
+        <pc:chgData name="Yannick Querin" userId="9ef38f04d9a47384" providerId="LiveId" clId="{7AA76414-0E7B-49FD-AA28-88CCF74D098E}" dt="2024-06-22T13:27:10.399" v="592" actId="20577"/>
+        <pc:sldMkLst>
+          <pc:docMk/>
+          <pc:sldMk cId="3280983589" sldId="257"/>
+        </pc:sldMkLst>
+        <pc:spChg chg="mod">
+          <ac:chgData name="Yannick Querin" userId="9ef38f04d9a47384" providerId="LiveId" clId="{7AA76414-0E7B-49FD-AA28-88CCF74D098E}" dt="2024-06-22T12:49:50.415" v="296" actId="255"/>
+          <ac:spMkLst>
+            <pc:docMk/>
+            <pc:sldMk cId="3280983589" sldId="257"/>
+            <ac:spMk id="5" creationId="{2C61C1BE-51C2-C47F-2586-08FD8D62CB06}"/>
+          </ac:spMkLst>
+        </pc:spChg>
+        <pc:spChg chg="mod">
+          <ac:chgData name="Yannick Querin" userId="9ef38f04d9a47384" providerId="LiveId" clId="{7AA76414-0E7B-49FD-AA28-88CCF74D098E}" dt="2024-06-22T13:27:10.399" v="592" actId="20577"/>
+          <ac:spMkLst>
+            <pc:docMk/>
+            <pc:sldMk cId="3280983589" sldId="257"/>
+            <ac:spMk id="7" creationId="{4ACE70BD-78FC-6878-7490-FD08C6EE5268}"/>
+          </ac:spMkLst>
+        </pc:spChg>
+      </pc:sldChg>
+      <pc:sldChg chg="addSp modSp mod">
+        <pc:chgData name="Yannick Querin" userId="9ef38f04d9a47384" providerId="LiveId" clId="{7AA76414-0E7B-49FD-AA28-88CCF74D098E}" dt="2024-06-22T12:49:15.200" v="294" actId="255"/>
+        <pc:sldMkLst>
+          <pc:docMk/>
+          <pc:sldMk cId="3807743398" sldId="261"/>
+        </pc:sldMkLst>
+        <pc:spChg chg="add mod">
+          <ac:chgData name="Yannick Querin" userId="9ef38f04d9a47384" providerId="LiveId" clId="{7AA76414-0E7B-49FD-AA28-88CCF74D098E}" dt="2024-06-22T12:34:28.011" v="250"/>
+          <ac:spMkLst>
+            <pc:docMk/>
+            <pc:sldMk cId="3807743398" sldId="261"/>
+            <ac:spMk id="2" creationId="{027F6F91-5F67-943C-0CB3-B2E53694E024}"/>
+          </ac:spMkLst>
+        </pc:spChg>
+        <pc:spChg chg="mod">
+          <ac:chgData name="Yannick Querin" userId="9ef38f04d9a47384" providerId="LiveId" clId="{7AA76414-0E7B-49FD-AA28-88CCF74D098E}" dt="2024-06-22T12:47:27.679" v="291" actId="255"/>
+          <ac:spMkLst>
+            <pc:docMk/>
+            <pc:sldMk cId="3807743398" sldId="261"/>
+            <ac:spMk id="5" creationId="{2C61C1BE-51C2-C47F-2586-08FD8D62CB06}"/>
+          </ac:spMkLst>
+        </pc:spChg>
+        <pc:spChg chg="add mod">
+          <ac:chgData name="Yannick Querin" userId="9ef38f04d9a47384" providerId="LiveId" clId="{7AA76414-0E7B-49FD-AA28-88CCF74D098E}" dt="2024-06-22T12:34:42.759" v="252" actId="1076"/>
+          <ac:spMkLst>
+            <pc:docMk/>
+            <pc:sldMk cId="3807743398" sldId="261"/>
+            <ac:spMk id="8" creationId="{9884E589-5DF9-2D6A-3A4E-9F25E4F30932}"/>
+          </ac:spMkLst>
+        </pc:spChg>
+        <pc:spChg chg="mod">
+          <ac:chgData name="Yannick Querin" userId="9ef38f04d9a47384" providerId="LiveId" clId="{7AA76414-0E7B-49FD-AA28-88CCF74D098E}" dt="2024-06-22T12:48:56.888" v="292" actId="255"/>
+          <ac:spMkLst>
+            <pc:docMk/>
+            <pc:sldMk cId="3807743398" sldId="261"/>
+            <ac:spMk id="13" creationId="{110F3A27-474F-1ED8-E3D5-F10831CFEE26}"/>
+          </ac:spMkLst>
+        </pc:spChg>
+        <pc:spChg chg="mod">
+          <ac:chgData name="Yannick Querin" userId="9ef38f04d9a47384" providerId="LiveId" clId="{7AA76414-0E7B-49FD-AA28-88CCF74D098E}" dt="2024-06-22T12:49:04.628" v="293" actId="255"/>
+          <ac:spMkLst>
+            <pc:docMk/>
+            <pc:sldMk cId="3807743398" sldId="261"/>
+            <ac:spMk id="15" creationId="{ECD07296-79E7-08CA-62BD-6BC7C75AAAD9}"/>
+          </ac:spMkLst>
+        </pc:spChg>
+        <pc:spChg chg="mod">
+          <ac:chgData name="Yannick Querin" userId="9ef38f04d9a47384" providerId="LiveId" clId="{7AA76414-0E7B-49FD-AA28-88CCF74D098E}" dt="2024-06-22T12:49:15.200" v="294" actId="255"/>
+          <ac:spMkLst>
+            <pc:docMk/>
+            <pc:sldMk cId="3807743398" sldId="261"/>
+            <ac:spMk id="16" creationId="{B1F215D9-8A17-4273-F542-56C5AA50CF1F}"/>
+          </ac:spMkLst>
+        </pc:spChg>
+      </pc:sldChg>
+      <pc:sldChg chg="addSp modSp mod">
+        <pc:chgData name="Yannick Querin" userId="9ef38f04d9a47384" providerId="LiveId" clId="{7AA76414-0E7B-49FD-AA28-88CCF74D098E}" dt="2024-06-22T12:46:18.135" v="290" actId="255"/>
+        <pc:sldMkLst>
+          <pc:docMk/>
+          <pc:sldMk cId="185080532" sldId="262"/>
+        </pc:sldMkLst>
+        <pc:spChg chg="mod">
+          <ac:chgData name="Yannick Querin" userId="9ef38f04d9a47384" providerId="LiveId" clId="{7AA76414-0E7B-49FD-AA28-88CCF74D098E}" dt="2024-06-22T12:46:18.135" v="290" actId="255"/>
+          <ac:spMkLst>
+            <pc:docMk/>
+            <pc:sldMk cId="185080532" sldId="262"/>
+            <ac:spMk id="5" creationId="{2C61C1BE-51C2-C47F-2586-08FD8D62CB06}"/>
+          </ac:spMkLst>
+        </pc:spChg>
+        <pc:spChg chg="add mod">
+          <ac:chgData name="Yannick Querin" userId="9ef38f04d9a47384" providerId="LiveId" clId="{7AA76414-0E7B-49FD-AA28-88CCF74D098E}" dt="2024-06-22T12:37:36.890" v="266" actId="1076"/>
+          <ac:spMkLst>
+            <pc:docMk/>
+            <pc:sldMk cId="185080532" sldId="262"/>
+            <ac:spMk id="7" creationId="{9B9C5B9C-2BBE-30F2-E413-17DBAD380494}"/>
+          </ac:spMkLst>
+        </pc:spChg>
+      </pc:sldChg>
+      <pc:sldChg chg="addSp modSp mod">
+        <pc:chgData name="Yannick Querin" userId="9ef38f04d9a47384" providerId="LiveId" clId="{7AA76414-0E7B-49FD-AA28-88CCF74D098E}" dt="2024-06-22T12:43:59.421" v="288" actId="255"/>
+        <pc:sldMkLst>
+          <pc:docMk/>
+          <pc:sldMk cId="3056490110" sldId="263"/>
+        </pc:sldMkLst>
+        <pc:spChg chg="mod">
+          <ac:chgData name="Yannick Querin" userId="9ef38f04d9a47384" providerId="LiveId" clId="{7AA76414-0E7B-49FD-AA28-88CCF74D098E}" dt="2024-06-22T12:43:59.421" v="288" actId="255"/>
+          <ac:spMkLst>
+            <pc:docMk/>
+            <pc:sldMk cId="3056490110" sldId="263"/>
+            <ac:spMk id="5" creationId="{2C61C1BE-51C2-C47F-2586-08FD8D62CB06}"/>
+          </ac:spMkLst>
+        </pc:spChg>
+        <pc:spChg chg="add mod">
+          <ac:chgData name="Yannick Querin" userId="9ef38f04d9a47384" providerId="LiveId" clId="{7AA76414-0E7B-49FD-AA28-88CCF74D098E}" dt="2024-06-22T12:38:32.768" v="276" actId="1076"/>
+          <ac:spMkLst>
+            <pc:docMk/>
+            <pc:sldMk cId="3056490110" sldId="263"/>
+            <ac:spMk id="7" creationId="{149F4206-F4A9-25F0-97D3-070BC97507AA}"/>
+          </ac:spMkLst>
+        </pc:spChg>
+      </pc:sldChg>
+      <pc:sldChg chg="addSp modSp mod">
+        <pc:chgData name="Yannick Querin" userId="9ef38f04d9a47384" providerId="LiveId" clId="{7AA76414-0E7B-49FD-AA28-88CCF74D098E}" dt="2024-06-22T12:40:47.882" v="287" actId="20577"/>
+        <pc:sldMkLst>
+          <pc:docMk/>
+          <pc:sldMk cId="1104604741" sldId="264"/>
+        </pc:sldMkLst>
+        <pc:spChg chg="mod">
+          <ac:chgData name="Yannick Querin" userId="9ef38f04d9a47384" providerId="LiveId" clId="{7AA76414-0E7B-49FD-AA28-88CCF74D098E}" dt="2024-06-22T12:40:47.882" v="287" actId="20577"/>
+          <ac:spMkLst>
+            <pc:docMk/>
+            <pc:sldMk cId="1104604741" sldId="264"/>
+            <ac:spMk id="5" creationId="{2C61C1BE-51C2-C47F-2586-08FD8D62CB06}"/>
+          </ac:spMkLst>
+        </pc:spChg>
+        <pc:spChg chg="add mod">
+          <ac:chgData name="Yannick Querin" userId="9ef38f04d9a47384" providerId="LiveId" clId="{7AA76414-0E7B-49FD-AA28-88CCF74D098E}" dt="2024-06-22T12:40:43.892" v="283" actId="1076"/>
+          <ac:spMkLst>
+            <pc:docMk/>
+            <pc:sldMk cId="1104604741" sldId="264"/>
+            <ac:spMk id="7" creationId="{BF866875-9CF5-B1B7-E45A-B3EE9D68D543}"/>
+          </ac:spMkLst>
+        </pc:spChg>
+        <pc:spChg chg="mod">
+          <ac:chgData name="Yannick Querin" userId="9ef38f04d9a47384" providerId="LiveId" clId="{7AA76414-0E7B-49FD-AA28-88CCF74D098E}" dt="2024-06-21T12:28:02.046" v="0" actId="27107"/>
+          <ac:spMkLst>
+            <pc:docMk/>
+            <pc:sldMk cId="1104604741" sldId="264"/>
+            <ac:spMk id="13" creationId="{FAA284DB-B453-E03B-B3EA-27AC2C316844}"/>
+          </ac:spMkLst>
+        </pc:spChg>
+      </pc:sldChg>
+      <pc:sldChg chg="addSp modSp mod">
+        <pc:chgData name="Yannick Querin" userId="9ef38f04d9a47384" providerId="LiveId" clId="{7AA76414-0E7B-49FD-AA28-88CCF74D098E}" dt="2024-06-22T13:10:33.288" v="330" actId="20577"/>
+        <pc:sldMkLst>
+          <pc:docMk/>
+          <pc:sldMk cId="3534027078" sldId="265"/>
+        </pc:sldMkLst>
+        <pc:spChg chg="mod">
+          <ac:chgData name="Yannick Querin" userId="9ef38f04d9a47384" providerId="LiveId" clId="{7AA76414-0E7B-49FD-AA28-88CCF74D098E}" dt="2024-06-22T13:10:33.288" v="330" actId="20577"/>
+          <ac:spMkLst>
+            <pc:docMk/>
+            <pc:sldMk cId="3534027078" sldId="265"/>
+            <ac:spMk id="5" creationId="{2C61C1BE-51C2-C47F-2586-08FD8D62CB06}"/>
+          </ac:spMkLst>
+        </pc:spChg>
+        <pc:spChg chg="add mod">
+          <ac:chgData name="Yannick Querin" userId="9ef38f04d9a47384" providerId="LiveId" clId="{7AA76414-0E7B-49FD-AA28-88CCF74D098E}" dt="2024-06-22T13:10:25.676" v="321"/>
+          <ac:spMkLst>
+            <pc:docMk/>
+            <pc:sldMk cId="3534027078" sldId="265"/>
+            <ac:spMk id="7" creationId="{1CBCB8AB-2804-41AE-A69F-F73CC82F3AB0}"/>
+          </ac:spMkLst>
+        </pc:spChg>
+      </pc:sldChg>
+      <pc:sldChg chg="addSp modSp mod">
+        <pc:chgData name="Yannick Querin" userId="9ef38f04d9a47384" providerId="LiveId" clId="{7AA76414-0E7B-49FD-AA28-88CCF74D098E}" dt="2024-06-22T13:11:26.742" v="339" actId="20577"/>
+        <pc:sldMkLst>
+          <pc:docMk/>
+          <pc:sldMk cId="2694343781" sldId="266"/>
+        </pc:sldMkLst>
+        <pc:spChg chg="add mod">
+          <ac:chgData name="Yannick Querin" userId="9ef38f04d9a47384" providerId="LiveId" clId="{7AA76414-0E7B-49FD-AA28-88CCF74D098E}" dt="2024-06-22T13:11:21.014" v="331"/>
+          <ac:spMkLst>
+            <pc:docMk/>
+            <pc:sldMk cId="2694343781" sldId="266"/>
+            <ac:spMk id="2" creationId="{8B4A139F-096B-FEB6-7DBD-ADC7FEAFEC00}"/>
+          </ac:spMkLst>
+        </pc:spChg>
+        <pc:spChg chg="mod">
+          <ac:chgData name="Yannick Querin" userId="9ef38f04d9a47384" providerId="LiveId" clId="{7AA76414-0E7B-49FD-AA28-88CCF74D098E}" dt="2024-06-22T13:11:26.742" v="339" actId="20577"/>
+          <ac:spMkLst>
+            <pc:docMk/>
+            <pc:sldMk cId="2694343781" sldId="266"/>
+            <ac:spMk id="5" creationId="{2C61C1BE-51C2-C47F-2586-08FD8D62CB06}"/>
+          </ac:spMkLst>
+        </pc:spChg>
+      </pc:sldChg>
+      <pc:sldChg chg="addSp modSp mod">
+        <pc:chgData name="Yannick Querin" userId="9ef38f04d9a47384" providerId="LiveId" clId="{7AA76414-0E7B-49FD-AA28-88CCF74D098E}" dt="2024-06-22T13:11:55.512" v="346"/>
+        <pc:sldMkLst>
+          <pc:docMk/>
+          <pc:sldMk cId="2175111464" sldId="267"/>
+        </pc:sldMkLst>
+        <pc:spChg chg="add mod">
+          <ac:chgData name="Yannick Querin" userId="9ef38f04d9a47384" providerId="LiveId" clId="{7AA76414-0E7B-49FD-AA28-88CCF74D098E}" dt="2024-06-22T13:11:55.512" v="346"/>
+          <ac:spMkLst>
+            <pc:docMk/>
+            <pc:sldMk cId="2175111464" sldId="267"/>
+            <ac:spMk id="2" creationId="{EB18BA94-425E-6E3F-A0F6-90BF15224B09}"/>
+          </ac:spMkLst>
+        </pc:spChg>
+        <pc:spChg chg="mod">
+          <ac:chgData name="Yannick Querin" userId="9ef38f04d9a47384" providerId="LiveId" clId="{7AA76414-0E7B-49FD-AA28-88CCF74D098E}" dt="2024-06-22T13:11:43.750" v="345" actId="20577"/>
+          <ac:spMkLst>
+            <pc:docMk/>
+            <pc:sldMk cId="2175111464" sldId="267"/>
+            <ac:spMk id="5" creationId="{2C61C1BE-51C2-C47F-2586-08FD8D62CB06}"/>
+          </ac:spMkLst>
+        </pc:spChg>
+      </pc:sldChg>
+      <pc:sldChg chg="addSp modSp mod">
+        <pc:chgData name="Yannick Querin" userId="9ef38f04d9a47384" providerId="LiveId" clId="{7AA76414-0E7B-49FD-AA28-88CCF74D098E}" dt="2024-06-22T13:12:27.266" v="355" actId="1076"/>
+        <pc:sldMkLst>
+          <pc:docMk/>
+          <pc:sldMk cId="4098812033" sldId="268"/>
+        </pc:sldMkLst>
+        <pc:spChg chg="add mod">
+          <ac:chgData name="Yannick Querin" userId="9ef38f04d9a47384" providerId="LiveId" clId="{7AA76414-0E7B-49FD-AA28-88CCF74D098E}" dt="2024-06-22T13:12:27.266" v="355" actId="1076"/>
+          <ac:spMkLst>
+            <pc:docMk/>
+            <pc:sldMk cId="4098812033" sldId="268"/>
+            <ac:spMk id="2" creationId="{21DCFEED-7A1E-BD54-5E6F-B92D3A08DE98}"/>
+          </ac:spMkLst>
+        </pc:spChg>
+        <pc:spChg chg="mod">
+          <ac:chgData name="Yannick Querin" userId="9ef38f04d9a47384" providerId="LiveId" clId="{7AA76414-0E7B-49FD-AA28-88CCF74D098E}" dt="2024-06-22T13:12:17.584" v="353" actId="20577"/>
+          <ac:spMkLst>
+            <pc:docMk/>
+            <pc:sldMk cId="4098812033" sldId="268"/>
+            <ac:spMk id="5" creationId="{2C61C1BE-51C2-C47F-2586-08FD8D62CB06}"/>
+          </ac:spMkLst>
+        </pc:spChg>
+      </pc:sldChg>
+      <pc:sldChg chg="addSp modSp mod">
+        <pc:chgData name="Yannick Querin" userId="9ef38f04d9a47384" providerId="LiveId" clId="{7AA76414-0E7B-49FD-AA28-88CCF74D098E}" dt="2024-06-22T13:13:05.133" v="367" actId="1076"/>
+        <pc:sldMkLst>
+          <pc:docMk/>
+          <pc:sldMk cId="439729010" sldId="269"/>
+        </pc:sldMkLst>
+        <pc:spChg chg="add mod">
+          <ac:chgData name="Yannick Querin" userId="9ef38f04d9a47384" providerId="LiveId" clId="{7AA76414-0E7B-49FD-AA28-88CCF74D098E}" dt="2024-06-22T13:13:05.133" v="367" actId="1076"/>
+          <ac:spMkLst>
+            <pc:docMk/>
+            <pc:sldMk cId="439729010" sldId="269"/>
+            <ac:spMk id="2" creationId="{8509D25F-ED94-80BB-F689-7379053F8777}"/>
+          </ac:spMkLst>
+        </pc:spChg>
+        <pc:spChg chg="mod">
+          <ac:chgData name="Yannick Querin" userId="9ef38f04d9a47384" providerId="LiveId" clId="{7AA76414-0E7B-49FD-AA28-88CCF74D098E}" dt="2024-06-22T13:12:58.904" v="366" actId="20577"/>
+          <ac:spMkLst>
+            <pc:docMk/>
+            <pc:sldMk cId="439729010" sldId="269"/>
+            <ac:spMk id="5" creationId="{2C61C1BE-51C2-C47F-2586-08FD8D62CB06}"/>
+          </ac:spMkLst>
+        </pc:spChg>
+      </pc:sldChg>
+      <pc:sldChg chg="addSp modSp mod">
+        <pc:chgData name="Yannick Querin" userId="9ef38f04d9a47384" providerId="LiveId" clId="{7AA76414-0E7B-49FD-AA28-88CCF74D098E}" dt="2024-06-22T13:13:35.563" v="380" actId="1076"/>
+        <pc:sldMkLst>
+          <pc:docMk/>
+          <pc:sldMk cId="2517509146" sldId="270"/>
+        </pc:sldMkLst>
+        <pc:spChg chg="add mod">
+          <ac:chgData name="Yannick Querin" userId="9ef38f04d9a47384" providerId="LiveId" clId="{7AA76414-0E7B-49FD-AA28-88CCF74D098E}" dt="2024-06-22T13:13:35.563" v="380" actId="1076"/>
+          <ac:spMkLst>
+            <pc:docMk/>
+            <pc:sldMk cId="2517509146" sldId="270"/>
+            <ac:spMk id="2" creationId="{A2387E37-9A61-A660-043F-A47709630502}"/>
+          </ac:spMkLst>
+        </pc:spChg>
+        <pc:spChg chg="mod">
+          <ac:chgData name="Yannick Querin" userId="9ef38f04d9a47384" providerId="LiveId" clId="{7AA76414-0E7B-49FD-AA28-88CCF74D098E}" dt="2024-06-22T13:13:15.363" v="377" actId="20577"/>
+          <ac:spMkLst>
+            <pc:docMk/>
+            <pc:sldMk cId="2517509146" sldId="270"/>
+            <ac:spMk id="5" creationId="{2C61C1BE-51C2-C47F-2586-08FD8D62CB06}"/>
+          </ac:spMkLst>
+        </pc:spChg>
+      </pc:sldChg>
+      <pc:sldChg chg="addSp modSp mod">
+        <pc:chgData name="Yannick Querin" userId="9ef38f04d9a47384" providerId="LiveId" clId="{7AA76414-0E7B-49FD-AA28-88CCF74D098E}" dt="2024-06-22T13:14:14.500" v="416" actId="20577"/>
+        <pc:sldMkLst>
+          <pc:docMk/>
+          <pc:sldMk cId="2168468660" sldId="271"/>
+        </pc:sldMkLst>
+        <pc:spChg chg="add mod">
+          <ac:chgData name="Yannick Querin" userId="9ef38f04d9a47384" providerId="LiveId" clId="{7AA76414-0E7B-49FD-AA28-88CCF74D098E}" dt="2024-06-22T13:14:10.837" v="415" actId="1076"/>
+          <ac:spMkLst>
+            <pc:docMk/>
+            <pc:sldMk cId="2168468660" sldId="271"/>
+            <ac:spMk id="2" creationId="{F71C94DD-63E7-2F8A-7762-F5F62A8D798E}"/>
+          </ac:spMkLst>
+        </pc:spChg>
+        <pc:spChg chg="mod">
+          <ac:chgData name="Yannick Querin" userId="9ef38f04d9a47384" providerId="LiveId" clId="{7AA76414-0E7B-49FD-AA28-88CCF74D098E}" dt="2024-06-22T13:14:14.500" v="416" actId="20577"/>
+          <ac:spMkLst>
+            <pc:docMk/>
+            <pc:sldMk cId="2168468660" sldId="271"/>
+            <ac:spMk id="5" creationId="{2C61C1BE-51C2-C47F-2586-08FD8D62CB06}"/>
+          </ac:spMkLst>
+        </pc:spChg>
+      </pc:sldChg>
+      <pc:sldChg chg="addSp modSp mod">
+        <pc:chgData name="Yannick Querin" userId="9ef38f04d9a47384" providerId="LiveId" clId="{7AA76414-0E7B-49FD-AA28-88CCF74D098E}" dt="2024-06-22T13:14:36.697" v="428" actId="1076"/>
+        <pc:sldMkLst>
+          <pc:docMk/>
+          <pc:sldMk cId="3114311012" sldId="272"/>
+        </pc:sldMkLst>
+        <pc:spChg chg="add mod">
+          <ac:chgData name="Yannick Querin" userId="9ef38f04d9a47384" providerId="LiveId" clId="{7AA76414-0E7B-49FD-AA28-88CCF74D098E}" dt="2024-06-22T13:14:36.697" v="428" actId="1076"/>
+          <ac:spMkLst>
+            <pc:docMk/>
+            <pc:sldMk cId="3114311012" sldId="272"/>
+            <ac:spMk id="2" creationId="{81C49312-F8A7-81D2-055D-B9C138CB1E96}"/>
+          </ac:spMkLst>
+        </pc:spChg>
+        <pc:spChg chg="mod">
+          <ac:chgData name="Yannick Querin" userId="9ef38f04d9a47384" providerId="LiveId" clId="{7AA76414-0E7B-49FD-AA28-88CCF74D098E}" dt="2024-06-22T13:14:26.646" v="426" actId="20577"/>
+          <ac:spMkLst>
+            <pc:docMk/>
+            <pc:sldMk cId="3114311012" sldId="272"/>
+            <ac:spMk id="5" creationId="{2C61C1BE-51C2-C47F-2586-08FD8D62CB06}"/>
+          </ac:spMkLst>
+        </pc:spChg>
+        <pc:picChg chg="mod">
+          <ac:chgData name="Yannick Querin" userId="9ef38f04d9a47384" providerId="LiveId" clId="{7AA76414-0E7B-49FD-AA28-88CCF74D098E}" dt="2024-06-22T12:57:53.848" v="306" actId="1076"/>
+          <ac:picMkLst>
+            <pc:docMk/>
+            <pc:sldMk cId="3114311012" sldId="272"/>
+            <ac:picMk id="3" creationId="{96051F8B-FD65-B8F9-3772-20E5529447B1}"/>
+          </ac:picMkLst>
+        </pc:picChg>
+      </pc:sldChg>
+      <pc:sldChg chg="addSp modSp mod">
+        <pc:chgData name="Yannick Querin" userId="9ef38f04d9a47384" providerId="LiveId" clId="{7AA76414-0E7B-49FD-AA28-88CCF74D098E}" dt="2024-06-22T13:15:30.951" v="459" actId="20577"/>
+        <pc:sldMkLst>
+          <pc:docMk/>
+          <pc:sldMk cId="590900209" sldId="273"/>
+        </pc:sldMkLst>
+        <pc:spChg chg="add mod">
+          <ac:chgData name="Yannick Querin" userId="9ef38f04d9a47384" providerId="LiveId" clId="{7AA76414-0E7B-49FD-AA28-88CCF74D098E}" dt="2024-06-22T13:15:13.852" v="453" actId="1076"/>
+          <ac:spMkLst>
+            <pc:docMk/>
+            <pc:sldMk cId="590900209" sldId="273"/>
+            <ac:spMk id="2" creationId="{ABB041A4-B9FA-EE20-2BC6-2A765FED22BC}"/>
+          </ac:spMkLst>
+        </pc:spChg>
+        <pc:spChg chg="mod">
+          <ac:chgData name="Yannick Querin" userId="9ef38f04d9a47384" providerId="LiveId" clId="{7AA76414-0E7B-49FD-AA28-88CCF74D098E}" dt="2024-06-22T13:15:30.951" v="459" actId="20577"/>
+          <ac:spMkLst>
+            <pc:docMk/>
+            <pc:sldMk cId="590900209" sldId="273"/>
+            <ac:spMk id="5" creationId="{2C61C1BE-51C2-C47F-2586-08FD8D62CB06}"/>
+          </ac:spMkLst>
+        </pc:spChg>
+      </pc:sldChg>
+      <pc:sldChg chg="modSp mod">
+        <pc:chgData name="Yannick Querin" userId="9ef38f04d9a47384" providerId="LiveId" clId="{7AA76414-0E7B-49FD-AA28-88CCF74D098E}" dt="2024-06-22T13:27:03.830" v="591" actId="20577"/>
+        <pc:sldMkLst>
+          <pc:docMk/>
+          <pc:sldMk cId="759105116" sldId="274"/>
+        </pc:sldMkLst>
+        <pc:spChg chg="mod">
+          <ac:chgData name="Yannick Querin" userId="9ef38f04d9a47384" providerId="LiveId" clId="{7AA76414-0E7B-49FD-AA28-88CCF74D098E}" dt="2024-06-22T12:49:37.703" v="295" actId="255"/>
+          <ac:spMkLst>
+            <pc:docMk/>
+            <pc:sldMk cId="759105116" sldId="274"/>
+            <ac:spMk id="5" creationId="{2C61C1BE-51C2-C47F-2586-08FD8D62CB06}"/>
+          </ac:spMkLst>
+        </pc:spChg>
+        <pc:spChg chg="mod">
+          <ac:chgData name="Yannick Querin" userId="9ef38f04d9a47384" providerId="LiveId" clId="{7AA76414-0E7B-49FD-AA28-88CCF74D098E}" dt="2024-06-22T13:27:03.830" v="591" actId="20577"/>
+          <ac:spMkLst>
+            <pc:docMk/>
+            <pc:sldMk cId="759105116" sldId="274"/>
+            <ac:spMk id="7" creationId="{4ACE70BD-78FC-6878-7490-FD08C6EE5268}"/>
+          </ac:spMkLst>
+        </pc:spChg>
+      </pc:sldChg>
+      <pc:sldChg chg="modSp mod">
+        <pc:chgData name="Yannick Querin" userId="9ef38f04d9a47384" providerId="LiveId" clId="{7AA76414-0E7B-49FD-AA28-88CCF74D098E}" dt="2024-06-22T13:26:57.808" v="590" actId="20577"/>
+        <pc:sldMkLst>
+          <pc:docMk/>
+          <pc:sldMk cId="1691209384" sldId="275"/>
+        </pc:sldMkLst>
+        <pc:spChg chg="mod">
+          <ac:chgData name="Yannick Querin" userId="9ef38f04d9a47384" providerId="LiveId" clId="{7AA76414-0E7B-49FD-AA28-88CCF74D098E}" dt="2024-06-22T12:44:11.531" v="289" actId="255"/>
+          <ac:spMkLst>
+            <pc:docMk/>
+            <pc:sldMk cId="1691209384" sldId="275"/>
+            <ac:spMk id="5" creationId="{2C61C1BE-51C2-C47F-2586-08FD8D62CB06}"/>
+          </ac:spMkLst>
+        </pc:spChg>
+        <pc:spChg chg="mod">
+          <ac:chgData name="Yannick Querin" userId="9ef38f04d9a47384" providerId="LiveId" clId="{7AA76414-0E7B-49FD-AA28-88CCF74D098E}" dt="2024-06-22T13:26:57.808" v="590" actId="20577"/>
+          <ac:spMkLst>
+            <pc:docMk/>
+            <pc:sldMk cId="1691209384" sldId="275"/>
+            <ac:spMk id="7" creationId="{4ACE70BD-78FC-6878-7490-FD08C6EE5268}"/>
+          </ac:spMkLst>
+        </pc:spChg>
+      </pc:sldChg>
+      <pc:sldChg chg="modSp mod">
+        <pc:chgData name="Yannick Querin" userId="9ef38f04d9a47384" providerId="LiveId" clId="{7AA76414-0E7B-49FD-AA28-88CCF74D098E}" dt="2024-06-22T13:26:09.456" v="589" actId="20577"/>
+        <pc:sldMkLst>
+          <pc:docMk/>
+          <pc:sldMk cId="586646404" sldId="276"/>
+        </pc:sldMkLst>
+        <pc:spChg chg="mod">
+          <ac:chgData name="Yannick Querin" userId="9ef38f04d9a47384" providerId="LiveId" clId="{7AA76414-0E7B-49FD-AA28-88CCF74D098E}" dt="2024-06-22T12:54:02.277" v="300" actId="255"/>
+          <ac:spMkLst>
+            <pc:docMk/>
+            <pc:sldMk cId="586646404" sldId="276"/>
+            <ac:spMk id="5" creationId="{2C61C1BE-51C2-C47F-2586-08FD8D62CB06}"/>
+          </ac:spMkLst>
+        </pc:spChg>
+        <pc:spChg chg="mod">
+          <ac:chgData name="Yannick Querin" userId="9ef38f04d9a47384" providerId="LiveId" clId="{7AA76414-0E7B-49FD-AA28-88CCF74D098E}" dt="2024-06-22T13:26:09.456" v="589" actId="20577"/>
+          <ac:spMkLst>
+            <pc:docMk/>
+            <pc:sldMk cId="586646404" sldId="276"/>
+            <ac:spMk id="7" creationId="{4ACE70BD-78FC-6878-7490-FD08C6EE5268}"/>
+          </ac:spMkLst>
+        </pc:spChg>
+      </pc:sldChg>
+      <pc:sldChg chg="addSp delSp modSp mod">
+        <pc:chgData name="Yannick Querin" userId="9ef38f04d9a47384" providerId="LiveId" clId="{7AA76414-0E7B-49FD-AA28-88CCF74D098E}" dt="2024-06-22T13:15:49.491" v="471" actId="1076"/>
+        <pc:sldMkLst>
+          <pc:docMk/>
+          <pc:sldMk cId="3163854768" sldId="277"/>
+        </pc:sldMkLst>
+        <pc:spChg chg="add mod">
+          <ac:chgData name="Yannick Querin" userId="9ef38f04d9a47384" providerId="LiveId" clId="{7AA76414-0E7B-49FD-AA28-88CCF74D098E}" dt="2024-06-22T13:15:49.491" v="471" actId="1076"/>
+          <ac:spMkLst>
+            <pc:docMk/>
+            <pc:sldMk cId="3163854768" sldId="277"/>
+            <ac:spMk id="2" creationId="{78205745-4B63-35DC-E54C-0972458BBA26}"/>
+          </ac:spMkLst>
+        </pc:spChg>
+        <pc:spChg chg="mod">
+          <ac:chgData name="Yannick Querin" userId="9ef38f04d9a47384" providerId="LiveId" clId="{7AA76414-0E7B-49FD-AA28-88CCF74D098E}" dt="2024-06-22T13:15:39.350" v="469" actId="20577"/>
+          <ac:spMkLst>
+            <pc:docMk/>
+            <pc:sldMk cId="3163854768" sldId="277"/>
+            <ac:spMk id="5" creationId="{2C61C1BE-51C2-C47F-2586-08FD8D62CB06}"/>
+          </ac:spMkLst>
+        </pc:spChg>
+        <pc:spChg chg="add del">
+          <ac:chgData name="Yannick Querin" userId="9ef38f04d9a47384" providerId="LiveId" clId="{7AA76414-0E7B-49FD-AA28-88CCF74D098E}" dt="2024-06-21T15:44:58.358" v="80" actId="21"/>
+          <ac:spMkLst>
+            <pc:docMk/>
+            <pc:sldMk cId="3163854768" sldId="277"/>
+            <ac:spMk id="8" creationId="{46F427E6-4762-181F-663B-5786B00D7140}"/>
+          </ac:spMkLst>
+        </pc:spChg>
+        <pc:spChg chg="mod">
+          <ac:chgData name="Yannick Querin" userId="9ef38f04d9a47384" providerId="LiveId" clId="{7AA76414-0E7B-49FD-AA28-88CCF74D098E}" dt="2024-06-21T15:44:44.109" v="79" actId="6549"/>
+          <ac:spMkLst>
+            <pc:docMk/>
+            <pc:sldMk cId="3163854768" sldId="277"/>
+            <ac:spMk id="12" creationId="{099BC121-5293-448F-1A35-B48C7C651332}"/>
+          </ac:spMkLst>
+        </pc:spChg>
+      </pc:sldChg>
+      <pc:sldChg chg="addSp modSp mod">
+        <pc:chgData name="Yannick Querin" userId="9ef38f04d9a47384" providerId="LiveId" clId="{7AA76414-0E7B-49FD-AA28-88CCF74D098E}" dt="2024-06-22T13:22:52.889" v="555" actId="20577"/>
+        <pc:sldMkLst>
+          <pc:docMk/>
+          <pc:sldMk cId="3461538094" sldId="278"/>
+        </pc:sldMkLst>
+        <pc:spChg chg="add mod">
+          <ac:chgData name="Yannick Querin" userId="9ef38f04d9a47384" providerId="LiveId" clId="{7AA76414-0E7B-49FD-AA28-88CCF74D098E}" dt="2024-06-22T13:22:52.889" v="555" actId="20577"/>
+          <ac:spMkLst>
+            <pc:docMk/>
+            <pc:sldMk cId="3461538094" sldId="278"/>
+            <ac:spMk id="2" creationId="{57D1C000-E06F-F837-5B30-C26F6DC1FFBD}"/>
+          </ac:spMkLst>
+        </pc:spChg>
+        <pc:spChg chg="mod">
+          <ac:chgData name="Yannick Querin" userId="9ef38f04d9a47384" providerId="LiveId" clId="{7AA76414-0E7B-49FD-AA28-88CCF74D098E}" dt="2024-06-22T13:19:20.339" v="490" actId="20577"/>
+          <ac:spMkLst>
+            <pc:docMk/>
+            <pc:sldMk cId="3461538094" sldId="278"/>
+            <ac:spMk id="5" creationId="{2C61C1BE-51C2-C47F-2586-08FD8D62CB06}"/>
+          </ac:spMkLst>
+        </pc:spChg>
+      </pc:sldChg>
+      <pc:sldChg chg="addSp delSp modSp mod">
+        <pc:chgData name="Yannick Querin" userId="9ef38f04d9a47384" providerId="LiveId" clId="{7AA76414-0E7B-49FD-AA28-88CCF74D098E}" dt="2024-06-30T19:09:55.147" v="1609" actId="14100"/>
+        <pc:sldMkLst>
+          <pc:docMk/>
+          <pc:sldMk cId="1485020124" sldId="279"/>
+        </pc:sldMkLst>
+        <pc:spChg chg="add mod">
+          <ac:chgData name="Yannick Querin" userId="9ef38f04d9a47384" providerId="LiveId" clId="{7AA76414-0E7B-49FD-AA28-88CCF74D098E}" dt="2024-06-22T13:22:58.469" v="557" actId="20577"/>
+          <ac:spMkLst>
+            <pc:docMk/>
+            <pc:sldMk cId="1485020124" sldId="279"/>
+            <ac:spMk id="2" creationId="{8C23743B-4524-1218-C9A1-EF953DACF1BF}"/>
+          </ac:spMkLst>
+        </pc:spChg>
+        <pc:spChg chg="mod">
+          <ac:chgData name="Yannick Querin" userId="9ef38f04d9a47384" providerId="LiveId" clId="{7AA76414-0E7B-49FD-AA28-88CCF74D098E}" dt="2024-06-22T13:20:15.337" v="504" actId="20577"/>
+          <ac:spMkLst>
+            <pc:docMk/>
+            <pc:sldMk cId="1485020124" sldId="279"/>
+            <ac:spMk id="5" creationId="{2C61C1BE-51C2-C47F-2586-08FD8D62CB06}"/>
+          </ac:spMkLst>
+        </pc:spChg>
+        <pc:spChg chg="add mod ord">
+          <ac:chgData name="Yannick Querin" userId="9ef38f04d9a47384" providerId="LiveId" clId="{7AA76414-0E7B-49FD-AA28-88CCF74D098E}" dt="2024-06-30T17:21:52.065" v="1561" actId="14100"/>
+          <ac:spMkLst>
+            <pc:docMk/>
+            <pc:sldMk cId="1485020124" sldId="279"/>
+            <ac:spMk id="8" creationId="{4FBC64A2-7C70-88D7-ACB4-037E4202C3DA}"/>
+          </ac:spMkLst>
+        </pc:spChg>
+        <pc:spChg chg="add del mod">
+          <ac:chgData name="Yannick Querin" userId="9ef38f04d9a47384" providerId="LiveId" clId="{7AA76414-0E7B-49FD-AA28-88CCF74D098E}" dt="2024-06-21T15:47:24.902" v="114" actId="21"/>
+          <ac:spMkLst>
+            <pc:docMk/>
+            <pc:sldMk cId="1485020124" sldId="279"/>
+            <ac:spMk id="9" creationId="{B2B1DBB0-AB6C-3BEB-57FF-143236D13CFE}"/>
+          </ac:spMkLst>
+        </pc:spChg>
+        <pc:spChg chg="add mod">
+          <ac:chgData name="Yannick Querin" userId="9ef38f04d9a47384" providerId="LiveId" clId="{7AA76414-0E7B-49FD-AA28-88CCF74D098E}" dt="2024-06-30T17:17:00.158" v="1551" actId="20577"/>
+          <ac:spMkLst>
+            <pc:docMk/>
+            <pc:sldMk cId="1485020124" sldId="279"/>
+            <ac:spMk id="10" creationId="{46F427E6-4762-181F-663B-5786B00D7140}"/>
+          </ac:spMkLst>
+        </pc:spChg>
+        <pc:spChg chg="add mod ord">
+          <ac:chgData name="Yannick Querin" userId="9ef38f04d9a47384" providerId="LiveId" clId="{7AA76414-0E7B-49FD-AA28-88CCF74D098E}" dt="2024-06-30T17:22:23.567" v="1570" actId="167"/>
+          <ac:spMkLst>
+            <pc:docMk/>
+            <pc:sldMk cId="1485020124" sldId="279"/>
+            <ac:spMk id="14" creationId="{2382DAB9-4C8B-16FF-41F4-8E23FAB4C7AC}"/>
+          </ac:spMkLst>
+        </pc:spChg>
+        <pc:spChg chg="add del mod">
+          <ac:chgData name="Yannick Querin" userId="9ef38f04d9a47384" providerId="LiveId" clId="{7AA76414-0E7B-49FD-AA28-88CCF74D098E}" dt="2024-06-30T17:23:11.028" v="1573"/>
+          <ac:spMkLst>
+            <pc:docMk/>
+            <pc:sldMk cId="1485020124" sldId="279"/>
+            <ac:spMk id="15" creationId="{91C54214-772E-6BE8-74BF-5758B636AFA1}"/>
+          </ac:spMkLst>
+        </pc:spChg>
+        <pc:spChg chg="add mod">
+          <ac:chgData name="Yannick Querin" userId="9ef38f04d9a47384" providerId="LiveId" clId="{7AA76414-0E7B-49FD-AA28-88CCF74D098E}" dt="2024-06-30T17:24:00.188" v="1577" actId="14100"/>
+          <ac:spMkLst>
+            <pc:docMk/>
+            <pc:sldMk cId="1485020124" sldId="279"/>
+            <ac:spMk id="16" creationId="{38CF44D8-F840-B008-4DB3-7C5FA5DF441E}"/>
+          </ac:spMkLst>
+        </pc:spChg>
+        <pc:spChg chg="add mod">
+          <ac:chgData name="Yannick Querin" userId="9ef38f04d9a47384" providerId="LiveId" clId="{7AA76414-0E7B-49FD-AA28-88CCF74D098E}" dt="2024-06-30T17:27:08.874" v="1595" actId="20577"/>
+          <ac:spMkLst>
+            <pc:docMk/>
+            <pc:sldMk cId="1485020124" sldId="279"/>
+            <ac:spMk id="17" creationId="{B18BCEA5-E752-E5A0-6DE9-CF90352E2ACD}"/>
+          </ac:spMkLst>
+        </pc:spChg>
+        <pc:picChg chg="add del mod">
+          <ac:chgData name="Yannick Querin" userId="9ef38f04d9a47384" providerId="LiveId" clId="{7AA76414-0E7B-49FD-AA28-88CCF74D098E}" dt="2024-06-30T17:14:44.451" v="1545" actId="21"/>
+          <ac:picMkLst>
+            <pc:docMk/>
+            <pc:sldMk cId="1485020124" sldId="279"/>
+            <ac:picMk id="3" creationId="{A15C1DB2-68BE-0C9D-6917-A11AFD891FBD}"/>
+          </ac:picMkLst>
+        </pc:picChg>
+        <pc:picChg chg="add mod">
+          <ac:chgData name="Yannick Querin" userId="9ef38f04d9a47384" providerId="LiveId" clId="{7AA76414-0E7B-49FD-AA28-88CCF74D098E}" dt="2024-06-30T17:21:55.097" v="1562" actId="1076"/>
+          <ac:picMkLst>
+            <pc:docMk/>
+            <pc:sldMk cId="1485020124" sldId="279"/>
+            <ac:picMk id="7" creationId="{926B3053-63EC-9013-7306-DC3AF90BF0CA}"/>
+          </ac:picMkLst>
+        </pc:picChg>
+        <pc:picChg chg="add mod">
+          <ac:chgData name="Yannick Querin" userId="9ef38f04d9a47384" providerId="LiveId" clId="{7AA76414-0E7B-49FD-AA28-88CCF74D098E}" dt="2024-06-30T17:23:49.260" v="1575" actId="1076"/>
+          <ac:picMkLst>
+            <pc:docMk/>
+            <pc:sldMk cId="1485020124" sldId="279"/>
+            <ac:picMk id="11" creationId="{4065DAB3-0AA3-C528-36E3-5CD890B7ADAD}"/>
+          </ac:picMkLst>
+        </pc:picChg>
+        <pc:picChg chg="add mod">
+          <ac:chgData name="Yannick Querin" userId="9ef38f04d9a47384" providerId="LiveId" clId="{7AA76414-0E7B-49FD-AA28-88CCF74D098E}" dt="2024-06-30T17:19:39.378" v="1560" actId="1076"/>
+          <ac:picMkLst>
+            <pc:docMk/>
+            <pc:sldMk cId="1485020124" sldId="279"/>
+            <ac:picMk id="13" creationId="{0231FF1A-3521-46A6-3ACF-88EC05DB65A3}"/>
+          </ac:picMkLst>
+        </pc:picChg>
+        <pc:picChg chg="add mod">
+          <ac:chgData name="Yannick Querin" userId="9ef38f04d9a47384" providerId="LiveId" clId="{7AA76414-0E7B-49FD-AA28-88CCF74D098E}" dt="2024-06-30T19:09:55.147" v="1609" actId="14100"/>
+          <ac:picMkLst>
+            <pc:docMk/>
+            <pc:sldMk cId="1485020124" sldId="279"/>
+            <ac:picMk id="19" creationId="{EB918DE4-3A53-D964-6391-48AE3FCDB450}"/>
+          </ac:picMkLst>
+        </pc:picChg>
+      </pc:sldChg>
+      <pc:sldChg chg="modSp mod">
+        <pc:chgData name="Yannick Querin" userId="9ef38f04d9a47384" providerId="LiveId" clId="{7AA76414-0E7B-49FD-AA28-88CCF74D098E}" dt="2024-06-22T13:25:59.839" v="588" actId="20577"/>
+        <pc:sldMkLst>
+          <pc:docMk/>
+          <pc:sldMk cId="531564075" sldId="280"/>
+        </pc:sldMkLst>
+        <pc:spChg chg="mod">
+          <ac:chgData name="Yannick Querin" userId="9ef38f04d9a47384" providerId="LiveId" clId="{7AA76414-0E7B-49FD-AA28-88CCF74D098E}" dt="2024-06-22T12:59:19.173" v="310" actId="255"/>
+          <ac:spMkLst>
+            <pc:docMk/>
+            <pc:sldMk cId="531564075" sldId="280"/>
+            <ac:spMk id="5" creationId="{2C61C1BE-51C2-C47F-2586-08FD8D62CB06}"/>
+          </ac:spMkLst>
+        </pc:spChg>
+        <pc:spChg chg="mod">
+          <ac:chgData name="Yannick Querin" userId="9ef38f04d9a47384" providerId="LiveId" clId="{7AA76414-0E7B-49FD-AA28-88CCF74D098E}" dt="2024-06-22T13:25:59.839" v="588" actId="20577"/>
+          <ac:spMkLst>
+            <pc:docMk/>
+            <pc:sldMk cId="531564075" sldId="280"/>
+            <ac:spMk id="7" creationId="{4ACE70BD-78FC-6878-7490-FD08C6EE5268}"/>
+          </ac:spMkLst>
+        </pc:spChg>
+      </pc:sldChg>
+      <pc:sldChg chg="addSp modSp mod">
+        <pc:chgData name="Yannick Querin" userId="9ef38f04d9a47384" providerId="LiveId" clId="{7AA76414-0E7B-49FD-AA28-88CCF74D098E}" dt="2024-06-22T13:23:04.068" v="559" actId="20577"/>
+        <pc:sldMkLst>
+          <pc:docMk/>
+          <pc:sldMk cId="2551753921" sldId="281"/>
+        </pc:sldMkLst>
+        <pc:spChg chg="add mod">
+          <ac:chgData name="Yannick Querin" userId="9ef38f04d9a47384" providerId="LiveId" clId="{7AA76414-0E7B-49FD-AA28-88CCF74D098E}" dt="2024-06-22T13:23:04.068" v="559" actId="20577"/>
+          <ac:spMkLst>
+            <pc:docMk/>
+            <pc:sldMk cId="2551753921" sldId="281"/>
+            <ac:spMk id="2" creationId="{532059F3-34E6-DCD4-4A77-2ADD614FED69}"/>
+          </ac:spMkLst>
+        </pc:spChg>
+        <pc:spChg chg="mod">
+          <ac:chgData name="Yannick Querin" userId="9ef38f04d9a47384" providerId="LiveId" clId="{7AA76414-0E7B-49FD-AA28-88CCF74D098E}" dt="2024-06-22T13:20:27.317" v="515" actId="20577"/>
+          <ac:spMkLst>
+            <pc:docMk/>
+            <pc:sldMk cId="2551753921" sldId="281"/>
+            <ac:spMk id="5" creationId="{2C61C1BE-51C2-C47F-2586-08FD8D62CB06}"/>
+          </ac:spMkLst>
+        </pc:spChg>
+        <pc:spChg chg="add mod">
+          <ac:chgData name="Yannick Querin" userId="9ef38f04d9a47384" providerId="LiveId" clId="{7AA76414-0E7B-49FD-AA28-88CCF74D098E}" dt="2024-06-21T15:55:17.350" v="197" actId="14100"/>
+          <ac:spMkLst>
+            <pc:docMk/>
+            <pc:sldMk cId="2551753921" sldId="281"/>
+            <ac:spMk id="7" creationId="{05F8FFF1-64AB-2589-C111-7206B1439AE8}"/>
+          </ac:spMkLst>
+        </pc:spChg>
+        <pc:spChg chg="add mod">
+          <ac:chgData name="Yannick Querin" userId="9ef38f04d9a47384" providerId="LiveId" clId="{7AA76414-0E7B-49FD-AA28-88CCF74D098E}" dt="2024-06-21T15:56:35.998" v="208" actId="1076"/>
+          <ac:spMkLst>
+            <pc:docMk/>
+            <pc:sldMk cId="2551753921" sldId="281"/>
+            <ac:spMk id="8" creationId="{A05715CD-4FAD-75F7-441B-BF240648D78E}"/>
+          </ac:spMkLst>
+        </pc:spChg>
+        <pc:spChg chg="add mod">
+          <ac:chgData name="Yannick Querin" userId="9ef38f04d9a47384" providerId="LiveId" clId="{7AA76414-0E7B-49FD-AA28-88CCF74D098E}" dt="2024-06-21T15:55:50.974" v="202" actId="14100"/>
+          <ac:spMkLst>
+            <pc:docMk/>
+            <pc:sldMk cId="2551753921" sldId="281"/>
+            <ac:spMk id="9" creationId="{027F6F91-5F67-943C-0CB3-B2E53694E024}"/>
+          </ac:spMkLst>
+        </pc:spChg>
+        <pc:picChg chg="add mod">
+          <ac:chgData name="Yannick Querin" userId="9ef38f04d9a47384" providerId="LiveId" clId="{7AA76414-0E7B-49FD-AA28-88CCF74D098E}" dt="2024-06-21T15:04:28.549" v="22" actId="14100"/>
+          <ac:picMkLst>
+            <pc:docMk/>
+            <pc:sldMk cId="2551753921" sldId="281"/>
+            <ac:picMk id="3" creationId="{84DC5194-35A6-D3BE-B04A-FA03A1558DAF}"/>
+          </ac:picMkLst>
+        </pc:picChg>
+      </pc:sldChg>
+      <pc:sldChg chg="addSp modSp mod">
+        <pc:chgData name="Yannick Querin" userId="9ef38f04d9a47384" providerId="LiveId" clId="{7AA76414-0E7B-49FD-AA28-88CCF74D098E}" dt="2024-06-22T13:23:18.153" v="561" actId="20577"/>
+        <pc:sldMkLst>
+          <pc:docMk/>
+          <pc:sldMk cId="3236933186" sldId="282"/>
+        </pc:sldMkLst>
+        <pc:spChg chg="add mod">
+          <ac:chgData name="Yannick Querin" userId="9ef38f04d9a47384" providerId="LiveId" clId="{7AA76414-0E7B-49FD-AA28-88CCF74D098E}" dt="2024-06-22T13:23:18.153" v="561" actId="20577"/>
+          <ac:spMkLst>
+            <pc:docMk/>
+            <pc:sldMk cId="3236933186" sldId="282"/>
+            <ac:spMk id="2" creationId="{3989ABB7-39C9-8054-AED5-F11E1E874BDA}"/>
+          </ac:spMkLst>
+        </pc:spChg>
+        <pc:spChg chg="mod">
+          <ac:chgData name="Yannick Querin" userId="9ef38f04d9a47384" providerId="LiveId" clId="{7AA76414-0E7B-49FD-AA28-88CCF74D098E}" dt="2024-06-22T13:21:52.450" v="529" actId="20577"/>
+          <ac:spMkLst>
+            <pc:docMk/>
+            <pc:sldMk cId="3236933186" sldId="282"/>
+            <ac:spMk id="5" creationId="{2C61C1BE-51C2-C47F-2586-08FD8D62CB06}"/>
+          </ac:spMkLst>
+        </pc:spChg>
+        <pc:spChg chg="add mod">
+          <ac:chgData name="Yannick Querin" userId="9ef38f04d9a47384" providerId="LiveId" clId="{7AA76414-0E7B-49FD-AA28-88CCF74D098E}" dt="2024-06-21T15:57:44.352" v="211" actId="14100"/>
+          <ac:spMkLst>
+            <pc:docMk/>
+            <pc:sldMk cId="3236933186" sldId="282"/>
+            <ac:spMk id="9" creationId="{04E8CEB7-3A33-DC95-834E-CBE6E106BFCA}"/>
+          </ac:spMkLst>
+        </pc:spChg>
+        <pc:spChg chg="add mod">
+          <ac:chgData name="Yannick Querin" userId="9ef38f04d9a47384" providerId="LiveId" clId="{7AA76414-0E7B-49FD-AA28-88CCF74D098E}" dt="2024-06-21T15:58:15.367" v="214" actId="14100"/>
+          <ac:spMkLst>
+            <pc:docMk/>
+            <pc:sldMk cId="3236933186" sldId="282"/>
+            <ac:spMk id="10" creationId="{07230A46-E615-8B2B-2D4E-47735A81C924}"/>
+          </ac:spMkLst>
+        </pc:spChg>
+        <pc:picChg chg="add mod">
+          <ac:chgData name="Yannick Querin" userId="9ef38f04d9a47384" providerId="LiveId" clId="{7AA76414-0E7B-49FD-AA28-88CCF74D098E}" dt="2024-06-21T15:28:36.380" v="54" actId="14100"/>
+          <ac:picMkLst>
+            <pc:docMk/>
+            <pc:sldMk cId="3236933186" sldId="282"/>
+            <ac:picMk id="3" creationId="{70842778-8DC8-9DD3-08A5-12B000782ACA}"/>
+          </ac:picMkLst>
+        </pc:picChg>
+        <pc:picChg chg="add mod">
+          <ac:chgData name="Yannick Querin" userId="9ef38f04d9a47384" providerId="LiveId" clId="{7AA76414-0E7B-49FD-AA28-88CCF74D098E}" dt="2024-06-21T15:28:41.875" v="55" actId="14100"/>
+          <ac:picMkLst>
+            <pc:docMk/>
+            <pc:sldMk cId="3236933186" sldId="282"/>
+            <ac:picMk id="8" creationId="{A3B57449-5D39-6992-FC02-3C0E9358524F}"/>
+          </ac:picMkLst>
+        </pc:picChg>
+      </pc:sldChg>
+      <pc:sldChg chg="addSp modSp mod">
+        <pc:chgData name="Yannick Querin" userId="9ef38f04d9a47384" providerId="LiveId" clId="{7AA76414-0E7B-49FD-AA28-88CCF74D098E}" dt="2024-06-22T13:23:31.134" v="563" actId="20577"/>
+        <pc:sldMkLst>
+          <pc:docMk/>
+          <pc:sldMk cId="2068587935" sldId="283"/>
+        </pc:sldMkLst>
+        <pc:spChg chg="add mod">
+          <ac:chgData name="Yannick Querin" userId="9ef38f04d9a47384" providerId="LiveId" clId="{7AA76414-0E7B-49FD-AA28-88CCF74D098E}" dt="2024-06-22T13:23:31.134" v="563" actId="20577"/>
+          <ac:spMkLst>
+            <pc:docMk/>
+            <pc:sldMk cId="2068587935" sldId="283"/>
+            <ac:spMk id="2" creationId="{561D2B9A-182A-22DE-3910-3791495C9019}"/>
+          </ac:spMkLst>
+        </pc:spChg>
+        <pc:spChg chg="mod">
+          <ac:chgData name="Yannick Querin" userId="9ef38f04d9a47384" providerId="LiveId" clId="{7AA76414-0E7B-49FD-AA28-88CCF74D098E}" dt="2024-06-22T13:22:00.990" v="539" actId="20577"/>
+          <ac:spMkLst>
+            <pc:docMk/>
+            <pc:sldMk cId="2068587935" sldId="283"/>
+            <ac:spMk id="5" creationId="{2C61C1BE-51C2-C47F-2586-08FD8D62CB06}"/>
+          </ac:spMkLst>
+        </pc:spChg>
+        <pc:spChg chg="add mod">
+          <ac:chgData name="Yannick Querin" userId="9ef38f04d9a47384" providerId="LiveId" clId="{7AA76414-0E7B-49FD-AA28-88CCF74D098E}" dt="2024-06-21T15:58:54.070" v="219" actId="14100"/>
+          <ac:spMkLst>
+            <pc:docMk/>
+            <pc:sldMk cId="2068587935" sldId="283"/>
+            <ac:spMk id="7" creationId="{3D81E8F1-775A-AF23-140F-82F556C3C1F4}"/>
+          </ac:spMkLst>
+        </pc:spChg>
+        <pc:spChg chg="add mod">
+          <ac:chgData name="Yannick Querin" userId="9ef38f04d9a47384" providerId="LiveId" clId="{7AA76414-0E7B-49FD-AA28-88CCF74D098E}" dt="2024-06-21T15:59:20.558" v="224" actId="14100"/>
+          <ac:spMkLst>
+            <pc:docMk/>
+            <pc:sldMk cId="2068587935" sldId="283"/>
+            <ac:spMk id="8" creationId="{8B057043-2BB6-0E6D-470D-0703D9026B9E}"/>
+          </ac:spMkLst>
+        </pc:spChg>
+        <pc:picChg chg="add mod">
+          <ac:chgData name="Yannick Querin" userId="9ef38f04d9a47384" providerId="LiveId" clId="{7AA76414-0E7B-49FD-AA28-88CCF74D098E}" dt="2024-06-21T15:59:09.070" v="222" actId="1076"/>
+          <ac:picMkLst>
+            <pc:docMk/>
+            <pc:sldMk cId="2068587935" sldId="283"/>
+            <ac:picMk id="3" creationId="{8DA63AD6-85E1-AA7F-3FF9-56C5F1FD8871}"/>
+          </ac:picMkLst>
+        </pc:picChg>
+      </pc:sldChg>
+      <pc:sldChg chg="addSp modSp add del mod">
+        <pc:chgData name="Yannick Querin" userId="9ef38f04d9a47384" providerId="LiveId" clId="{7AA76414-0E7B-49FD-AA28-88CCF74D098E}" dt="2024-06-30T17:27:38.622" v="1596" actId="2696"/>
+        <pc:sldMkLst>
+          <pc:docMk/>
+          <pc:sldMk cId="2782380865" sldId="284"/>
+        </pc:sldMkLst>
+        <pc:spChg chg="add mod">
+          <ac:chgData name="Yannick Querin" userId="9ef38f04d9a47384" providerId="LiveId" clId="{7AA76414-0E7B-49FD-AA28-88CCF74D098E}" dt="2024-06-22T13:25:12.051" v="565" actId="20577"/>
+          <ac:spMkLst>
+            <pc:docMk/>
+            <pc:sldMk cId="2782380865" sldId="284"/>
+            <ac:spMk id="2" creationId="{A201101D-78AE-7DED-74FB-4651A16B3222}"/>
+          </ac:spMkLst>
+        </pc:spChg>
+        <pc:spChg chg="mod">
+          <ac:chgData name="Yannick Querin" userId="9ef38f04d9a47384" providerId="LiveId" clId="{7AA76414-0E7B-49FD-AA28-88CCF74D098E}" dt="2024-06-22T13:22:29.002" v="553" actId="20577"/>
+          <ac:spMkLst>
+            <pc:docMk/>
+            <pc:sldMk cId="2782380865" sldId="284"/>
+            <ac:spMk id="5" creationId="{2C61C1BE-51C2-C47F-2586-08FD8D62CB06}"/>
+          </ac:spMkLst>
+        </pc:spChg>
+      </pc:sldChg>
+      <pc:sldChg chg="addSp delSp modSp add mod">
+        <pc:chgData name="Yannick Querin" userId="9ef38f04d9a47384" providerId="LiveId" clId="{7AA76414-0E7B-49FD-AA28-88CCF74D098E}" dt="2024-06-22T15:31:06.832" v="1536"/>
+        <pc:sldMkLst>
+          <pc:docMk/>
+          <pc:sldMk cId="3580194618" sldId="285"/>
+        </pc:sldMkLst>
+        <pc:spChg chg="add mod">
+          <ac:chgData name="Yannick Querin" userId="9ef38f04d9a47384" providerId="LiveId" clId="{7AA76414-0E7B-49FD-AA28-88CCF74D098E}" dt="2024-06-22T13:25:41.703" v="586" actId="20577"/>
+          <ac:spMkLst>
+            <pc:docMk/>
+            <pc:sldMk cId="3580194618" sldId="285"/>
+            <ac:spMk id="2" creationId="{F16D6A68-11F5-655A-CDB0-BD5E4BC77E50}"/>
+          </ac:spMkLst>
+        </pc:spChg>
+        <pc:spChg chg="add del mod">
+          <ac:chgData name="Yannick Querin" userId="9ef38f04d9a47384" providerId="LiveId" clId="{7AA76414-0E7B-49FD-AA28-88CCF74D098E}" dt="2024-06-22T15:12:25.802" v="595"/>
+          <ac:spMkLst>
+            <pc:docMk/>
+            <pc:sldMk cId="3580194618" sldId="285"/>
+            <ac:spMk id="3" creationId="{ABDBA40D-35AC-E591-E127-D36747F4D71F}"/>
+          </ac:spMkLst>
+        </pc:spChg>
+        <pc:spChg chg="mod">
+          <ac:chgData name="Yannick Querin" userId="9ef38f04d9a47384" providerId="LiveId" clId="{7AA76414-0E7B-49FD-AA28-88CCF74D098E}" dt="2024-06-22T13:25:28.510" v="582" actId="20577"/>
+          <ac:spMkLst>
+            <pc:docMk/>
+            <pc:sldMk cId="3580194618" sldId="285"/>
+            <ac:spMk id="5" creationId="{2C61C1BE-51C2-C47F-2586-08FD8D62CB06}"/>
+          </ac:spMkLst>
+        </pc:spChg>
+        <pc:spChg chg="add mod">
+          <ac:chgData name="Yannick Querin" userId="9ef38f04d9a47384" providerId="LiveId" clId="{7AA76414-0E7B-49FD-AA28-88CCF74D098E}" dt="2024-06-22T15:31:06.832" v="1536"/>
+          <ac:spMkLst>
+            <pc:docMk/>
+            <pc:sldMk cId="3580194618" sldId="285"/>
+            <ac:spMk id="7" creationId="{A81868D2-6854-5694-A0F5-4C9BFE6386AF}"/>
+          </ac:spMkLst>
+        </pc:spChg>
+      </pc:sldChg>
+      <pc:sldChg chg="modSp add mod ord">
+        <pc:chgData name="Yannick Querin" userId="9ef38f04d9a47384" providerId="LiveId" clId="{7AA76414-0E7B-49FD-AA28-88CCF74D098E}" dt="2024-06-22T13:25:51.389" v="587" actId="20577"/>
+        <pc:sldMkLst>
+          <pc:docMk/>
+          <pc:sldMk cId="1984120807" sldId="286"/>
+        </pc:sldMkLst>
+        <pc:spChg chg="mod">
+          <ac:chgData name="Yannick Querin" userId="9ef38f04d9a47384" providerId="LiveId" clId="{7AA76414-0E7B-49FD-AA28-88CCF74D098E}" dt="2024-06-22T13:01:45.618" v="318" actId="255"/>
+          <ac:spMkLst>
+            <pc:docMk/>
+            <pc:sldMk cId="1984120807" sldId="286"/>
+            <ac:spMk id="5" creationId="{2C61C1BE-51C2-C47F-2586-08FD8D62CB06}"/>
+          </ac:spMkLst>
+        </pc:spChg>
+        <pc:spChg chg="mod">
+          <ac:chgData name="Yannick Querin" userId="9ef38f04d9a47384" providerId="LiveId" clId="{7AA76414-0E7B-49FD-AA28-88CCF74D098E}" dt="2024-06-22T13:25:51.389" v="587" actId="20577"/>
+          <ac:spMkLst>
+            <pc:docMk/>
+            <pc:sldMk cId="1984120807" sldId="286"/>
+            <ac:spMk id="7" creationId="{4ACE70BD-78FC-6878-7490-FD08C6EE5268}"/>
+          </ac:spMkLst>
+        </pc:spChg>
+      </pc:sldChg>
+    </pc:docChg>
+  </pc:docChgLst>
+</pc:chgInfo>
 </file>
 
 <file path=ppt/notesMasters/notesMaster1.xml><?xml version="1.0" encoding="utf-8"?>
@@ -216,7 +1145,7 @@
           <a:p>
             <a:fld id="{A98B637F-D72C-4268-B42E-3B7407EB0761}" type="datetimeFigureOut">
               <a:rPr lang="fr-FR" smtClean="0"/>
-              <a:t>14/06/2024</a:t>
+              <a:t>22/06/2024</a:t>
             </a:fld>
             <a:endParaRPr lang="fr-FR"/>
           </a:p>
@@ -714,7 +1643,7 @@
           <a:p>
             <a:fld id="{59F0A104-92F3-4E61-9A02-89D8A6C417ED}" type="datetimeFigureOut">
               <a:rPr lang="fr-FR" smtClean="0"/>
-              <a:t>07/06/2024</a:t>
+              <a:t>22/06/2024</a:t>
             </a:fld>
             <a:endParaRPr lang="fr-FR"/>
           </a:p>
@@ -912,7 +1841,7 @@
           <a:p>
             <a:fld id="{59F0A104-92F3-4E61-9A02-89D8A6C417ED}" type="datetimeFigureOut">
               <a:rPr lang="fr-FR" smtClean="0"/>
-              <a:t>07/06/2024</a:t>
+              <a:t>22/06/2024</a:t>
             </a:fld>
             <a:endParaRPr lang="fr-FR"/>
           </a:p>
@@ -1120,7 +2049,7 @@
           <a:p>
             <a:fld id="{59F0A104-92F3-4E61-9A02-89D8A6C417ED}" type="datetimeFigureOut">
               <a:rPr lang="fr-FR" smtClean="0"/>
-              <a:t>07/06/2024</a:t>
+              <a:t>22/06/2024</a:t>
             </a:fld>
             <a:endParaRPr lang="fr-FR"/>
           </a:p>
@@ -1318,7 +2247,7 @@
           <a:p>
             <a:fld id="{59F0A104-92F3-4E61-9A02-89D8A6C417ED}" type="datetimeFigureOut">
               <a:rPr lang="fr-FR" smtClean="0"/>
-              <a:t>07/06/2024</a:t>
+              <a:t>22/06/2024</a:t>
             </a:fld>
             <a:endParaRPr lang="fr-FR"/>
           </a:p>
@@ -1593,7 +2522,7 @@
           <a:p>
             <a:fld id="{59F0A104-92F3-4E61-9A02-89D8A6C417ED}" type="datetimeFigureOut">
               <a:rPr lang="fr-FR" smtClean="0"/>
-              <a:t>07/06/2024</a:t>
+              <a:t>22/06/2024</a:t>
             </a:fld>
             <a:endParaRPr lang="fr-FR"/>
           </a:p>
@@ -1858,7 +2787,7 @@
           <a:p>
             <a:fld id="{59F0A104-92F3-4E61-9A02-89D8A6C417ED}" type="datetimeFigureOut">
               <a:rPr lang="fr-FR" smtClean="0"/>
-              <a:t>07/06/2024</a:t>
+              <a:t>22/06/2024</a:t>
             </a:fld>
             <a:endParaRPr lang="fr-FR"/>
           </a:p>
@@ -2270,7 +3199,7 @@
           <a:p>
             <a:fld id="{59F0A104-92F3-4E61-9A02-89D8A6C417ED}" type="datetimeFigureOut">
               <a:rPr lang="fr-FR" smtClean="0"/>
-              <a:t>07/06/2024</a:t>
+              <a:t>22/06/2024</a:t>
             </a:fld>
             <a:endParaRPr lang="fr-FR"/>
           </a:p>
@@ -2411,7 +3340,7 @@
           <a:p>
             <a:fld id="{59F0A104-92F3-4E61-9A02-89D8A6C417ED}" type="datetimeFigureOut">
               <a:rPr lang="fr-FR" smtClean="0"/>
-              <a:t>07/06/2024</a:t>
+              <a:t>22/06/2024</a:t>
             </a:fld>
             <a:endParaRPr lang="fr-FR"/>
           </a:p>
@@ -2524,7 +3453,7 @@
           <a:p>
             <a:fld id="{59F0A104-92F3-4E61-9A02-89D8A6C417ED}" type="datetimeFigureOut">
               <a:rPr lang="fr-FR" smtClean="0"/>
-              <a:t>07/06/2024</a:t>
+              <a:t>22/06/2024</a:t>
             </a:fld>
             <a:endParaRPr lang="fr-FR"/>
           </a:p>
@@ -2835,7 +3764,7 @@
           <a:p>
             <a:fld id="{59F0A104-92F3-4E61-9A02-89D8A6C417ED}" type="datetimeFigureOut">
               <a:rPr lang="fr-FR" smtClean="0"/>
-              <a:t>07/06/2024</a:t>
+              <a:t>22/06/2024</a:t>
             </a:fld>
             <a:endParaRPr lang="fr-FR"/>
           </a:p>
@@ -3123,7 +4052,7 @@
           <a:p>
             <a:fld id="{59F0A104-92F3-4E61-9A02-89D8A6C417ED}" type="datetimeFigureOut">
               <a:rPr lang="fr-FR" smtClean="0"/>
-              <a:t>07/06/2024</a:t>
+              <a:t>22/06/2024</a:t>
             </a:fld>
             <a:endParaRPr lang="fr-FR"/>
           </a:p>
@@ -3364,7 +4293,7 @@
           <a:p>
             <a:fld id="{59F0A104-92F3-4E61-9A02-89D8A6C417ED}" type="datetimeFigureOut">
               <a:rPr lang="fr-FR" smtClean="0"/>
-              <a:t>07/06/2024</a:t>
+              <a:t>22/06/2024</a:t>
             </a:fld>
             <a:endParaRPr lang="fr-FR"/>
           </a:p>
@@ -3994,7 +4923,7 @@
           <a:p>
             <a:r>
               <a:rPr lang="fr-FR" sz="1100" b="1" i="1" dirty="0"/>
-              <a:t>Soutenance Projet 6                OpenClassrooms - Quérin Yannick -  /06/2024</a:t>
+              <a:t>Soutenance Projet 7                OpenClassrooms - Quérin Yannick -  /06/2024</a:t>
             </a:r>
           </a:p>
         </p:txBody>
@@ -4244,12 +5173,12 @@
           <a:lstStyle/>
           <a:p>
             <a:r>
-              <a:rPr lang="fr-FR" sz="3200" dirty="0">
+              <a:rPr lang="fr-FR" sz="2800" dirty="0">
                 <a:latin typeface="+mn-lt"/>
                 <a:ea typeface="Calibri" panose="020F0502020204030204" pitchFamily="34" charset="0"/>
                 <a:cs typeface="Calibri" panose="020F0502020204030204" pitchFamily="34" charset="0"/>
               </a:rPr>
-              <a:t>Traitement des données – Fusion datasets</a:t>
+              <a:t>        Traitement des données – Fusion datasets</a:t>
             </a:r>
           </a:p>
         </p:txBody>
@@ -5283,6 +6212,57 @@
           </a:p>
         </p:txBody>
       </p:sp>
+      <p:sp>
+        <p:nvSpPr>
+          <p:cNvPr id="2" name="Organigramme : Connecteur 1">
+            <a:extLst>
+              <a:ext uri="{FF2B5EF4-FFF2-40B4-BE49-F238E27FC236}">
+                <a16:creationId xmlns:a16="http://schemas.microsoft.com/office/drawing/2014/main" id="{8B4A139F-096B-FEB6-7DBD-ADC7FEAFEC00}"/>
+              </a:ext>
+            </a:extLst>
+          </p:cNvPr>
+          <p:cNvSpPr/>
+          <p:nvPr/>
+        </p:nvSpPr>
+        <p:spPr>
+          <a:xfrm>
+            <a:off x="374445" y="197077"/>
+            <a:ext cx="412955" cy="431853"/>
+          </a:xfrm>
+          <a:prstGeom prst="flowChartConnector">
+            <a:avLst/>
+          </a:prstGeom>
+        </p:spPr>
+        <p:style>
+          <a:lnRef idx="1">
+            <a:schemeClr val="dk1"/>
+          </a:lnRef>
+          <a:fillRef idx="2">
+            <a:schemeClr val="dk1"/>
+          </a:fillRef>
+          <a:effectRef idx="1">
+            <a:schemeClr val="dk1"/>
+          </a:effectRef>
+          <a:fontRef idx="minor">
+            <a:schemeClr val="dk1"/>
+          </a:fontRef>
+        </p:style>
+        <p:txBody>
+          <a:bodyPr rtlCol="0" anchor="ctr"/>
+          <a:lstStyle/>
+          <a:p>
+            <a:pPr algn="ctr"/>
+            <a:r>
+              <a:rPr lang="fr-FR" b="1" dirty="0">
+                <a:solidFill>
+                  <a:schemeClr val="bg1"/>
+                </a:solidFill>
+              </a:rPr>
+              <a:t>2</a:t>
+            </a:r>
+          </a:p>
+        </p:txBody>
+      </p:sp>
     </p:spTree>
     <p:extLst>
       <p:ext uri="{BB962C8B-B14F-4D97-AF65-F5344CB8AC3E}">
@@ -5384,14 +6364,14 @@
           <a:lstStyle/>
           <a:p>
             <a:r>
-              <a:rPr lang="fr-FR" sz="3200" dirty="0">
+              <a:rPr lang="fr-FR" sz="2800" dirty="0">
                 <a:latin typeface="+mn-lt"/>
                 <a:ea typeface="Calibri" panose="020F0502020204030204" pitchFamily="34" charset="0"/>
                 <a:cs typeface="Calibri" panose="020F0502020204030204" pitchFamily="34" charset="0"/>
               </a:rPr>
-              <a:t>Traitement des données – Feature Engineering</a:t>
-            </a:r>
-            <a:endParaRPr lang="fr-FR" sz="3200" dirty="0">
+              <a:t>      Traitement des données – Feature Engineering</a:t>
+            </a:r>
+            <a:endParaRPr lang="fr-FR" sz="2800" dirty="0">
               <a:latin typeface="Calibri" panose="020F0502020204030204" pitchFamily="34" charset="0"/>
               <a:ea typeface="Calibri" panose="020F0502020204030204" pitchFamily="34" charset="0"/>
               <a:cs typeface="Calibri" panose="020F0502020204030204" pitchFamily="34" charset="0"/>
@@ -6294,6 +7274,57 @@
           </a:fontRef>
         </p:style>
       </p:cxnSp>
+      <p:sp>
+        <p:nvSpPr>
+          <p:cNvPr id="2" name="Organigramme : Connecteur 1">
+            <a:extLst>
+              <a:ext uri="{FF2B5EF4-FFF2-40B4-BE49-F238E27FC236}">
+                <a16:creationId xmlns:a16="http://schemas.microsoft.com/office/drawing/2014/main" id="{EB18BA94-425E-6E3F-A0F6-90BF15224B09}"/>
+              </a:ext>
+            </a:extLst>
+          </p:cNvPr>
+          <p:cNvSpPr/>
+          <p:nvPr/>
+        </p:nvSpPr>
+        <p:spPr>
+          <a:xfrm>
+            <a:off x="374445" y="197077"/>
+            <a:ext cx="412955" cy="431853"/>
+          </a:xfrm>
+          <a:prstGeom prst="flowChartConnector">
+            <a:avLst/>
+          </a:prstGeom>
+        </p:spPr>
+        <p:style>
+          <a:lnRef idx="1">
+            <a:schemeClr val="dk1"/>
+          </a:lnRef>
+          <a:fillRef idx="2">
+            <a:schemeClr val="dk1"/>
+          </a:fillRef>
+          <a:effectRef idx="1">
+            <a:schemeClr val="dk1"/>
+          </a:effectRef>
+          <a:fontRef idx="minor">
+            <a:schemeClr val="dk1"/>
+          </a:fontRef>
+        </p:style>
+        <p:txBody>
+          <a:bodyPr rtlCol="0" anchor="ctr"/>
+          <a:lstStyle/>
+          <a:p>
+            <a:pPr algn="ctr"/>
+            <a:r>
+              <a:rPr lang="fr-FR" b="1" dirty="0">
+                <a:solidFill>
+                  <a:schemeClr val="bg1"/>
+                </a:solidFill>
+              </a:rPr>
+              <a:t>2</a:t>
+            </a:r>
+          </a:p>
+        </p:txBody>
+      </p:sp>
     </p:spTree>
     <p:extLst>
       <p:ext uri="{BB962C8B-B14F-4D97-AF65-F5344CB8AC3E}">
@@ -6395,7 +7426,7 @@
           <a:lstStyle/>
           <a:p>
             <a:r>
-              <a:rPr lang="fr-FR" sz="3200" dirty="0">
+              <a:rPr lang="fr-FR" sz="2800" dirty="0">
                 <a:latin typeface="+mn-lt"/>
                 <a:ea typeface="Calibri" panose="020F0502020204030204" pitchFamily="34" charset="0"/>
                 <a:cs typeface="Calibri" panose="020F0502020204030204" pitchFamily="34" charset="0"/>
@@ -6540,7 +7571,7 @@
                   </a:schemeClr>
                 </a:solidFill>
               </a:rPr>
-              <a:t>              Conclusion</a:t>
+              <a:t>              Conclusions</a:t>
             </a:r>
             <a:r>
               <a:rPr lang="fr-FR" dirty="0"/>
@@ -6911,12 +7942,12 @@
           <a:lstStyle/>
           <a:p>
             <a:r>
-              <a:rPr lang="fr-FR" sz="3200" dirty="0">
+              <a:rPr lang="fr-FR" sz="2800" dirty="0">
                 <a:latin typeface="+mn-lt"/>
                 <a:ea typeface="Calibri" panose="020F0502020204030204" pitchFamily="34" charset="0"/>
                 <a:cs typeface="Calibri" panose="020F0502020204030204" pitchFamily="34" charset="0"/>
               </a:rPr>
-              <a:t>Modélisation – variable cible</a:t>
+              <a:t>       Modélisation – variable cible</a:t>
             </a:r>
           </a:p>
         </p:txBody>
@@ -7340,6 +8371,57 @@
             <a:r>
               <a:rPr lang="fr-FR" dirty="0"/>
               <a:t>Rééchantillonnage des classes déséquilibrées: SMOTE, ADASYN</a:t>
+            </a:r>
+          </a:p>
+        </p:txBody>
+      </p:sp>
+      <p:sp>
+        <p:nvSpPr>
+          <p:cNvPr id="2" name="Organigramme : Connecteur 1">
+            <a:extLst>
+              <a:ext uri="{FF2B5EF4-FFF2-40B4-BE49-F238E27FC236}">
+                <a16:creationId xmlns:a16="http://schemas.microsoft.com/office/drawing/2014/main" id="{21DCFEED-7A1E-BD54-5E6F-B92D3A08DE98}"/>
+              </a:ext>
+            </a:extLst>
+          </p:cNvPr>
+          <p:cNvSpPr/>
+          <p:nvPr/>
+        </p:nvSpPr>
+        <p:spPr>
+          <a:xfrm>
+            <a:off x="478173" y="197077"/>
+            <a:ext cx="412955" cy="431853"/>
+          </a:xfrm>
+          <a:prstGeom prst="flowChartConnector">
+            <a:avLst/>
+          </a:prstGeom>
+        </p:spPr>
+        <p:style>
+          <a:lnRef idx="1">
+            <a:schemeClr val="dk1"/>
+          </a:lnRef>
+          <a:fillRef idx="2">
+            <a:schemeClr val="dk1"/>
+          </a:fillRef>
+          <a:effectRef idx="1">
+            <a:schemeClr val="dk1"/>
+          </a:effectRef>
+          <a:fontRef idx="minor">
+            <a:schemeClr val="dk1"/>
+          </a:fontRef>
+        </p:style>
+        <p:txBody>
+          <a:bodyPr rtlCol="0" anchor="ctr"/>
+          <a:lstStyle/>
+          <a:p>
+            <a:pPr algn="ctr"/>
+            <a:r>
+              <a:rPr lang="fr-FR" b="1" dirty="0">
+                <a:solidFill>
+                  <a:schemeClr val="bg1"/>
+                </a:solidFill>
+              </a:rPr>
+              <a:t>3</a:t>
             </a:r>
           </a:p>
         </p:txBody>
@@ -7445,12 +8527,12 @@
           <a:lstStyle/>
           <a:p>
             <a:r>
-              <a:rPr lang="fr-FR" sz="3200" dirty="0">
+              <a:rPr lang="fr-FR" sz="2800" dirty="0">
                 <a:latin typeface="+mn-lt"/>
                 <a:ea typeface="Calibri" panose="020F0502020204030204" pitchFamily="34" charset="0"/>
                 <a:cs typeface="Calibri" panose="020F0502020204030204" pitchFamily="34" charset="0"/>
               </a:rPr>
-              <a:t>Modélisation – les métriques</a:t>
+              <a:t>         Modélisation – les métriques</a:t>
             </a:r>
           </a:p>
         </p:txBody>
@@ -8528,6 +9610,57 @@
             <a:r>
               <a:rPr lang="fr-FR" dirty="0"/>
               <a:t>+</a:t>
+            </a:r>
+          </a:p>
+        </p:txBody>
+      </p:sp>
+      <p:sp>
+        <p:nvSpPr>
+          <p:cNvPr id="2" name="Organigramme : Connecteur 1">
+            <a:extLst>
+              <a:ext uri="{FF2B5EF4-FFF2-40B4-BE49-F238E27FC236}">
+                <a16:creationId xmlns:a16="http://schemas.microsoft.com/office/drawing/2014/main" id="{8509D25F-ED94-80BB-F689-7379053F8777}"/>
+              </a:ext>
+            </a:extLst>
+          </p:cNvPr>
+          <p:cNvSpPr/>
+          <p:nvPr/>
+        </p:nvSpPr>
+        <p:spPr>
+          <a:xfrm>
+            <a:off x="575509" y="196562"/>
+            <a:ext cx="412955" cy="431853"/>
+          </a:xfrm>
+          <a:prstGeom prst="flowChartConnector">
+            <a:avLst/>
+          </a:prstGeom>
+        </p:spPr>
+        <p:style>
+          <a:lnRef idx="1">
+            <a:schemeClr val="dk1"/>
+          </a:lnRef>
+          <a:fillRef idx="2">
+            <a:schemeClr val="dk1"/>
+          </a:fillRef>
+          <a:effectRef idx="1">
+            <a:schemeClr val="dk1"/>
+          </a:effectRef>
+          <a:fontRef idx="minor">
+            <a:schemeClr val="dk1"/>
+          </a:fontRef>
+        </p:style>
+        <p:txBody>
+          <a:bodyPr rtlCol="0" anchor="ctr"/>
+          <a:lstStyle/>
+          <a:p>
+            <a:pPr algn="ctr"/>
+            <a:r>
+              <a:rPr lang="fr-FR" b="1" dirty="0">
+                <a:solidFill>
+                  <a:schemeClr val="bg1"/>
+                </a:solidFill>
+              </a:rPr>
+              <a:t>3</a:t>
             </a:r>
           </a:p>
         </p:txBody>
@@ -8633,14 +9766,14 @@
           <a:lstStyle/>
           <a:p>
             <a:r>
-              <a:rPr lang="fr-FR" sz="3200" dirty="0">
+              <a:rPr lang="fr-FR" sz="2800" dirty="0">
                 <a:latin typeface="+mn-lt"/>
                 <a:ea typeface="Calibri" panose="020F0502020204030204" pitchFamily="34" charset="0"/>
                 <a:cs typeface="Calibri" panose="020F0502020204030204" pitchFamily="34" charset="0"/>
               </a:rPr>
-              <a:t>Modélisation – déroulement</a:t>
-            </a:r>
-            <a:endParaRPr lang="fr-FR" sz="3200" dirty="0">
+              <a:t>          Modélisation – déroulement</a:t>
+            </a:r>
+            <a:endParaRPr lang="fr-FR" sz="2800" dirty="0">
               <a:latin typeface="Calibri" panose="020F0502020204030204" pitchFamily="34" charset="0"/>
               <a:ea typeface="Calibri" panose="020F0502020204030204" pitchFamily="34" charset="0"/>
               <a:cs typeface="Calibri" panose="020F0502020204030204" pitchFamily="34" charset="0"/>
@@ -11509,6 +12642,57 @@
           </a:fontRef>
         </p:style>
       </p:cxnSp>
+      <p:sp>
+        <p:nvSpPr>
+          <p:cNvPr id="2" name="Organigramme : Connecteur 1">
+            <a:extLst>
+              <a:ext uri="{FF2B5EF4-FFF2-40B4-BE49-F238E27FC236}">
+                <a16:creationId xmlns:a16="http://schemas.microsoft.com/office/drawing/2014/main" id="{A2387E37-9A61-A660-043F-A47709630502}"/>
+              </a:ext>
+            </a:extLst>
+          </p:cNvPr>
+          <p:cNvSpPr/>
+          <p:nvPr/>
+        </p:nvSpPr>
+        <p:spPr>
+          <a:xfrm>
+            <a:off x="610287" y="197077"/>
+            <a:ext cx="412955" cy="431853"/>
+          </a:xfrm>
+          <a:prstGeom prst="flowChartConnector">
+            <a:avLst/>
+          </a:prstGeom>
+        </p:spPr>
+        <p:style>
+          <a:lnRef idx="1">
+            <a:schemeClr val="dk1"/>
+          </a:lnRef>
+          <a:fillRef idx="2">
+            <a:schemeClr val="dk1"/>
+          </a:fillRef>
+          <a:effectRef idx="1">
+            <a:schemeClr val="dk1"/>
+          </a:effectRef>
+          <a:fontRef idx="minor">
+            <a:schemeClr val="dk1"/>
+          </a:fontRef>
+        </p:style>
+        <p:txBody>
+          <a:bodyPr rtlCol="0" anchor="ctr"/>
+          <a:lstStyle/>
+          <a:p>
+            <a:pPr algn="ctr"/>
+            <a:r>
+              <a:rPr lang="fr-FR" b="1" dirty="0">
+                <a:solidFill>
+                  <a:schemeClr val="bg1"/>
+                </a:solidFill>
+              </a:rPr>
+              <a:t>3</a:t>
+            </a:r>
+          </a:p>
+        </p:txBody>
+      </p:sp>
     </p:spTree>
     <p:extLst>
       <p:ext uri="{BB962C8B-B14F-4D97-AF65-F5344CB8AC3E}">
@@ -11605,34 +12789,34 @@
         </p:spPr>
         <p:txBody>
           <a:bodyPr>
-            <a:normAutofit fontScale="90000"/>
+            <a:normAutofit/>
           </a:bodyPr>
           <a:lstStyle/>
           <a:p>
             <a:r>
-              <a:rPr lang="fr-FR" sz="3200" dirty="0">
+              <a:rPr lang="fr-FR" sz="2800" dirty="0">
                 <a:latin typeface="+mn-lt"/>
                 <a:ea typeface="Calibri" panose="020F0502020204030204" pitchFamily="34" charset="0"/>
                 <a:cs typeface="Calibri" panose="020F0502020204030204" pitchFamily="34" charset="0"/>
               </a:rPr>
-              <a:t>Modélisation – Oversampling methods </a:t>
+              <a:t>             Modélisation – Oversampling methods </a:t>
             </a:r>
             <a:br>
-              <a:rPr lang="fr-FR" sz="3200" dirty="0">
+              <a:rPr lang="fr-FR" sz="2800" dirty="0">
                 <a:latin typeface="+mn-lt"/>
                 <a:ea typeface="Calibri" panose="020F0502020204030204" pitchFamily="34" charset="0"/>
                 <a:cs typeface="Calibri" panose="020F0502020204030204" pitchFamily="34" charset="0"/>
               </a:rPr>
             </a:br>
             <a:r>
-              <a:rPr lang="fr-FR" sz="3200" dirty="0">
+              <a:rPr lang="fr-FR" sz="2800" dirty="0">
                 <a:latin typeface="+mn-lt"/>
                 <a:ea typeface="Calibri" panose="020F0502020204030204" pitchFamily="34" charset="0"/>
                 <a:cs typeface="Calibri" panose="020F0502020204030204" pitchFamily="34" charset="0"/>
               </a:rPr>
-              <a:t>(désequilibre des classes)</a:t>
-            </a:r>
-            <a:endParaRPr lang="fr-FR" sz="3200" dirty="0">
+              <a:t>             (désequilibre des classes)</a:t>
+            </a:r>
+            <a:endParaRPr lang="fr-FR" sz="2800" dirty="0">
               <a:latin typeface="Calibri" panose="020F0502020204030204" pitchFamily="34" charset="0"/>
               <a:ea typeface="Calibri" panose="020F0502020204030204" pitchFamily="34" charset="0"/>
               <a:cs typeface="Calibri" panose="020F0502020204030204" pitchFamily="34" charset="0"/>
@@ -11981,6 +13165,57 @@
             <a:r>
               <a:rPr lang="fr-FR" sz="1400" b="1" i="1" dirty="0"/>
               <a:t>SMOTE</a:t>
+            </a:r>
+          </a:p>
+        </p:txBody>
+      </p:sp>
+      <p:sp>
+        <p:nvSpPr>
+          <p:cNvPr id="2" name="Organigramme : Connecteur 1">
+            <a:extLst>
+              <a:ext uri="{FF2B5EF4-FFF2-40B4-BE49-F238E27FC236}">
+                <a16:creationId xmlns:a16="http://schemas.microsoft.com/office/drawing/2014/main" id="{F71C94DD-63E7-2F8A-7762-F5F62A8D798E}"/>
+              </a:ext>
+            </a:extLst>
+          </p:cNvPr>
+          <p:cNvSpPr/>
+          <p:nvPr/>
+        </p:nvSpPr>
+        <p:spPr>
+          <a:xfrm>
+            <a:off x="620211" y="265846"/>
+            <a:ext cx="412955" cy="431853"/>
+          </a:xfrm>
+          <a:prstGeom prst="flowChartConnector">
+            <a:avLst/>
+          </a:prstGeom>
+        </p:spPr>
+        <p:style>
+          <a:lnRef idx="1">
+            <a:schemeClr val="dk1"/>
+          </a:lnRef>
+          <a:fillRef idx="2">
+            <a:schemeClr val="dk1"/>
+          </a:fillRef>
+          <a:effectRef idx="1">
+            <a:schemeClr val="dk1"/>
+          </a:effectRef>
+          <a:fontRef idx="minor">
+            <a:schemeClr val="dk1"/>
+          </a:fontRef>
+        </p:style>
+        <p:txBody>
+          <a:bodyPr rtlCol="0" anchor="ctr"/>
+          <a:lstStyle/>
+          <a:p>
+            <a:pPr algn="ctr"/>
+            <a:r>
+              <a:rPr lang="fr-FR" b="1" dirty="0">
+                <a:solidFill>
+                  <a:schemeClr val="bg1"/>
+                </a:solidFill>
+              </a:rPr>
+              <a:t>3</a:t>
             </a:r>
           </a:p>
         </p:txBody>
@@ -12086,14 +13321,14 @@
           <a:lstStyle/>
           <a:p>
             <a:r>
-              <a:rPr lang="fr-FR" sz="3200" dirty="0">
+              <a:rPr lang="fr-FR" sz="2800" dirty="0">
                 <a:latin typeface="+mn-lt"/>
                 <a:ea typeface="Calibri" panose="020F0502020204030204" pitchFamily="34" charset="0"/>
                 <a:cs typeface="Calibri" panose="020F0502020204030204" pitchFamily="34" charset="0"/>
               </a:rPr>
-              <a:t>Modélisation – Conclusion meilleurs modèles</a:t>
-            </a:r>
-            <a:endParaRPr lang="fr-FR" sz="3200" dirty="0">
+              <a:t>          Modélisation – Conclusion meilleurs modèles</a:t>
+            </a:r>
+            <a:endParaRPr lang="fr-FR" sz="2800" dirty="0">
               <a:latin typeface="Calibri" panose="020F0502020204030204" pitchFamily="34" charset="0"/>
               <a:ea typeface="Calibri" panose="020F0502020204030204" pitchFamily="34" charset="0"/>
               <a:cs typeface="Calibri" panose="020F0502020204030204" pitchFamily="34" charset="0"/>
@@ -12201,7 +13436,7 @@
         </p:blipFill>
         <p:spPr>
           <a:xfrm>
-            <a:off x="1646391" y="728962"/>
+            <a:off x="1677564" y="799662"/>
             <a:ext cx="7882889" cy="1216707"/>
           </a:xfrm>
           <a:prstGeom prst="rect">
@@ -12418,6 +13653,57 @@
           </a:prstGeom>
         </p:spPr>
       </p:pic>
+      <p:sp>
+        <p:nvSpPr>
+          <p:cNvPr id="2" name="Organigramme : Connecteur 1">
+            <a:extLst>
+              <a:ext uri="{FF2B5EF4-FFF2-40B4-BE49-F238E27FC236}">
+                <a16:creationId xmlns:a16="http://schemas.microsoft.com/office/drawing/2014/main" id="{81C49312-F8A7-81D2-055D-B9C138CB1E96}"/>
+              </a:ext>
+            </a:extLst>
+          </p:cNvPr>
+          <p:cNvSpPr/>
+          <p:nvPr/>
+        </p:nvSpPr>
+        <p:spPr>
+          <a:xfrm>
+            <a:off x="478173" y="197077"/>
+            <a:ext cx="412955" cy="431853"/>
+          </a:xfrm>
+          <a:prstGeom prst="flowChartConnector">
+            <a:avLst/>
+          </a:prstGeom>
+        </p:spPr>
+        <p:style>
+          <a:lnRef idx="1">
+            <a:schemeClr val="dk1"/>
+          </a:lnRef>
+          <a:fillRef idx="2">
+            <a:schemeClr val="dk1"/>
+          </a:fillRef>
+          <a:effectRef idx="1">
+            <a:schemeClr val="dk1"/>
+          </a:effectRef>
+          <a:fontRef idx="minor">
+            <a:schemeClr val="dk1"/>
+          </a:fontRef>
+        </p:style>
+        <p:txBody>
+          <a:bodyPr rtlCol="0" anchor="ctr"/>
+          <a:lstStyle/>
+          <a:p>
+            <a:pPr algn="ctr"/>
+            <a:r>
+              <a:rPr lang="fr-FR" b="1" dirty="0">
+                <a:solidFill>
+                  <a:schemeClr val="bg1"/>
+                </a:solidFill>
+              </a:rPr>
+              <a:t>3</a:t>
+            </a:r>
+          </a:p>
+        </p:txBody>
+      </p:sp>
     </p:spTree>
     <p:extLst>
       <p:ext uri="{BB962C8B-B14F-4D97-AF65-F5344CB8AC3E}">
@@ -12519,14 +13805,14 @@
           <a:lstStyle/>
           <a:p>
             <a:r>
-              <a:rPr lang="fr-FR" sz="3200" dirty="0">
+              <a:rPr lang="fr-FR" sz="2800" dirty="0">
                 <a:latin typeface="+mn-lt"/>
                 <a:ea typeface="Calibri" panose="020F0502020204030204" pitchFamily="34" charset="0"/>
                 <a:cs typeface="Calibri" panose="020F0502020204030204" pitchFamily="34" charset="0"/>
               </a:rPr>
-              <a:t>Modélisation – Hyperparamètres retenus</a:t>
-            </a:r>
-            <a:endParaRPr lang="fr-FR" sz="3200" dirty="0">
+              <a:t>           Modélisation – Hyperparamètres retenus</a:t>
+            </a:r>
+            <a:endParaRPr lang="fr-FR" sz="2800" dirty="0">
               <a:latin typeface="Calibri" panose="020F0502020204030204" pitchFamily="34" charset="0"/>
               <a:ea typeface="Calibri" panose="020F0502020204030204" pitchFamily="34" charset="0"/>
               <a:cs typeface="Calibri" panose="020F0502020204030204" pitchFamily="34" charset="0"/>
@@ -13205,6 +14491,57 @@
           </a:p>
         </p:txBody>
       </p:sp>
+      <p:sp>
+        <p:nvSpPr>
+          <p:cNvPr id="2" name="Organigramme : Connecteur 1">
+            <a:extLst>
+              <a:ext uri="{FF2B5EF4-FFF2-40B4-BE49-F238E27FC236}">
+                <a16:creationId xmlns:a16="http://schemas.microsoft.com/office/drawing/2014/main" id="{ABB041A4-B9FA-EE20-2BC6-2A765FED22BC}"/>
+              </a:ext>
+            </a:extLst>
+          </p:cNvPr>
+          <p:cNvSpPr/>
+          <p:nvPr/>
+        </p:nvSpPr>
+        <p:spPr>
+          <a:xfrm>
+            <a:off x="619429" y="197077"/>
+            <a:ext cx="412955" cy="431853"/>
+          </a:xfrm>
+          <a:prstGeom prst="flowChartConnector">
+            <a:avLst/>
+          </a:prstGeom>
+        </p:spPr>
+        <p:style>
+          <a:lnRef idx="1">
+            <a:schemeClr val="dk1"/>
+          </a:lnRef>
+          <a:fillRef idx="2">
+            <a:schemeClr val="dk1"/>
+          </a:fillRef>
+          <a:effectRef idx="1">
+            <a:schemeClr val="dk1"/>
+          </a:effectRef>
+          <a:fontRef idx="minor">
+            <a:schemeClr val="dk1"/>
+          </a:fontRef>
+        </p:style>
+        <p:txBody>
+          <a:bodyPr rtlCol="0" anchor="ctr"/>
+          <a:lstStyle/>
+          <a:p>
+            <a:pPr algn="ctr"/>
+            <a:r>
+              <a:rPr lang="fr-FR" b="1" dirty="0">
+                <a:solidFill>
+                  <a:schemeClr val="bg1"/>
+                </a:solidFill>
+              </a:rPr>
+              <a:t>3</a:t>
+            </a:r>
+          </a:p>
+        </p:txBody>
+      </p:sp>
     </p:spTree>
     <p:extLst>
       <p:ext uri="{BB962C8B-B14F-4D97-AF65-F5344CB8AC3E}">
@@ -13306,14 +14643,14 @@
           <a:lstStyle/>
           <a:p>
             <a:r>
-              <a:rPr lang="fr-FR" sz="3200" dirty="0">
+              <a:rPr lang="fr-FR" sz="2800" dirty="0">
                 <a:latin typeface="+mn-lt"/>
                 <a:ea typeface="Calibri" panose="020F0502020204030204" pitchFamily="34" charset="0"/>
                 <a:cs typeface="Calibri" panose="020F0502020204030204" pitchFamily="34" charset="0"/>
               </a:rPr>
-              <a:t>Modélisation – Graphes d’interprétation </a:t>
-            </a:r>
-            <a:endParaRPr lang="fr-FR" sz="3200" dirty="0">
+              <a:t>          Modélisation – Graphes d’interprétation </a:t>
+            </a:r>
+            <a:endParaRPr lang="fr-FR" sz="2800" dirty="0">
               <a:latin typeface="Calibri" panose="020F0502020204030204" pitchFamily="34" charset="0"/>
               <a:ea typeface="Calibri" panose="020F0502020204030204" pitchFamily="34" charset="0"/>
               <a:cs typeface="Calibri" panose="020F0502020204030204" pitchFamily="34" charset="0"/>
@@ -13577,7 +14914,7 @@
           <a:lstStyle/>
           <a:p>
             <a:r>
-              <a:rPr lang="fr-FR" sz="2400" b="1" dirty="0">
+              <a:rPr lang="fr-FR" sz="2400" b="1">
                 <a:solidFill>
                   <a:schemeClr val="bg2">
                     <a:lumMod val="50000"/>
@@ -13586,6 +14923,13 @@
               </a:rPr>
               <a:t>VUE CLIENT</a:t>
             </a:r>
+            <a:endParaRPr lang="fr-FR" sz="2400" b="1" dirty="0">
+              <a:solidFill>
+                <a:schemeClr val="bg2">
+                  <a:lumMod val="50000"/>
+                </a:schemeClr>
+              </a:solidFill>
+            </a:endParaRPr>
           </a:p>
         </p:txBody>
       </p:sp>
@@ -13687,6 +15031,57 @@
           </a:prstGeom>
         </p:spPr>
       </p:pic>
+      <p:sp>
+        <p:nvSpPr>
+          <p:cNvPr id="2" name="Organigramme : Connecteur 1">
+            <a:extLst>
+              <a:ext uri="{FF2B5EF4-FFF2-40B4-BE49-F238E27FC236}">
+                <a16:creationId xmlns:a16="http://schemas.microsoft.com/office/drawing/2014/main" id="{78205745-4B63-35DC-E54C-0972458BBA26}"/>
+              </a:ext>
+            </a:extLst>
+          </p:cNvPr>
+          <p:cNvSpPr/>
+          <p:nvPr/>
+        </p:nvSpPr>
+        <p:spPr>
+          <a:xfrm>
+            <a:off x="539443" y="197077"/>
+            <a:ext cx="412955" cy="431853"/>
+          </a:xfrm>
+          <a:prstGeom prst="flowChartConnector">
+            <a:avLst/>
+          </a:prstGeom>
+        </p:spPr>
+        <p:style>
+          <a:lnRef idx="1">
+            <a:schemeClr val="dk1"/>
+          </a:lnRef>
+          <a:fillRef idx="2">
+            <a:schemeClr val="dk1"/>
+          </a:fillRef>
+          <a:effectRef idx="1">
+            <a:schemeClr val="dk1"/>
+          </a:effectRef>
+          <a:fontRef idx="minor">
+            <a:schemeClr val="dk1"/>
+          </a:fontRef>
+        </p:style>
+        <p:txBody>
+          <a:bodyPr rtlCol="0" anchor="ctr"/>
+          <a:lstStyle/>
+          <a:p>
+            <a:pPr algn="ctr"/>
+            <a:r>
+              <a:rPr lang="fr-FR" b="1" dirty="0">
+                <a:solidFill>
+                  <a:schemeClr val="bg1"/>
+                </a:solidFill>
+              </a:rPr>
+              <a:t>3</a:t>
+            </a:r>
+          </a:p>
+        </p:txBody>
+      </p:sp>
     </p:spTree>
     <p:extLst>
       <p:ext uri="{BB962C8B-B14F-4D97-AF65-F5344CB8AC3E}">
@@ -13788,7 +15183,7 @@
           <a:lstStyle/>
           <a:p>
             <a:r>
-              <a:rPr lang="fr-FR" sz="3200" dirty="0">
+              <a:rPr lang="fr-FR" sz="2800" dirty="0">
                 <a:latin typeface="+mn-lt"/>
                 <a:ea typeface="Calibri" panose="020F0502020204030204" pitchFamily="34" charset="0"/>
                 <a:cs typeface="Calibri" panose="020F0502020204030204" pitchFamily="34" charset="0"/>
@@ -13901,7 +15296,7 @@
             </a:pPr>
             <a:r>
               <a:rPr lang="fr-FR" dirty="0"/>
-              <a:t>              Conclusion </a:t>
+              <a:t>              Conclusions </a:t>
             </a:r>
           </a:p>
           <a:p>
@@ -14268,7 +15663,7 @@
           <a:lstStyle/>
           <a:p>
             <a:r>
-              <a:rPr lang="fr-FR" sz="3200" dirty="0">
+              <a:rPr lang="fr-FR" sz="2800" dirty="0">
                 <a:latin typeface="+mn-lt"/>
                 <a:ea typeface="Calibri" panose="020F0502020204030204" pitchFamily="34" charset="0"/>
                 <a:cs typeface="Calibri" panose="020F0502020204030204" pitchFamily="34" charset="0"/>
@@ -14427,7 +15822,7 @@
                   </a:schemeClr>
                 </a:solidFill>
               </a:rPr>
-              <a:t>              Conclusion</a:t>
+              <a:t>              Conclusions</a:t>
             </a:r>
             <a:r>
               <a:rPr lang="fr-FR" dirty="0"/>
@@ -14798,12 +16193,20 @@
           <a:lstStyle/>
           <a:p>
             <a:r>
+              <a:rPr lang="fr-FR" sz="2800" dirty="0">
+                <a:latin typeface="+mn-lt"/>
+                <a:ea typeface="Calibri" panose="020F0502020204030204" pitchFamily="34" charset="0"/>
+                <a:cs typeface="Calibri" panose="020F0502020204030204" pitchFamily="34" charset="0"/>
+              </a:rPr>
+              <a:t>             Dashboard</a:t>
+            </a:r>
+            <a:r>
               <a:rPr lang="fr-FR" sz="3200" dirty="0">
                 <a:latin typeface="+mn-lt"/>
                 <a:ea typeface="Calibri" panose="020F0502020204030204" pitchFamily="34" charset="0"/>
                 <a:cs typeface="Calibri" panose="020F0502020204030204" pitchFamily="34" charset="0"/>
               </a:rPr>
-              <a:t>Dashboard – </a:t>
+              <a:t>  </a:t>
             </a:r>
             <a:endParaRPr lang="fr-FR" sz="3200" dirty="0">
               <a:latin typeface="Calibri" panose="020F0502020204030204" pitchFamily="34" charset="0"/>
@@ -14885,6 +16288,57 @@
           </a:prstGeom>
         </p:spPr>
       </p:pic>
+      <p:sp>
+        <p:nvSpPr>
+          <p:cNvPr id="2" name="Organigramme : Connecteur 1">
+            <a:extLst>
+              <a:ext uri="{FF2B5EF4-FFF2-40B4-BE49-F238E27FC236}">
+                <a16:creationId xmlns:a16="http://schemas.microsoft.com/office/drawing/2014/main" id="{57D1C000-E06F-F837-5B30-C26F6DC1FFBD}"/>
+              </a:ext>
+            </a:extLst>
+          </p:cNvPr>
+          <p:cNvSpPr/>
+          <p:nvPr/>
+        </p:nvSpPr>
+        <p:spPr>
+          <a:xfrm>
+            <a:off x="745921" y="197077"/>
+            <a:ext cx="412955" cy="431853"/>
+          </a:xfrm>
+          <a:prstGeom prst="flowChartConnector">
+            <a:avLst/>
+          </a:prstGeom>
+        </p:spPr>
+        <p:style>
+          <a:lnRef idx="1">
+            <a:schemeClr val="dk1"/>
+          </a:lnRef>
+          <a:fillRef idx="2">
+            <a:schemeClr val="dk1"/>
+          </a:fillRef>
+          <a:effectRef idx="1">
+            <a:schemeClr val="dk1"/>
+          </a:effectRef>
+          <a:fontRef idx="minor">
+            <a:schemeClr val="dk1"/>
+          </a:fontRef>
+        </p:style>
+        <p:txBody>
+          <a:bodyPr rtlCol="0" anchor="ctr"/>
+          <a:lstStyle/>
+          <a:p>
+            <a:pPr algn="ctr"/>
+            <a:r>
+              <a:rPr lang="fr-FR" b="1" dirty="0">
+                <a:solidFill>
+                  <a:schemeClr val="bg1"/>
+                </a:solidFill>
+              </a:rPr>
+              <a:t>4</a:t>
+            </a:r>
+          </a:p>
+        </p:txBody>
+      </p:sp>
     </p:spTree>
     <p:extLst>
       <p:ext uri="{BB962C8B-B14F-4D97-AF65-F5344CB8AC3E}">
@@ -14915,6 +16369,280 @@
           <a:chExt cx="0" cy="0"/>
         </a:xfrm>
       </p:grpSpPr>
+      <p:sp>
+        <p:nvSpPr>
+          <p:cNvPr id="14" name="Rectangle : coins arrondis 13">
+            <a:extLst>
+              <a:ext uri="{FF2B5EF4-FFF2-40B4-BE49-F238E27FC236}">
+                <a16:creationId xmlns:a16="http://schemas.microsoft.com/office/drawing/2014/main" id="{2382DAB9-4C8B-16FF-41F4-8E23FAB4C7AC}"/>
+              </a:ext>
+            </a:extLst>
+          </p:cNvPr>
+          <p:cNvSpPr/>
+          <p:nvPr/>
+        </p:nvSpPr>
+        <p:spPr>
+          <a:xfrm>
+            <a:off x="117988" y="958359"/>
+            <a:ext cx="5320704" cy="3468168"/>
+          </a:xfrm>
+          <a:prstGeom prst="roundRect">
+            <a:avLst/>
+          </a:prstGeom>
+          <a:ln w="38100">
+            <a:solidFill>
+              <a:schemeClr val="bg2">
+                <a:lumMod val="50000"/>
+              </a:schemeClr>
+            </a:solidFill>
+          </a:ln>
+        </p:spPr>
+        <p:style>
+          <a:lnRef idx="2">
+            <a:schemeClr val="accent6"/>
+          </a:lnRef>
+          <a:fillRef idx="1">
+            <a:schemeClr val="lt1"/>
+          </a:fillRef>
+          <a:effectRef idx="0">
+            <a:schemeClr val="accent6"/>
+          </a:effectRef>
+          <a:fontRef idx="minor">
+            <a:schemeClr val="dk1"/>
+          </a:fontRef>
+        </p:style>
+        <p:txBody>
+          <a:bodyPr rtlCol="0" anchor="ctr"/>
+          <a:lstStyle/>
+          <a:p>
+            <a:endParaRPr lang="fr-FR" b="1" dirty="0">
+              <a:solidFill>
+                <a:schemeClr val="bg2">
+                  <a:lumMod val="50000"/>
+                </a:schemeClr>
+              </a:solidFill>
+            </a:endParaRPr>
+          </a:p>
+          <a:p>
+            <a:endParaRPr lang="fr-FR" sz="1400" b="1" dirty="0">
+              <a:solidFill>
+                <a:schemeClr val="bg2">
+                  <a:lumMod val="50000"/>
+                </a:schemeClr>
+              </a:solidFill>
+            </a:endParaRPr>
+          </a:p>
+          <a:p>
+            <a:endParaRPr lang="fr-FR" sz="1200" b="1" dirty="0">
+              <a:solidFill>
+                <a:schemeClr val="accent1"/>
+              </a:solidFill>
+            </a:endParaRPr>
+          </a:p>
+          <a:p>
+            <a:endParaRPr lang="fr-FR" sz="1200" b="1" dirty="0">
+              <a:solidFill>
+                <a:schemeClr val="accent1"/>
+              </a:solidFill>
+            </a:endParaRPr>
+          </a:p>
+          <a:p>
+            <a:endParaRPr lang="fr-FR" sz="1200" b="1" dirty="0">
+              <a:solidFill>
+                <a:schemeClr val="accent1"/>
+              </a:solidFill>
+            </a:endParaRPr>
+          </a:p>
+          <a:p>
+            <a:endParaRPr lang="fr-FR" sz="1400" b="1" dirty="0">
+              <a:solidFill>
+                <a:schemeClr val="bg2">
+                  <a:lumMod val="50000"/>
+                </a:schemeClr>
+              </a:solidFill>
+            </a:endParaRPr>
+          </a:p>
+          <a:p>
+            <a:endParaRPr lang="fr-FR" sz="1400" b="1" dirty="0">
+              <a:solidFill>
+                <a:schemeClr val="accent1"/>
+              </a:solidFill>
+            </a:endParaRPr>
+          </a:p>
+          <a:p>
+            <a:endParaRPr lang="fr-FR" sz="1400" b="1" dirty="0">
+              <a:solidFill>
+                <a:schemeClr val="accent1"/>
+              </a:solidFill>
+            </a:endParaRPr>
+          </a:p>
+          <a:p>
+            <a:endParaRPr lang="fr-FR" sz="1400" b="1" dirty="0">
+              <a:solidFill>
+                <a:schemeClr val="accent1"/>
+              </a:solidFill>
+            </a:endParaRPr>
+          </a:p>
+          <a:p>
+            <a:endParaRPr lang="fr-FR" sz="1400" b="1" dirty="0">
+              <a:solidFill>
+                <a:schemeClr val="accent1"/>
+              </a:solidFill>
+            </a:endParaRPr>
+          </a:p>
+          <a:p>
+            <a:endParaRPr lang="fr-FR" sz="1400" b="1" dirty="0">
+              <a:solidFill>
+                <a:schemeClr val="accent1"/>
+              </a:solidFill>
+            </a:endParaRPr>
+          </a:p>
+          <a:p>
+            <a:endParaRPr lang="fr-FR" sz="1400" b="1" dirty="0">
+              <a:solidFill>
+                <a:schemeClr val="accent1"/>
+              </a:solidFill>
+            </a:endParaRPr>
+          </a:p>
+        </p:txBody>
+      </p:sp>
+      <p:sp>
+        <p:nvSpPr>
+          <p:cNvPr id="8" name="Rectangle : coins arrondis 7">
+            <a:extLst>
+              <a:ext uri="{FF2B5EF4-FFF2-40B4-BE49-F238E27FC236}">
+                <a16:creationId xmlns:a16="http://schemas.microsoft.com/office/drawing/2014/main" id="{4FBC64A2-7C70-88D7-ACB4-037E4202C3DA}"/>
+              </a:ext>
+            </a:extLst>
+          </p:cNvPr>
+          <p:cNvSpPr/>
+          <p:nvPr/>
+        </p:nvSpPr>
+        <p:spPr>
+          <a:xfrm>
+            <a:off x="5555225" y="958359"/>
+            <a:ext cx="6518787" cy="3468168"/>
+          </a:xfrm>
+          <a:prstGeom prst="roundRect">
+            <a:avLst/>
+          </a:prstGeom>
+          <a:ln w="38100">
+            <a:solidFill>
+              <a:schemeClr val="bg2">
+                <a:lumMod val="50000"/>
+              </a:schemeClr>
+            </a:solidFill>
+          </a:ln>
+        </p:spPr>
+        <p:style>
+          <a:lnRef idx="2">
+            <a:schemeClr val="accent6"/>
+          </a:lnRef>
+          <a:fillRef idx="1">
+            <a:schemeClr val="lt1"/>
+          </a:fillRef>
+          <a:effectRef idx="0">
+            <a:schemeClr val="accent6"/>
+          </a:effectRef>
+          <a:fontRef idx="minor">
+            <a:schemeClr val="dk1"/>
+          </a:fontRef>
+        </p:style>
+        <p:txBody>
+          <a:bodyPr rtlCol="0" anchor="ctr"/>
+          <a:lstStyle/>
+          <a:p>
+            <a:endParaRPr lang="fr-FR" b="1" dirty="0">
+              <a:solidFill>
+                <a:schemeClr val="bg2">
+                  <a:lumMod val="50000"/>
+                </a:schemeClr>
+              </a:solidFill>
+            </a:endParaRPr>
+          </a:p>
+          <a:p>
+            <a:endParaRPr lang="fr-FR" sz="1400" b="1" dirty="0">
+              <a:solidFill>
+                <a:schemeClr val="bg2">
+                  <a:lumMod val="50000"/>
+                </a:schemeClr>
+              </a:solidFill>
+            </a:endParaRPr>
+          </a:p>
+          <a:p>
+            <a:endParaRPr lang="fr-FR" sz="1200" b="1" dirty="0">
+              <a:solidFill>
+                <a:schemeClr val="accent1"/>
+              </a:solidFill>
+            </a:endParaRPr>
+          </a:p>
+          <a:p>
+            <a:endParaRPr lang="fr-FR" sz="1200" b="1" dirty="0">
+              <a:solidFill>
+                <a:schemeClr val="accent1"/>
+              </a:solidFill>
+            </a:endParaRPr>
+          </a:p>
+          <a:p>
+            <a:endParaRPr lang="fr-FR" sz="1200" b="1" dirty="0">
+              <a:solidFill>
+                <a:schemeClr val="accent1"/>
+              </a:solidFill>
+            </a:endParaRPr>
+          </a:p>
+          <a:p>
+            <a:endParaRPr lang="fr-FR" sz="1400" b="1" dirty="0">
+              <a:solidFill>
+                <a:schemeClr val="bg2">
+                  <a:lumMod val="50000"/>
+                </a:schemeClr>
+              </a:solidFill>
+            </a:endParaRPr>
+          </a:p>
+          <a:p>
+            <a:endParaRPr lang="fr-FR" sz="1400" b="1" dirty="0">
+              <a:solidFill>
+                <a:schemeClr val="accent1"/>
+              </a:solidFill>
+            </a:endParaRPr>
+          </a:p>
+          <a:p>
+            <a:endParaRPr lang="fr-FR" sz="1400" b="1" dirty="0">
+              <a:solidFill>
+                <a:schemeClr val="accent1"/>
+              </a:solidFill>
+            </a:endParaRPr>
+          </a:p>
+          <a:p>
+            <a:endParaRPr lang="fr-FR" sz="1400" b="1" dirty="0">
+              <a:solidFill>
+                <a:schemeClr val="accent1"/>
+              </a:solidFill>
+            </a:endParaRPr>
+          </a:p>
+          <a:p>
+            <a:endParaRPr lang="fr-FR" sz="1400" b="1" dirty="0">
+              <a:solidFill>
+                <a:schemeClr val="accent1"/>
+              </a:solidFill>
+            </a:endParaRPr>
+          </a:p>
+          <a:p>
+            <a:endParaRPr lang="fr-FR" sz="1400" b="1" dirty="0">
+              <a:solidFill>
+                <a:schemeClr val="accent1"/>
+              </a:solidFill>
+            </a:endParaRPr>
+          </a:p>
+          <a:p>
+            <a:endParaRPr lang="fr-FR" sz="1400" b="1" dirty="0">
+              <a:solidFill>
+                <a:schemeClr val="accent1"/>
+              </a:solidFill>
+            </a:endParaRPr>
+          </a:p>
+        </p:txBody>
+      </p:sp>
       <p:pic>
         <p:nvPicPr>
           <p:cNvPr id="4" name="Image 3" descr="Une image contenant flou, jaune, orange, Ambré">
@@ -14986,12 +16714,20 @@
           <a:lstStyle/>
           <a:p>
             <a:r>
+              <a:rPr lang="fr-FR" sz="2800" dirty="0">
+                <a:latin typeface="+mn-lt"/>
+                <a:ea typeface="Calibri" panose="020F0502020204030204" pitchFamily="34" charset="0"/>
+                <a:cs typeface="Calibri" panose="020F0502020204030204" pitchFamily="34" charset="0"/>
+              </a:rPr>
+              <a:t>            Dashboard</a:t>
+            </a:r>
+            <a:r>
               <a:rPr lang="fr-FR" sz="3200" dirty="0">
                 <a:latin typeface="+mn-lt"/>
                 <a:ea typeface="Calibri" panose="020F0502020204030204" pitchFamily="34" charset="0"/>
                 <a:cs typeface="Calibri" panose="020F0502020204030204" pitchFamily="34" charset="0"/>
               </a:rPr>
-              <a:t>Dashboard – </a:t>
+              <a:t>  </a:t>
             </a:r>
             <a:endParaRPr lang="fr-FR" sz="3200" dirty="0">
               <a:latin typeface="Calibri" panose="020F0502020204030204" pitchFamily="34" charset="0"/>
@@ -15031,6 +16767,466 @@
           <a:xfrm>
             <a:off x="10697497" y="1"/>
             <a:ext cx="1016330" cy="763398"/>
+          </a:xfrm>
+          <a:prstGeom prst="rect">
+            <a:avLst/>
+          </a:prstGeom>
+        </p:spPr>
+      </p:pic>
+      <p:pic>
+        <p:nvPicPr>
+          <p:cNvPr id="7" name="Image 6" descr="Une image contenant Police, Graphique, logo, graphisme">
+            <a:extLst>
+              <a:ext uri="{FF2B5EF4-FFF2-40B4-BE49-F238E27FC236}">
+                <a16:creationId xmlns:a16="http://schemas.microsoft.com/office/drawing/2014/main" id="{926B3053-63EC-9013-7306-DC3AF90BF0CA}"/>
+              </a:ext>
+            </a:extLst>
+          </p:cNvPr>
+          <p:cNvPicPr>
+            <a:picLocks noChangeAspect="1"/>
+          </p:cNvPicPr>
+          <p:nvPr/>
+        </p:nvPicPr>
+        <p:blipFill>
+          <a:blip r:embed="rId4">
+            <a:extLst>
+              <a:ext uri="{28A0092B-C50C-407E-A947-70E740481C1C}">
+                <a14:useLocalDpi xmlns:a14="http://schemas.microsoft.com/office/drawing/2010/main" val="0"/>
+              </a:ext>
+            </a:extLst>
+          </a:blip>
+          <a:stretch>
+            <a:fillRect/>
+          </a:stretch>
+        </p:blipFill>
+        <p:spPr>
+          <a:xfrm>
+            <a:off x="6117385" y="1192075"/>
+            <a:ext cx="2538353" cy="786206"/>
+          </a:xfrm>
+          <a:prstGeom prst="rect">
+            <a:avLst/>
+          </a:prstGeom>
+        </p:spPr>
+      </p:pic>
+      <p:sp>
+        <p:nvSpPr>
+          <p:cNvPr id="10" name="ZoneTexte 9">
+            <a:extLst>
+              <a:ext uri="{FF2B5EF4-FFF2-40B4-BE49-F238E27FC236}">
+                <a16:creationId xmlns:a16="http://schemas.microsoft.com/office/drawing/2014/main" id="{46F427E6-4762-181F-663B-5786B00D7140}"/>
+              </a:ext>
+            </a:extLst>
+          </p:cNvPr>
+          <p:cNvSpPr txBox="1"/>
+          <p:nvPr/>
+        </p:nvSpPr>
+        <p:spPr>
+          <a:xfrm>
+            <a:off x="5353999" y="4916551"/>
+            <a:ext cx="6603479" cy="1169551"/>
+          </a:xfrm>
+          <a:prstGeom prst="rect">
+            <a:avLst/>
+          </a:prstGeom>
+          <a:noFill/>
+          <a:ln>
+            <a:noFill/>
+          </a:ln>
+          <a:effectLst>
+            <a:outerShdw blurRad="44450" dist="27940" dir="5400000" algn="ctr">
+              <a:srgbClr val="000000">
+                <a:alpha val="32000"/>
+              </a:srgbClr>
+            </a:outerShdw>
+          </a:effectLst>
+          <a:scene3d>
+            <a:camera prst="orthographicFront">
+              <a:rot lat="0" lon="0" rev="0"/>
+            </a:camera>
+            <a:lightRig rig="balanced" dir="t">
+              <a:rot lat="0" lon="0" rev="8700000"/>
+            </a:lightRig>
+          </a:scene3d>
+          <a:sp3d>
+            <a:bevelT w="190500" h="38100"/>
+          </a:sp3d>
+        </p:spPr>
+        <p:txBody>
+          <a:bodyPr wrap="square">
+            <a:spAutoFit/>
+          </a:bodyPr>
+          <a:lstStyle/>
+          <a:p>
+            <a:r>
+              <a:rPr lang="fr-FR" b="1" dirty="0">
+                <a:solidFill>
+                  <a:schemeClr val="bg2">
+                    <a:lumMod val="50000"/>
+                  </a:schemeClr>
+                </a:solidFill>
+              </a:rPr>
+              <a:t>L</a:t>
+            </a:r>
+            <a:r>
+              <a:rPr lang="fr-FR" sz="1800" b="1" dirty="0">
+                <a:solidFill>
+                  <a:schemeClr val="bg2">
+                    <a:lumMod val="50000"/>
+                  </a:schemeClr>
+                </a:solidFill>
+              </a:rPr>
+              <a:t>ien local:  App_dashboard_streamlit.py</a:t>
+            </a:r>
+          </a:p>
+          <a:p>
+            <a:endParaRPr lang="fr-FR" sz="1800" b="1" dirty="0">
+              <a:solidFill>
+                <a:schemeClr val="bg2">
+                  <a:lumMod val="50000"/>
+                </a:schemeClr>
+              </a:solidFill>
+            </a:endParaRPr>
+          </a:p>
+          <a:p>
+            <a:r>
+              <a:rPr lang="fr-FR" sz="1800" b="1" dirty="0">
+                <a:solidFill>
+                  <a:schemeClr val="bg2">
+                    <a:lumMod val="50000"/>
+                  </a:schemeClr>
+                </a:solidFill>
+              </a:rPr>
+              <a:t>Lien Streamlit</a:t>
+            </a:r>
+            <a:r>
+              <a:rPr lang="fr-FR" sz="1600" b="1" dirty="0">
+                <a:solidFill>
+                  <a:schemeClr val="bg2">
+                    <a:lumMod val="50000"/>
+                  </a:schemeClr>
+                </a:solidFill>
+              </a:rPr>
+              <a:t>:  </a:t>
+            </a:r>
+          </a:p>
+          <a:p>
+            <a:r>
+              <a:rPr lang="fr-FR" sz="1600" b="1" u="sng" dirty="0">
+                <a:solidFill>
+                  <a:schemeClr val="bg2">
+                    <a:lumMod val="50000"/>
+                  </a:schemeClr>
+                </a:solidFill>
+              </a:rPr>
+              <a:t>https://yannickquerin-p07-dashboard.streamlit.app</a:t>
+            </a:r>
+            <a:endParaRPr lang="fr-FR" sz="1600" b="1" dirty="0">
+              <a:solidFill>
+                <a:schemeClr val="bg2">
+                  <a:lumMod val="50000"/>
+                </a:schemeClr>
+              </a:solidFill>
+            </a:endParaRPr>
+          </a:p>
+        </p:txBody>
+      </p:sp>
+      <p:sp>
+        <p:nvSpPr>
+          <p:cNvPr id="2" name="Organigramme : Connecteur 1">
+            <a:extLst>
+              <a:ext uri="{FF2B5EF4-FFF2-40B4-BE49-F238E27FC236}">
+                <a16:creationId xmlns:a16="http://schemas.microsoft.com/office/drawing/2014/main" id="{8C23743B-4524-1218-C9A1-EF953DACF1BF}"/>
+              </a:ext>
+            </a:extLst>
+          </p:cNvPr>
+          <p:cNvSpPr/>
+          <p:nvPr/>
+        </p:nvSpPr>
+        <p:spPr>
+          <a:xfrm>
+            <a:off x="745921" y="197077"/>
+            <a:ext cx="412955" cy="431853"/>
+          </a:xfrm>
+          <a:prstGeom prst="flowChartConnector">
+            <a:avLst/>
+          </a:prstGeom>
+        </p:spPr>
+        <p:style>
+          <a:lnRef idx="1">
+            <a:schemeClr val="dk1"/>
+          </a:lnRef>
+          <a:fillRef idx="2">
+            <a:schemeClr val="dk1"/>
+          </a:fillRef>
+          <a:effectRef idx="1">
+            <a:schemeClr val="dk1"/>
+          </a:effectRef>
+          <a:fontRef idx="minor">
+            <a:schemeClr val="dk1"/>
+          </a:fontRef>
+        </p:style>
+        <p:txBody>
+          <a:bodyPr rtlCol="0" anchor="ctr"/>
+          <a:lstStyle/>
+          <a:p>
+            <a:pPr algn="ctr"/>
+            <a:r>
+              <a:rPr lang="fr-FR" b="1" dirty="0">
+                <a:solidFill>
+                  <a:schemeClr val="bg1"/>
+                </a:solidFill>
+              </a:rPr>
+              <a:t>4</a:t>
+            </a:r>
+          </a:p>
+        </p:txBody>
+      </p:sp>
+      <p:pic>
+        <p:nvPicPr>
+          <p:cNvPr id="11" name="Image 10" descr="Une image contenant texte, Police, capture d’écran">
+            <a:extLst>
+              <a:ext uri="{FF2B5EF4-FFF2-40B4-BE49-F238E27FC236}">
+                <a16:creationId xmlns:a16="http://schemas.microsoft.com/office/drawing/2014/main" id="{4065DAB3-0AA3-C528-36E3-5CD890B7ADAD}"/>
+              </a:ext>
+            </a:extLst>
+          </p:cNvPr>
+          <p:cNvPicPr>
+            <a:picLocks noChangeAspect="1"/>
+          </p:cNvPicPr>
+          <p:nvPr/>
+        </p:nvPicPr>
+        <p:blipFill>
+          <a:blip r:embed="rId5">
+            <a:extLst>
+              <a:ext uri="{28A0092B-C50C-407E-A947-70E740481C1C}">
+                <a14:useLocalDpi xmlns:a14="http://schemas.microsoft.com/office/drawing/2010/main" val="0"/>
+              </a:ext>
+            </a:extLst>
+          </a:blip>
+          <a:stretch>
+            <a:fillRect/>
+          </a:stretch>
+        </p:blipFill>
+        <p:spPr>
+          <a:xfrm>
+            <a:off x="5716730" y="2443577"/>
+            <a:ext cx="6195776" cy="1277671"/>
+          </a:xfrm>
+          <a:prstGeom prst="rect">
+            <a:avLst/>
+          </a:prstGeom>
+        </p:spPr>
+      </p:pic>
+      <p:pic>
+        <p:nvPicPr>
+          <p:cNvPr id="13" name="Image 12" descr="Une image contenant texte, capture d’écran, nombre, Police">
+            <a:extLst>
+              <a:ext uri="{FF2B5EF4-FFF2-40B4-BE49-F238E27FC236}">
+                <a16:creationId xmlns:a16="http://schemas.microsoft.com/office/drawing/2014/main" id="{0231FF1A-3521-46A6-3ACF-88EC05DB65A3}"/>
+              </a:ext>
+            </a:extLst>
+          </p:cNvPr>
+          <p:cNvPicPr>
+            <a:picLocks noChangeAspect="1"/>
+          </p:cNvPicPr>
+          <p:nvPr/>
+        </p:nvPicPr>
+        <p:blipFill>
+          <a:blip r:embed="rId6">
+            <a:extLst>
+              <a:ext uri="{28A0092B-C50C-407E-A947-70E740481C1C}">
+                <a14:useLocalDpi xmlns:a14="http://schemas.microsoft.com/office/drawing/2010/main" val="0"/>
+              </a:ext>
+            </a:extLst>
+          </a:blip>
+          <a:stretch>
+            <a:fillRect/>
+          </a:stretch>
+        </p:blipFill>
+        <p:spPr>
+          <a:xfrm>
+            <a:off x="234521" y="1885741"/>
+            <a:ext cx="4336026" cy="2175578"/>
+          </a:xfrm>
+          <a:prstGeom prst="rect">
+            <a:avLst/>
+          </a:prstGeom>
+        </p:spPr>
+      </p:pic>
+      <p:sp>
+        <p:nvSpPr>
+          <p:cNvPr id="16" name="Rectangle 15">
+            <a:extLst>
+              <a:ext uri="{FF2B5EF4-FFF2-40B4-BE49-F238E27FC236}">
+                <a16:creationId xmlns:a16="http://schemas.microsoft.com/office/drawing/2014/main" id="{38CF44D8-F840-B008-4DB3-7C5FA5DF441E}"/>
+              </a:ext>
+            </a:extLst>
+          </p:cNvPr>
+          <p:cNvSpPr/>
+          <p:nvPr/>
+        </p:nvSpPr>
+        <p:spPr>
+          <a:xfrm flipV="1">
+            <a:off x="234521" y="3864077"/>
+            <a:ext cx="1377969" cy="275304"/>
+          </a:xfrm>
+          <a:prstGeom prst="rect">
+            <a:avLst/>
+          </a:prstGeom>
+          <a:noFill/>
+          <a:ln w="38100">
+            <a:solidFill>
+              <a:srgbClr val="7030A0"/>
+            </a:solidFill>
+          </a:ln>
+          <a:effectLst>
+            <a:glow rad="101600">
+              <a:srgbClr val="7030A0">
+                <a:alpha val="60000"/>
+              </a:srgbClr>
+            </a:glow>
+            <a:outerShdw blurRad="50800" dist="50800" dir="5400000" algn="ctr" rotWithShape="0">
+              <a:srgbClr val="000000">
+                <a:alpha val="0"/>
+              </a:srgbClr>
+            </a:outerShdw>
+          </a:effectLst>
+        </p:spPr>
+        <p:style>
+          <a:lnRef idx="2">
+            <a:schemeClr val="accent6"/>
+          </a:lnRef>
+          <a:fillRef idx="1">
+            <a:schemeClr val="lt1"/>
+          </a:fillRef>
+          <a:effectRef idx="0">
+            <a:schemeClr val="accent6"/>
+          </a:effectRef>
+          <a:fontRef idx="minor">
+            <a:schemeClr val="dk1"/>
+          </a:fontRef>
+        </p:style>
+        <p:txBody>
+          <a:bodyPr rtlCol="0" anchor="ctr"/>
+          <a:lstStyle/>
+          <a:p>
+            <a:pPr algn="ctr"/>
+            <a:endParaRPr lang="fr-FR"/>
+          </a:p>
+        </p:txBody>
+      </p:sp>
+      <p:sp>
+        <p:nvSpPr>
+          <p:cNvPr id="17" name="ZoneTexte 16">
+            <a:extLst>
+              <a:ext uri="{FF2B5EF4-FFF2-40B4-BE49-F238E27FC236}">
+                <a16:creationId xmlns:a16="http://schemas.microsoft.com/office/drawing/2014/main" id="{B18BCEA5-E752-E5A0-6DE9-CF90352E2ACD}"/>
+              </a:ext>
+            </a:extLst>
+          </p:cNvPr>
+          <p:cNvSpPr txBox="1"/>
+          <p:nvPr/>
+        </p:nvSpPr>
+        <p:spPr>
+          <a:xfrm>
+            <a:off x="417871" y="4621488"/>
+            <a:ext cx="4720937" cy="1323439"/>
+          </a:xfrm>
+          <a:prstGeom prst="rect">
+            <a:avLst/>
+          </a:prstGeom>
+          <a:noFill/>
+          <a:ln>
+            <a:noFill/>
+          </a:ln>
+          <a:effectLst>
+            <a:outerShdw blurRad="44450" dist="27940" dir="5400000" algn="ctr">
+              <a:srgbClr val="000000">
+                <a:alpha val="32000"/>
+              </a:srgbClr>
+            </a:outerShdw>
+          </a:effectLst>
+          <a:scene3d>
+            <a:camera prst="orthographicFront">
+              <a:rot lat="0" lon="0" rev="0"/>
+            </a:camera>
+            <a:lightRig rig="balanced" dir="t">
+              <a:rot lat="0" lon="0" rev="8700000"/>
+            </a:lightRig>
+          </a:scene3d>
+          <a:sp3d>
+            <a:bevelT w="190500" h="38100"/>
+          </a:sp3d>
+        </p:spPr>
+        <p:txBody>
+          <a:bodyPr wrap="square" rtlCol="0">
+            <a:spAutoFit/>
+          </a:bodyPr>
+          <a:lstStyle/>
+          <a:p>
+            <a:r>
+              <a:rPr lang="fr-FR" sz="1600" b="1" dirty="0">
+                <a:solidFill>
+                  <a:schemeClr val="bg2">
+                    <a:lumMod val="50000"/>
+                  </a:schemeClr>
+                </a:solidFill>
+              </a:rPr>
+              <a:t>Lien Github:</a:t>
+            </a:r>
+            <a:endParaRPr lang="fr-FR" sz="1600" b="1" i="1" dirty="0">
+              <a:solidFill>
+                <a:schemeClr val="bg2">
+                  <a:lumMod val="50000"/>
+                </a:schemeClr>
+              </a:solidFill>
+            </a:endParaRPr>
+          </a:p>
+          <a:p>
+            <a:r>
+              <a:rPr lang="fr-FR" sz="1600" b="1" i="1" dirty="0">
+                <a:solidFill>
+                  <a:schemeClr val="bg2">
+                    <a:lumMod val="50000"/>
+                  </a:schemeClr>
+                </a:solidFill>
+              </a:rPr>
+              <a:t>https://github.com/YannickQuerin/OC-DS-P7-Implementez_modele_scoring_dashboard/blob/main/P7_Modelisation_risque_defaut_credit/App_dashboard_streamlit.py</a:t>
+            </a:r>
+          </a:p>
+        </p:txBody>
+      </p:sp>
+      <p:pic>
+        <p:nvPicPr>
+          <p:cNvPr id="19" name="Image 18" descr="Une image contenant logo, Police, Graphique, symbole">
+            <a:extLst>
+              <a:ext uri="{FF2B5EF4-FFF2-40B4-BE49-F238E27FC236}">
+                <a16:creationId xmlns:a16="http://schemas.microsoft.com/office/drawing/2014/main" id="{EB918DE4-3A53-D964-6391-48AE3FCDB450}"/>
+              </a:ext>
+            </a:extLst>
+          </p:cNvPr>
+          <p:cNvPicPr>
+            <a:picLocks noChangeAspect="1"/>
+          </p:cNvPicPr>
+          <p:nvPr/>
+        </p:nvPicPr>
+        <p:blipFill>
+          <a:blip r:embed="rId7">
+            <a:extLst>
+              <a:ext uri="{28A0092B-C50C-407E-A947-70E740481C1C}">
+                <a14:useLocalDpi xmlns:a14="http://schemas.microsoft.com/office/drawing/2010/main" val="0"/>
+              </a:ext>
+            </a:extLst>
+          </a:blip>
+          <a:stretch>
+            <a:fillRect/>
+          </a:stretch>
+        </p:blipFill>
+        <p:spPr>
+          <a:xfrm>
+            <a:off x="1907457" y="990228"/>
+            <a:ext cx="1524001" cy="895513"/>
           </a:xfrm>
           <a:prstGeom prst="rect">
             <a:avLst/>
@@ -15138,12 +17334,20 @@
           <a:lstStyle/>
           <a:p>
             <a:r>
+              <a:rPr lang="fr-FR" sz="2800" dirty="0">
+                <a:latin typeface="+mn-lt"/>
+                <a:ea typeface="Calibri" panose="020F0502020204030204" pitchFamily="34" charset="0"/>
+                <a:cs typeface="Calibri" panose="020F0502020204030204" pitchFamily="34" charset="0"/>
+              </a:rPr>
+              <a:t>           Dashboard</a:t>
+            </a:r>
+            <a:r>
               <a:rPr lang="fr-FR" sz="3200" dirty="0">
                 <a:latin typeface="+mn-lt"/>
                 <a:ea typeface="Calibri" panose="020F0502020204030204" pitchFamily="34" charset="0"/>
                 <a:cs typeface="Calibri" panose="020F0502020204030204" pitchFamily="34" charset="0"/>
               </a:rPr>
-              <a:t>Dashboard – </a:t>
+              <a:t>  </a:t>
             </a:r>
             <a:endParaRPr lang="fr-FR" sz="3200" dirty="0">
               <a:latin typeface="Calibri" panose="020F0502020204030204" pitchFamily="34" charset="0"/>
@@ -15189,6 +17393,279 @@
           </a:prstGeom>
         </p:spPr>
       </p:pic>
+      <p:pic>
+        <p:nvPicPr>
+          <p:cNvPr id="3" name="Image 2" descr="Une image contenant texte, capture d’écran, logiciel, Page web">
+            <a:extLst>
+              <a:ext uri="{FF2B5EF4-FFF2-40B4-BE49-F238E27FC236}">
+                <a16:creationId xmlns:a16="http://schemas.microsoft.com/office/drawing/2014/main" id="{84DC5194-35A6-D3BE-B04A-FA03A1558DAF}"/>
+              </a:ext>
+            </a:extLst>
+          </p:cNvPr>
+          <p:cNvPicPr>
+            <a:picLocks noChangeAspect="1"/>
+          </p:cNvPicPr>
+          <p:nvPr/>
+        </p:nvPicPr>
+        <p:blipFill>
+          <a:blip r:embed="rId4">
+            <a:extLst>
+              <a:ext uri="{28A0092B-C50C-407E-A947-70E740481C1C}">
+                <a14:useLocalDpi xmlns:a14="http://schemas.microsoft.com/office/drawing/2010/main" val="0"/>
+              </a:ext>
+            </a:extLst>
+          </a:blip>
+          <a:stretch>
+            <a:fillRect/>
+          </a:stretch>
+        </p:blipFill>
+        <p:spPr>
+          <a:xfrm>
+            <a:off x="0" y="763398"/>
+            <a:ext cx="12192000" cy="6094601"/>
+          </a:xfrm>
+          <a:prstGeom prst="rect">
+            <a:avLst/>
+          </a:prstGeom>
+        </p:spPr>
+      </p:pic>
+      <p:sp>
+        <p:nvSpPr>
+          <p:cNvPr id="7" name="Rectangle 6">
+            <a:extLst>
+              <a:ext uri="{FF2B5EF4-FFF2-40B4-BE49-F238E27FC236}">
+                <a16:creationId xmlns:a16="http://schemas.microsoft.com/office/drawing/2014/main" id="{05F8FFF1-64AB-2589-C111-7206B1439AE8}"/>
+              </a:ext>
+            </a:extLst>
+          </p:cNvPr>
+          <p:cNvSpPr/>
+          <p:nvPr/>
+        </p:nvSpPr>
+        <p:spPr>
+          <a:xfrm flipV="1">
+            <a:off x="75050" y="6255326"/>
+            <a:ext cx="1026386" cy="218209"/>
+          </a:xfrm>
+          <a:prstGeom prst="rect">
+            <a:avLst/>
+          </a:prstGeom>
+          <a:noFill/>
+          <a:ln w="38100">
+            <a:solidFill>
+              <a:srgbClr val="7030A0"/>
+            </a:solidFill>
+          </a:ln>
+          <a:effectLst>
+            <a:glow rad="101600">
+              <a:srgbClr val="7030A0">
+                <a:alpha val="60000"/>
+              </a:srgbClr>
+            </a:glow>
+            <a:outerShdw blurRad="50800" dist="50800" dir="5400000" algn="ctr" rotWithShape="0">
+              <a:srgbClr val="000000">
+                <a:alpha val="0"/>
+              </a:srgbClr>
+            </a:outerShdw>
+          </a:effectLst>
+        </p:spPr>
+        <p:style>
+          <a:lnRef idx="2">
+            <a:schemeClr val="accent6"/>
+          </a:lnRef>
+          <a:fillRef idx="1">
+            <a:schemeClr val="lt1"/>
+          </a:fillRef>
+          <a:effectRef idx="0">
+            <a:schemeClr val="accent6"/>
+          </a:effectRef>
+          <a:fontRef idx="minor">
+            <a:schemeClr val="dk1"/>
+          </a:fontRef>
+        </p:style>
+        <p:txBody>
+          <a:bodyPr rtlCol="0" anchor="ctr"/>
+          <a:lstStyle/>
+          <a:p>
+            <a:pPr algn="ctr"/>
+            <a:endParaRPr lang="fr-FR"/>
+          </a:p>
+        </p:txBody>
+      </p:sp>
+      <p:sp>
+        <p:nvSpPr>
+          <p:cNvPr id="8" name="Rectangle 7">
+            <a:extLst>
+              <a:ext uri="{FF2B5EF4-FFF2-40B4-BE49-F238E27FC236}">
+                <a16:creationId xmlns:a16="http://schemas.microsoft.com/office/drawing/2014/main" id="{A05715CD-4FAD-75F7-441B-BF240648D78E}"/>
+              </a:ext>
+            </a:extLst>
+          </p:cNvPr>
+          <p:cNvSpPr/>
+          <p:nvPr/>
+        </p:nvSpPr>
+        <p:spPr>
+          <a:xfrm flipV="1">
+            <a:off x="10984455" y="3810698"/>
+            <a:ext cx="619040" cy="399296"/>
+          </a:xfrm>
+          <a:prstGeom prst="rect">
+            <a:avLst/>
+          </a:prstGeom>
+          <a:noFill/>
+          <a:ln w="38100">
+            <a:solidFill>
+              <a:srgbClr val="7030A0"/>
+            </a:solidFill>
+          </a:ln>
+          <a:effectLst>
+            <a:glow rad="101600">
+              <a:srgbClr val="7030A0">
+                <a:alpha val="60000"/>
+              </a:srgbClr>
+            </a:glow>
+            <a:outerShdw blurRad="50800" dist="50800" dir="5400000" algn="ctr" rotWithShape="0">
+              <a:srgbClr val="000000">
+                <a:alpha val="0"/>
+              </a:srgbClr>
+            </a:outerShdw>
+          </a:effectLst>
+        </p:spPr>
+        <p:style>
+          <a:lnRef idx="2">
+            <a:schemeClr val="accent6"/>
+          </a:lnRef>
+          <a:fillRef idx="1">
+            <a:schemeClr val="lt1"/>
+          </a:fillRef>
+          <a:effectRef idx="0">
+            <a:schemeClr val="accent6"/>
+          </a:effectRef>
+          <a:fontRef idx="minor">
+            <a:schemeClr val="dk1"/>
+          </a:fontRef>
+        </p:style>
+        <p:txBody>
+          <a:bodyPr rtlCol="0" anchor="ctr"/>
+          <a:lstStyle/>
+          <a:p>
+            <a:pPr algn="ctr"/>
+            <a:endParaRPr lang="fr-FR"/>
+          </a:p>
+        </p:txBody>
+      </p:sp>
+      <p:sp>
+        <p:nvSpPr>
+          <p:cNvPr id="9" name="Rectangle 8">
+            <a:extLst>
+              <a:ext uri="{FF2B5EF4-FFF2-40B4-BE49-F238E27FC236}">
+                <a16:creationId xmlns:a16="http://schemas.microsoft.com/office/drawing/2014/main" id="{027F6F91-5F67-943C-0CB3-B2E53694E024}"/>
+              </a:ext>
+            </a:extLst>
+          </p:cNvPr>
+          <p:cNvSpPr/>
+          <p:nvPr/>
+        </p:nvSpPr>
+        <p:spPr>
+          <a:xfrm flipV="1">
+            <a:off x="5005012" y="3519948"/>
+            <a:ext cx="619040" cy="294212"/>
+          </a:xfrm>
+          <a:prstGeom prst="rect">
+            <a:avLst/>
+          </a:prstGeom>
+          <a:noFill/>
+          <a:ln w="38100">
+            <a:solidFill>
+              <a:srgbClr val="7030A0"/>
+            </a:solidFill>
+          </a:ln>
+          <a:effectLst>
+            <a:glow rad="101600">
+              <a:srgbClr val="7030A0">
+                <a:alpha val="60000"/>
+              </a:srgbClr>
+            </a:glow>
+            <a:outerShdw blurRad="50800" dist="50800" dir="5400000" algn="ctr" rotWithShape="0">
+              <a:srgbClr val="000000">
+                <a:alpha val="0"/>
+              </a:srgbClr>
+            </a:outerShdw>
+          </a:effectLst>
+        </p:spPr>
+        <p:style>
+          <a:lnRef idx="2">
+            <a:schemeClr val="accent6"/>
+          </a:lnRef>
+          <a:fillRef idx="1">
+            <a:schemeClr val="lt1"/>
+          </a:fillRef>
+          <a:effectRef idx="0">
+            <a:schemeClr val="accent6"/>
+          </a:effectRef>
+          <a:fontRef idx="minor">
+            <a:schemeClr val="dk1"/>
+          </a:fontRef>
+        </p:style>
+        <p:txBody>
+          <a:bodyPr rtlCol="0" anchor="ctr"/>
+          <a:lstStyle/>
+          <a:p>
+            <a:pPr algn="ctr"/>
+            <a:endParaRPr lang="fr-FR"/>
+          </a:p>
+        </p:txBody>
+      </p:sp>
+      <p:sp>
+        <p:nvSpPr>
+          <p:cNvPr id="2" name="Organigramme : Connecteur 1">
+            <a:extLst>
+              <a:ext uri="{FF2B5EF4-FFF2-40B4-BE49-F238E27FC236}">
+                <a16:creationId xmlns:a16="http://schemas.microsoft.com/office/drawing/2014/main" id="{532059F3-34E6-DCD4-4A77-2ADD614FED69}"/>
+              </a:ext>
+            </a:extLst>
+          </p:cNvPr>
+          <p:cNvSpPr/>
+          <p:nvPr/>
+        </p:nvSpPr>
+        <p:spPr>
+          <a:xfrm>
+            <a:off x="688481" y="197077"/>
+            <a:ext cx="412955" cy="431853"/>
+          </a:xfrm>
+          <a:prstGeom prst="flowChartConnector">
+            <a:avLst/>
+          </a:prstGeom>
+        </p:spPr>
+        <p:style>
+          <a:lnRef idx="1">
+            <a:schemeClr val="dk1"/>
+          </a:lnRef>
+          <a:fillRef idx="2">
+            <a:schemeClr val="dk1"/>
+          </a:fillRef>
+          <a:effectRef idx="1">
+            <a:schemeClr val="dk1"/>
+          </a:effectRef>
+          <a:fontRef idx="minor">
+            <a:schemeClr val="dk1"/>
+          </a:fontRef>
+        </p:style>
+        <p:txBody>
+          <a:bodyPr rtlCol="0" anchor="ctr"/>
+          <a:lstStyle/>
+          <a:p>
+            <a:pPr algn="ctr"/>
+            <a:r>
+              <a:rPr lang="fr-FR" b="1" dirty="0">
+                <a:solidFill>
+                  <a:schemeClr val="bg1"/>
+                </a:solidFill>
+              </a:rPr>
+              <a:t>4</a:t>
+            </a:r>
+          </a:p>
+        </p:txBody>
+      </p:sp>
     </p:spTree>
     <p:extLst>
       <p:ext uri="{BB962C8B-B14F-4D97-AF65-F5344CB8AC3E}">
@@ -15290,12 +17767,20 @@
           <a:lstStyle/>
           <a:p>
             <a:r>
+              <a:rPr lang="fr-FR" sz="2800" dirty="0">
+                <a:latin typeface="+mn-lt"/>
+                <a:ea typeface="Calibri" panose="020F0502020204030204" pitchFamily="34" charset="0"/>
+                <a:cs typeface="Calibri" panose="020F0502020204030204" pitchFamily="34" charset="0"/>
+              </a:rPr>
+              <a:t>         Dashboard</a:t>
+            </a:r>
+            <a:r>
               <a:rPr lang="fr-FR" sz="3200" dirty="0">
                 <a:latin typeface="+mn-lt"/>
                 <a:ea typeface="Calibri" panose="020F0502020204030204" pitchFamily="34" charset="0"/>
                 <a:cs typeface="Calibri" panose="020F0502020204030204" pitchFamily="34" charset="0"/>
               </a:rPr>
-              <a:t>Dashboard – </a:t>
+              <a:t>  </a:t>
             </a:r>
             <a:endParaRPr lang="fr-FR" sz="3200" dirty="0">
               <a:latin typeface="Calibri" panose="020F0502020204030204" pitchFamily="34" charset="0"/>
@@ -15341,6 +17826,253 @@
           </a:prstGeom>
         </p:spPr>
       </p:pic>
+      <p:pic>
+        <p:nvPicPr>
+          <p:cNvPr id="3" name="Image 2" descr="Une image contenant texte, capture d’écran, Police, logiciel">
+            <a:extLst>
+              <a:ext uri="{FF2B5EF4-FFF2-40B4-BE49-F238E27FC236}">
+                <a16:creationId xmlns:a16="http://schemas.microsoft.com/office/drawing/2014/main" id="{70842778-8DC8-9DD3-08A5-12B000782ACA}"/>
+              </a:ext>
+            </a:extLst>
+          </p:cNvPr>
+          <p:cNvPicPr>
+            <a:picLocks noChangeAspect="1"/>
+          </p:cNvPicPr>
+          <p:nvPr/>
+        </p:nvPicPr>
+        <p:blipFill>
+          <a:blip r:embed="rId4">
+            <a:extLst>
+              <a:ext uri="{28A0092B-C50C-407E-A947-70E740481C1C}">
+                <a14:useLocalDpi xmlns:a14="http://schemas.microsoft.com/office/drawing/2010/main" val="0"/>
+              </a:ext>
+            </a:extLst>
+          </a:blip>
+          <a:stretch>
+            <a:fillRect/>
+          </a:stretch>
+        </p:blipFill>
+        <p:spPr>
+          <a:xfrm>
+            <a:off x="1213480" y="763398"/>
+            <a:ext cx="9414164" cy="3013363"/>
+          </a:xfrm>
+          <a:prstGeom prst="rect">
+            <a:avLst/>
+          </a:prstGeom>
+        </p:spPr>
+      </p:pic>
+      <p:pic>
+        <p:nvPicPr>
+          <p:cNvPr id="8" name="Image 7" descr="Une image contenant texte, capture d’écran, Police, logiciel">
+            <a:extLst>
+              <a:ext uri="{FF2B5EF4-FFF2-40B4-BE49-F238E27FC236}">
+                <a16:creationId xmlns:a16="http://schemas.microsoft.com/office/drawing/2014/main" id="{A3B57449-5D39-6992-FC02-3C0E9358524F}"/>
+              </a:ext>
+            </a:extLst>
+          </p:cNvPr>
+          <p:cNvPicPr>
+            <a:picLocks noChangeAspect="1"/>
+          </p:cNvPicPr>
+          <p:nvPr/>
+        </p:nvPicPr>
+        <p:blipFill>
+          <a:blip r:embed="rId5">
+            <a:extLst>
+              <a:ext uri="{28A0092B-C50C-407E-A947-70E740481C1C}">
+                <a14:useLocalDpi xmlns:a14="http://schemas.microsoft.com/office/drawing/2010/main" val="0"/>
+              </a:ext>
+            </a:extLst>
+          </a:blip>
+          <a:stretch>
+            <a:fillRect/>
+          </a:stretch>
+        </p:blipFill>
+        <p:spPr>
+          <a:xfrm>
+            <a:off x="1213480" y="3776761"/>
+            <a:ext cx="9497291" cy="3018627"/>
+          </a:xfrm>
+          <a:prstGeom prst="rect">
+            <a:avLst/>
+          </a:prstGeom>
+        </p:spPr>
+      </p:pic>
+      <p:sp>
+        <p:nvSpPr>
+          <p:cNvPr id="9" name="Rectangle 8">
+            <a:extLst>
+              <a:ext uri="{FF2B5EF4-FFF2-40B4-BE49-F238E27FC236}">
+                <a16:creationId xmlns:a16="http://schemas.microsoft.com/office/drawing/2014/main" id="{04E8CEB7-3A33-DC95-834E-CBE6E106BFCA}"/>
+              </a:ext>
+            </a:extLst>
+          </p:cNvPr>
+          <p:cNvSpPr/>
+          <p:nvPr/>
+        </p:nvSpPr>
+        <p:spPr>
+          <a:xfrm flipV="1">
+            <a:off x="3397827" y="763398"/>
+            <a:ext cx="7580693" cy="3050762"/>
+          </a:xfrm>
+          <a:prstGeom prst="rect">
+            <a:avLst/>
+          </a:prstGeom>
+          <a:noFill/>
+          <a:ln w="38100">
+            <a:solidFill>
+              <a:srgbClr val="7030A0"/>
+            </a:solidFill>
+          </a:ln>
+          <a:effectLst>
+            <a:glow rad="101600">
+              <a:srgbClr val="7030A0">
+                <a:alpha val="60000"/>
+              </a:srgbClr>
+            </a:glow>
+            <a:outerShdw blurRad="50800" dist="50800" dir="5400000" algn="ctr" rotWithShape="0">
+              <a:srgbClr val="000000">
+                <a:alpha val="0"/>
+              </a:srgbClr>
+            </a:outerShdw>
+          </a:effectLst>
+        </p:spPr>
+        <p:style>
+          <a:lnRef idx="2">
+            <a:schemeClr val="accent6"/>
+          </a:lnRef>
+          <a:fillRef idx="1">
+            <a:schemeClr val="lt1"/>
+          </a:fillRef>
+          <a:effectRef idx="0">
+            <a:schemeClr val="accent6"/>
+          </a:effectRef>
+          <a:fontRef idx="minor">
+            <a:schemeClr val="dk1"/>
+          </a:fontRef>
+        </p:style>
+        <p:txBody>
+          <a:bodyPr rtlCol="0" anchor="ctr"/>
+          <a:lstStyle/>
+          <a:p>
+            <a:pPr algn="ctr"/>
+            <a:endParaRPr lang="fr-FR"/>
+          </a:p>
+        </p:txBody>
+      </p:sp>
+      <p:sp>
+        <p:nvSpPr>
+          <p:cNvPr id="10" name="Rectangle 9">
+            <a:extLst>
+              <a:ext uri="{FF2B5EF4-FFF2-40B4-BE49-F238E27FC236}">
+                <a16:creationId xmlns:a16="http://schemas.microsoft.com/office/drawing/2014/main" id="{07230A46-E615-8B2B-2D4E-47735A81C924}"/>
+              </a:ext>
+            </a:extLst>
+          </p:cNvPr>
+          <p:cNvSpPr/>
+          <p:nvPr/>
+        </p:nvSpPr>
+        <p:spPr>
+          <a:xfrm flipV="1">
+            <a:off x="3820448" y="5105712"/>
+            <a:ext cx="7158071" cy="1721809"/>
+          </a:xfrm>
+          <a:prstGeom prst="rect">
+            <a:avLst/>
+          </a:prstGeom>
+          <a:noFill/>
+          <a:ln w="38100">
+            <a:solidFill>
+              <a:srgbClr val="7030A0"/>
+            </a:solidFill>
+          </a:ln>
+          <a:effectLst>
+            <a:glow rad="101600">
+              <a:srgbClr val="7030A0">
+                <a:alpha val="60000"/>
+              </a:srgbClr>
+            </a:glow>
+            <a:outerShdw blurRad="50800" dist="50800" dir="5400000" algn="ctr" rotWithShape="0">
+              <a:srgbClr val="000000">
+                <a:alpha val="0"/>
+              </a:srgbClr>
+            </a:outerShdw>
+          </a:effectLst>
+        </p:spPr>
+        <p:style>
+          <a:lnRef idx="2">
+            <a:schemeClr val="accent6"/>
+          </a:lnRef>
+          <a:fillRef idx="1">
+            <a:schemeClr val="lt1"/>
+          </a:fillRef>
+          <a:effectRef idx="0">
+            <a:schemeClr val="accent6"/>
+          </a:effectRef>
+          <a:fontRef idx="minor">
+            <a:schemeClr val="dk1"/>
+          </a:fontRef>
+        </p:style>
+        <p:txBody>
+          <a:bodyPr rtlCol="0" anchor="ctr"/>
+          <a:lstStyle/>
+          <a:p>
+            <a:pPr algn="ctr"/>
+            <a:endParaRPr lang="fr-FR"/>
+          </a:p>
+        </p:txBody>
+      </p:sp>
+      <p:sp>
+        <p:nvSpPr>
+          <p:cNvPr id="2" name="Organigramme : Connecteur 1">
+            <a:extLst>
+              <a:ext uri="{FF2B5EF4-FFF2-40B4-BE49-F238E27FC236}">
+                <a16:creationId xmlns:a16="http://schemas.microsoft.com/office/drawing/2014/main" id="{3989ABB7-39C9-8054-AED5-F11E1E874BDA}"/>
+              </a:ext>
+            </a:extLst>
+          </p:cNvPr>
+          <p:cNvSpPr/>
+          <p:nvPr/>
+        </p:nvSpPr>
+        <p:spPr>
+          <a:xfrm>
+            <a:off x="539443" y="197077"/>
+            <a:ext cx="412955" cy="431853"/>
+          </a:xfrm>
+          <a:prstGeom prst="flowChartConnector">
+            <a:avLst/>
+          </a:prstGeom>
+        </p:spPr>
+        <p:style>
+          <a:lnRef idx="1">
+            <a:schemeClr val="dk1"/>
+          </a:lnRef>
+          <a:fillRef idx="2">
+            <a:schemeClr val="dk1"/>
+          </a:fillRef>
+          <a:effectRef idx="1">
+            <a:schemeClr val="dk1"/>
+          </a:effectRef>
+          <a:fontRef idx="minor">
+            <a:schemeClr val="dk1"/>
+          </a:fontRef>
+        </p:style>
+        <p:txBody>
+          <a:bodyPr rtlCol="0" anchor="ctr"/>
+          <a:lstStyle/>
+          <a:p>
+            <a:pPr algn="ctr"/>
+            <a:r>
+              <a:rPr lang="fr-FR" b="1" dirty="0">
+                <a:solidFill>
+                  <a:schemeClr val="bg1"/>
+                </a:solidFill>
+              </a:rPr>
+              <a:t>4</a:t>
+            </a:r>
+          </a:p>
+        </p:txBody>
+      </p:sp>
     </p:spTree>
     <p:extLst>
       <p:ext uri="{BB962C8B-B14F-4D97-AF65-F5344CB8AC3E}">
@@ -15442,12 +18174,20 @@
           <a:lstStyle/>
           <a:p>
             <a:r>
+              <a:rPr lang="fr-FR" sz="2800" dirty="0">
+                <a:latin typeface="+mn-lt"/>
+                <a:ea typeface="Calibri" panose="020F0502020204030204" pitchFamily="34" charset="0"/>
+                <a:cs typeface="Calibri" panose="020F0502020204030204" pitchFamily="34" charset="0"/>
+              </a:rPr>
+              <a:t>          Dashboard</a:t>
+            </a:r>
+            <a:r>
               <a:rPr lang="fr-FR" sz="3200" dirty="0">
                 <a:latin typeface="+mn-lt"/>
                 <a:ea typeface="Calibri" panose="020F0502020204030204" pitchFamily="34" charset="0"/>
                 <a:cs typeface="Calibri" panose="020F0502020204030204" pitchFamily="34" charset="0"/>
               </a:rPr>
-              <a:t>Dashboard – </a:t>
+              <a:t>  </a:t>
             </a:r>
             <a:endParaRPr lang="fr-FR" sz="3200" dirty="0">
               <a:latin typeface="Calibri" panose="020F0502020204030204" pitchFamily="34" charset="0"/>
@@ -15493,10 +18233,1176 @@
           </a:prstGeom>
         </p:spPr>
       </p:pic>
+      <p:pic>
+        <p:nvPicPr>
+          <p:cNvPr id="3" name="Image 2" descr="Une image contenant texte, logiciel, Police, nombre&#10;&#10;Description générée automatiquement">
+            <a:extLst>
+              <a:ext uri="{FF2B5EF4-FFF2-40B4-BE49-F238E27FC236}">
+                <a16:creationId xmlns:a16="http://schemas.microsoft.com/office/drawing/2014/main" id="{8DA63AD6-85E1-AA7F-3FF9-56C5F1FD8871}"/>
+              </a:ext>
+            </a:extLst>
+          </p:cNvPr>
+          <p:cNvPicPr>
+            <a:picLocks noChangeAspect="1"/>
+          </p:cNvPicPr>
+          <p:nvPr/>
+        </p:nvPicPr>
+        <p:blipFill>
+          <a:blip r:embed="rId4">
+            <a:extLst>
+              <a:ext uri="{28A0092B-C50C-407E-A947-70E740481C1C}">
+                <a14:useLocalDpi xmlns:a14="http://schemas.microsoft.com/office/drawing/2010/main" val="0"/>
+              </a:ext>
+            </a:extLst>
+          </a:blip>
+          <a:stretch>
+            <a:fillRect/>
+          </a:stretch>
+        </p:blipFill>
+        <p:spPr>
+          <a:xfrm>
+            <a:off x="0" y="763398"/>
+            <a:ext cx="12192000" cy="5500103"/>
+          </a:xfrm>
+          <a:prstGeom prst="rect">
+            <a:avLst/>
+          </a:prstGeom>
+        </p:spPr>
+      </p:pic>
+      <p:sp>
+        <p:nvSpPr>
+          <p:cNvPr id="7" name="Rectangle 6">
+            <a:extLst>
+              <a:ext uri="{FF2B5EF4-FFF2-40B4-BE49-F238E27FC236}">
+                <a16:creationId xmlns:a16="http://schemas.microsoft.com/office/drawing/2014/main" id="{3D81E8F1-775A-AF23-140F-82F556C3C1F4}"/>
+              </a:ext>
+            </a:extLst>
+          </p:cNvPr>
+          <p:cNvSpPr/>
+          <p:nvPr/>
+        </p:nvSpPr>
+        <p:spPr>
+          <a:xfrm flipV="1">
+            <a:off x="1996341" y="3775587"/>
+            <a:ext cx="3084814" cy="2487914"/>
+          </a:xfrm>
+          <a:prstGeom prst="rect">
+            <a:avLst/>
+          </a:prstGeom>
+          <a:noFill/>
+          <a:ln w="38100">
+            <a:solidFill>
+              <a:srgbClr val="7030A0"/>
+            </a:solidFill>
+          </a:ln>
+          <a:effectLst>
+            <a:glow rad="101600">
+              <a:srgbClr val="7030A0">
+                <a:alpha val="60000"/>
+              </a:srgbClr>
+            </a:glow>
+            <a:outerShdw blurRad="50800" dist="50800" dir="5400000" algn="ctr" rotWithShape="0">
+              <a:srgbClr val="000000">
+                <a:alpha val="0"/>
+              </a:srgbClr>
+            </a:outerShdw>
+          </a:effectLst>
+        </p:spPr>
+        <p:style>
+          <a:lnRef idx="2">
+            <a:schemeClr val="accent6"/>
+          </a:lnRef>
+          <a:fillRef idx="1">
+            <a:schemeClr val="lt1"/>
+          </a:fillRef>
+          <a:effectRef idx="0">
+            <a:schemeClr val="accent6"/>
+          </a:effectRef>
+          <a:fontRef idx="minor">
+            <a:schemeClr val="dk1"/>
+          </a:fontRef>
+        </p:style>
+        <p:txBody>
+          <a:bodyPr rtlCol="0" anchor="ctr"/>
+          <a:lstStyle/>
+          <a:p>
+            <a:pPr algn="ctr"/>
+            <a:endParaRPr lang="fr-FR"/>
+          </a:p>
+        </p:txBody>
+      </p:sp>
+      <p:sp>
+        <p:nvSpPr>
+          <p:cNvPr id="8" name="Rectangle 7">
+            <a:extLst>
+              <a:ext uri="{FF2B5EF4-FFF2-40B4-BE49-F238E27FC236}">
+                <a16:creationId xmlns:a16="http://schemas.microsoft.com/office/drawing/2014/main" id="{8B057043-2BB6-0E6D-470D-0703D9026B9E}"/>
+              </a:ext>
+            </a:extLst>
+          </p:cNvPr>
+          <p:cNvSpPr/>
+          <p:nvPr/>
+        </p:nvSpPr>
+        <p:spPr>
+          <a:xfrm flipV="1">
+            <a:off x="6958503" y="3775587"/>
+            <a:ext cx="3237156" cy="2487914"/>
+          </a:xfrm>
+          <a:prstGeom prst="rect">
+            <a:avLst/>
+          </a:prstGeom>
+          <a:noFill/>
+          <a:ln w="38100">
+            <a:solidFill>
+              <a:srgbClr val="7030A0"/>
+            </a:solidFill>
+          </a:ln>
+          <a:effectLst>
+            <a:glow rad="101600">
+              <a:srgbClr val="7030A0">
+                <a:alpha val="60000"/>
+              </a:srgbClr>
+            </a:glow>
+            <a:outerShdw blurRad="50800" dist="50800" dir="5400000" algn="ctr" rotWithShape="0">
+              <a:srgbClr val="000000">
+                <a:alpha val="0"/>
+              </a:srgbClr>
+            </a:outerShdw>
+          </a:effectLst>
+        </p:spPr>
+        <p:style>
+          <a:lnRef idx="2">
+            <a:schemeClr val="accent6"/>
+          </a:lnRef>
+          <a:fillRef idx="1">
+            <a:schemeClr val="lt1"/>
+          </a:fillRef>
+          <a:effectRef idx="0">
+            <a:schemeClr val="accent6"/>
+          </a:effectRef>
+          <a:fontRef idx="minor">
+            <a:schemeClr val="dk1"/>
+          </a:fontRef>
+        </p:style>
+        <p:txBody>
+          <a:bodyPr rtlCol="0" anchor="ctr"/>
+          <a:lstStyle/>
+          <a:p>
+            <a:pPr algn="ctr"/>
+            <a:endParaRPr lang="fr-FR"/>
+          </a:p>
+        </p:txBody>
+      </p:sp>
+      <p:sp>
+        <p:nvSpPr>
+          <p:cNvPr id="2" name="Organigramme : Connecteur 1">
+            <a:extLst>
+              <a:ext uri="{FF2B5EF4-FFF2-40B4-BE49-F238E27FC236}">
+                <a16:creationId xmlns:a16="http://schemas.microsoft.com/office/drawing/2014/main" id="{561D2B9A-182A-22DE-3910-3791495C9019}"/>
+              </a:ext>
+            </a:extLst>
+          </p:cNvPr>
+          <p:cNvSpPr/>
+          <p:nvPr/>
+        </p:nvSpPr>
+        <p:spPr>
+          <a:xfrm>
+            <a:off x="539443" y="197078"/>
+            <a:ext cx="412955" cy="431853"/>
+          </a:xfrm>
+          <a:prstGeom prst="flowChartConnector">
+            <a:avLst/>
+          </a:prstGeom>
+        </p:spPr>
+        <p:style>
+          <a:lnRef idx="1">
+            <a:schemeClr val="dk1"/>
+          </a:lnRef>
+          <a:fillRef idx="2">
+            <a:schemeClr val="dk1"/>
+          </a:fillRef>
+          <a:effectRef idx="1">
+            <a:schemeClr val="dk1"/>
+          </a:effectRef>
+          <a:fontRef idx="minor">
+            <a:schemeClr val="dk1"/>
+          </a:fontRef>
+        </p:style>
+        <p:txBody>
+          <a:bodyPr rtlCol="0" anchor="ctr"/>
+          <a:lstStyle/>
+          <a:p>
+            <a:pPr algn="ctr"/>
+            <a:r>
+              <a:rPr lang="fr-FR" b="1" dirty="0">
+                <a:solidFill>
+                  <a:schemeClr val="bg1"/>
+                </a:solidFill>
+              </a:rPr>
+              <a:t>4</a:t>
+            </a:r>
+          </a:p>
+        </p:txBody>
+      </p:sp>
     </p:spTree>
     <p:extLst>
       <p:ext uri="{BB962C8B-B14F-4D97-AF65-F5344CB8AC3E}">
         <p14:creationId xmlns:p14="http://schemas.microsoft.com/office/powerpoint/2010/main" val="2068587935"/>
+      </p:ext>
+    </p:extLst>
+  </p:cSld>
+  <p:clrMapOvr>
+    <a:masterClrMapping/>
+  </p:clrMapOvr>
+</p:sld>
+</file>
+
+<file path=ppt/slides/slide26.xml><?xml version="1.0" encoding="utf-8"?>
+<p:sld xmlns:a="http://schemas.openxmlformats.org/drawingml/2006/main" xmlns:r="http://schemas.openxmlformats.org/officeDocument/2006/relationships" xmlns:p="http://schemas.openxmlformats.org/presentationml/2006/main">
+  <p:cSld>
+    <p:spTree>
+      <p:nvGrpSpPr>
+        <p:cNvPr id="1" name=""/>
+        <p:cNvGrpSpPr/>
+        <p:nvPr/>
+      </p:nvGrpSpPr>
+      <p:grpSpPr>
+        <a:xfrm>
+          <a:off x="0" y="0"/>
+          <a:ext cx="0" cy="0"/>
+          <a:chOff x="0" y="0"/>
+          <a:chExt cx="0" cy="0"/>
+        </a:xfrm>
+      </p:grpSpPr>
+      <p:pic>
+        <p:nvPicPr>
+          <p:cNvPr id="4" name="Image 3" descr="Une image contenant flou, jaune, orange, Ambré">
+            <a:extLst>
+              <a:ext uri="{FF2B5EF4-FFF2-40B4-BE49-F238E27FC236}">
+                <a16:creationId xmlns:a16="http://schemas.microsoft.com/office/drawing/2014/main" id="{BE743077-E280-D598-34FE-C1AD59360247}"/>
+              </a:ext>
+            </a:extLst>
+          </p:cNvPr>
+          <p:cNvPicPr>
+            <a:picLocks noChangeAspect="1"/>
+          </p:cNvPicPr>
+          <p:nvPr/>
+        </p:nvPicPr>
+        <p:blipFill>
+          <a:blip r:embed="rId2">
+            <a:grayscl/>
+            <a:extLst>
+              <a:ext uri="{28A0092B-C50C-407E-A947-70E740481C1C}">
+                <a14:useLocalDpi xmlns:a14="http://schemas.microsoft.com/office/drawing/2010/main" val="0"/>
+              </a:ext>
+            </a:extLst>
+          </a:blip>
+          <a:stretch>
+            <a:fillRect/>
+          </a:stretch>
+        </p:blipFill>
+        <p:spPr>
+          <a:xfrm>
+            <a:off x="0" y="0"/>
+            <a:ext cx="12192000" cy="763398"/>
+          </a:xfrm>
+          <a:prstGeom prst="rect">
+            <a:avLst/>
+          </a:prstGeom>
+          <a:solidFill>
+            <a:schemeClr val="bg1">
+              <a:lumMod val="85000"/>
+            </a:schemeClr>
+          </a:solidFill>
+        </p:spPr>
+      </p:pic>
+      <p:sp>
+        <p:nvSpPr>
+          <p:cNvPr id="5" name="Titre 1">
+            <a:extLst>
+              <a:ext uri="{FF2B5EF4-FFF2-40B4-BE49-F238E27FC236}">
+                <a16:creationId xmlns:a16="http://schemas.microsoft.com/office/drawing/2014/main" id="{2C61C1BE-51C2-C47F-2586-08FD8D62CB06}"/>
+              </a:ext>
+            </a:extLst>
+          </p:cNvPr>
+          <p:cNvSpPr>
+            <a:spLocks noGrp="1"/>
+          </p:cNvSpPr>
+          <p:nvPr>
+            <p:ph type="title"/>
+          </p:nvPr>
+        </p:nvSpPr>
+        <p:spPr>
+          <a:xfrm>
+            <a:off x="478173" y="62611"/>
+            <a:ext cx="10967906" cy="700787"/>
+          </a:xfrm>
+        </p:spPr>
+        <p:txBody>
+          <a:bodyPr>
+            <a:normAutofit/>
+          </a:bodyPr>
+          <a:lstStyle/>
+          <a:p>
+            <a:r>
+              <a:rPr lang="fr-FR" sz="2800" dirty="0">
+                <a:latin typeface="+mn-lt"/>
+                <a:ea typeface="Calibri" panose="020F0502020204030204" pitchFamily="34" charset="0"/>
+                <a:cs typeface="Calibri" panose="020F0502020204030204" pitchFamily="34" charset="0"/>
+              </a:rPr>
+              <a:t>Sommaire</a:t>
+            </a:r>
+          </a:p>
+        </p:txBody>
+      </p:sp>
+      <p:pic>
+        <p:nvPicPr>
+          <p:cNvPr id="6" name="Image 5" descr="Une image contenant cercle, blanc, noir et blanc, conception">
+            <a:extLst>
+              <a:ext uri="{FF2B5EF4-FFF2-40B4-BE49-F238E27FC236}">
+                <a16:creationId xmlns:a16="http://schemas.microsoft.com/office/drawing/2014/main" id="{A80E67CD-B642-0718-BFFD-A6BA76F9BCA2}"/>
+              </a:ext>
+            </a:extLst>
+          </p:cNvPr>
+          <p:cNvPicPr>
+            <a:picLocks noChangeAspect="1"/>
+          </p:cNvPicPr>
+          <p:nvPr/>
+        </p:nvPicPr>
+        <p:blipFill>
+          <a:blip r:embed="rId3">
+            <a:extLst>
+              <a:ext uri="{28A0092B-C50C-407E-A947-70E740481C1C}">
+                <a14:useLocalDpi xmlns:a14="http://schemas.microsoft.com/office/drawing/2010/main" val="0"/>
+              </a:ext>
+            </a:extLst>
+          </a:blip>
+          <a:stretch>
+            <a:fillRect/>
+          </a:stretch>
+        </p:blipFill>
+        <p:spPr>
+          <a:xfrm>
+            <a:off x="10697497" y="1"/>
+            <a:ext cx="1016330" cy="763398"/>
+          </a:xfrm>
+          <a:prstGeom prst="rect">
+            <a:avLst/>
+          </a:prstGeom>
+        </p:spPr>
+      </p:pic>
+      <p:sp>
+        <p:nvSpPr>
+          <p:cNvPr id="7" name="Espace réservé du contenu 2">
+            <a:extLst>
+              <a:ext uri="{FF2B5EF4-FFF2-40B4-BE49-F238E27FC236}">
+                <a16:creationId xmlns:a16="http://schemas.microsoft.com/office/drawing/2014/main" id="{4ACE70BD-78FC-6878-7490-FD08C6EE5268}"/>
+              </a:ext>
+            </a:extLst>
+          </p:cNvPr>
+          <p:cNvSpPr>
+            <a:spLocks noGrp="1"/>
+          </p:cNvSpPr>
+          <p:nvPr>
+            <p:ph idx="1"/>
+          </p:nvPr>
+        </p:nvSpPr>
+        <p:spPr>
+          <a:xfrm>
+            <a:off x="849517" y="1436277"/>
+            <a:ext cx="10596562" cy="3265487"/>
+          </a:xfrm>
+        </p:spPr>
+        <p:txBody>
+          <a:bodyPr/>
+          <a:lstStyle/>
+          <a:p>
+            <a:pPr marL="0" indent="0">
+              <a:buNone/>
+            </a:pPr>
+            <a:r>
+              <a:rPr lang="fr-FR" dirty="0"/>
+              <a:t>              </a:t>
+            </a:r>
+            <a:r>
+              <a:rPr lang="fr-FR" dirty="0">
+                <a:solidFill>
+                  <a:schemeClr val="bg1">
+                    <a:lumMod val="85000"/>
+                  </a:schemeClr>
+                </a:solidFill>
+              </a:rPr>
+              <a:t>Contexte</a:t>
+            </a:r>
+          </a:p>
+          <a:p>
+            <a:pPr marL="0" indent="0">
+              <a:buNone/>
+            </a:pPr>
+            <a:r>
+              <a:rPr lang="fr-FR" dirty="0"/>
+              <a:t>              </a:t>
+            </a:r>
+            <a:r>
+              <a:rPr lang="fr-FR" dirty="0">
+                <a:solidFill>
+                  <a:schemeClr val="bg1">
+                    <a:lumMod val="85000"/>
+                  </a:schemeClr>
+                </a:solidFill>
+              </a:rPr>
+              <a:t>Traitement des données </a:t>
+            </a:r>
+          </a:p>
+          <a:p>
+            <a:pPr marL="0" indent="0">
+              <a:buNone/>
+            </a:pPr>
+            <a:r>
+              <a:rPr lang="fr-FR" dirty="0"/>
+              <a:t>              </a:t>
+            </a:r>
+            <a:r>
+              <a:rPr lang="fr-FR" dirty="0">
+                <a:solidFill>
+                  <a:schemeClr val="bg1">
+                    <a:lumMod val="85000"/>
+                  </a:schemeClr>
+                </a:solidFill>
+              </a:rPr>
+              <a:t>Modélisation</a:t>
+            </a:r>
+          </a:p>
+          <a:p>
+            <a:pPr marL="0" indent="0">
+              <a:buNone/>
+            </a:pPr>
+            <a:r>
+              <a:rPr lang="fr-FR" dirty="0">
+                <a:solidFill>
+                  <a:schemeClr val="bg1">
+                    <a:lumMod val="85000"/>
+                  </a:schemeClr>
+                </a:solidFill>
+              </a:rPr>
+              <a:t>              Dashboard</a:t>
+            </a:r>
+          </a:p>
+          <a:p>
+            <a:pPr marL="0" indent="0">
+              <a:buNone/>
+            </a:pPr>
+            <a:r>
+              <a:rPr lang="fr-FR" dirty="0">
+                <a:solidFill>
+                  <a:schemeClr val="bg1">
+                    <a:lumMod val="85000"/>
+                  </a:schemeClr>
+                </a:solidFill>
+              </a:rPr>
+              <a:t>              </a:t>
+            </a:r>
+            <a:r>
+              <a:rPr lang="fr-FR" dirty="0"/>
+              <a:t>Conclusions </a:t>
+            </a:r>
+          </a:p>
+          <a:p>
+            <a:pPr marL="0" indent="0">
+              <a:buNone/>
+            </a:pPr>
+            <a:endParaRPr lang="fr-FR" dirty="0"/>
+          </a:p>
+        </p:txBody>
+      </p:sp>
+      <p:sp>
+        <p:nvSpPr>
+          <p:cNvPr id="8" name="Organigramme : Connecteur 7">
+            <a:extLst>
+              <a:ext uri="{FF2B5EF4-FFF2-40B4-BE49-F238E27FC236}">
+                <a16:creationId xmlns:a16="http://schemas.microsoft.com/office/drawing/2014/main" id="{9B9C5B9C-2BBE-30F2-E413-17DBAD380494}"/>
+              </a:ext>
+            </a:extLst>
+          </p:cNvPr>
+          <p:cNvSpPr/>
+          <p:nvPr/>
+        </p:nvSpPr>
+        <p:spPr>
+          <a:xfrm>
+            <a:off x="1337186" y="1436276"/>
+            <a:ext cx="412955" cy="431853"/>
+          </a:xfrm>
+          <a:prstGeom prst="flowChartConnector">
+            <a:avLst/>
+          </a:prstGeom>
+        </p:spPr>
+        <p:style>
+          <a:lnRef idx="1">
+            <a:schemeClr val="dk1"/>
+          </a:lnRef>
+          <a:fillRef idx="2">
+            <a:schemeClr val="dk1"/>
+          </a:fillRef>
+          <a:effectRef idx="1">
+            <a:schemeClr val="dk1"/>
+          </a:effectRef>
+          <a:fontRef idx="minor">
+            <a:schemeClr val="dk1"/>
+          </a:fontRef>
+        </p:style>
+        <p:txBody>
+          <a:bodyPr rtlCol="0" anchor="ctr"/>
+          <a:lstStyle/>
+          <a:p>
+            <a:pPr algn="ctr"/>
+            <a:r>
+              <a:rPr lang="fr-FR" b="1" dirty="0">
+                <a:solidFill>
+                  <a:schemeClr val="bg1"/>
+                </a:solidFill>
+              </a:rPr>
+              <a:t>1</a:t>
+            </a:r>
+          </a:p>
+        </p:txBody>
+      </p:sp>
+      <p:sp>
+        <p:nvSpPr>
+          <p:cNvPr id="9" name="Organigramme : Connecteur 8">
+            <a:extLst>
+              <a:ext uri="{FF2B5EF4-FFF2-40B4-BE49-F238E27FC236}">
+                <a16:creationId xmlns:a16="http://schemas.microsoft.com/office/drawing/2014/main" id="{D55825A7-F2A8-E410-117B-2C0FD9B58672}"/>
+              </a:ext>
+            </a:extLst>
+          </p:cNvPr>
+          <p:cNvSpPr/>
+          <p:nvPr/>
+        </p:nvSpPr>
+        <p:spPr>
+          <a:xfrm>
+            <a:off x="1337183" y="1942551"/>
+            <a:ext cx="412955" cy="431853"/>
+          </a:xfrm>
+          <a:prstGeom prst="flowChartConnector">
+            <a:avLst/>
+          </a:prstGeom>
+        </p:spPr>
+        <p:style>
+          <a:lnRef idx="1">
+            <a:schemeClr val="dk1"/>
+          </a:lnRef>
+          <a:fillRef idx="2">
+            <a:schemeClr val="dk1"/>
+          </a:fillRef>
+          <a:effectRef idx="1">
+            <a:schemeClr val="dk1"/>
+          </a:effectRef>
+          <a:fontRef idx="minor">
+            <a:schemeClr val="dk1"/>
+          </a:fontRef>
+        </p:style>
+        <p:txBody>
+          <a:bodyPr rtlCol="0" anchor="ctr"/>
+          <a:lstStyle/>
+          <a:p>
+            <a:pPr algn="ctr"/>
+            <a:r>
+              <a:rPr lang="fr-FR" b="1" dirty="0">
+                <a:solidFill>
+                  <a:schemeClr val="bg1"/>
+                </a:solidFill>
+              </a:rPr>
+              <a:t>2</a:t>
+            </a:r>
+          </a:p>
+        </p:txBody>
+      </p:sp>
+      <p:sp>
+        <p:nvSpPr>
+          <p:cNvPr id="10" name="Organigramme : Connecteur 9">
+            <a:extLst>
+              <a:ext uri="{FF2B5EF4-FFF2-40B4-BE49-F238E27FC236}">
+                <a16:creationId xmlns:a16="http://schemas.microsoft.com/office/drawing/2014/main" id="{CE8C43D6-581E-0E57-DA18-E0ECEB68AE5D}"/>
+              </a:ext>
+            </a:extLst>
+          </p:cNvPr>
+          <p:cNvSpPr/>
+          <p:nvPr/>
+        </p:nvSpPr>
+        <p:spPr>
+          <a:xfrm>
+            <a:off x="1337184" y="2469849"/>
+            <a:ext cx="412955" cy="431853"/>
+          </a:xfrm>
+          <a:prstGeom prst="flowChartConnector">
+            <a:avLst/>
+          </a:prstGeom>
+        </p:spPr>
+        <p:style>
+          <a:lnRef idx="1">
+            <a:schemeClr val="dk1"/>
+          </a:lnRef>
+          <a:fillRef idx="2">
+            <a:schemeClr val="dk1"/>
+          </a:fillRef>
+          <a:effectRef idx="1">
+            <a:schemeClr val="dk1"/>
+          </a:effectRef>
+          <a:fontRef idx="minor">
+            <a:schemeClr val="dk1"/>
+          </a:fontRef>
+        </p:style>
+        <p:txBody>
+          <a:bodyPr rtlCol="0" anchor="ctr"/>
+          <a:lstStyle/>
+          <a:p>
+            <a:pPr algn="ctr"/>
+            <a:r>
+              <a:rPr lang="fr-FR" b="1" dirty="0">
+                <a:solidFill>
+                  <a:schemeClr val="bg1"/>
+                </a:solidFill>
+              </a:rPr>
+              <a:t>3</a:t>
+            </a:r>
+          </a:p>
+        </p:txBody>
+      </p:sp>
+      <p:sp>
+        <p:nvSpPr>
+          <p:cNvPr id="11" name="Organigramme : Connecteur 10">
+            <a:extLst>
+              <a:ext uri="{FF2B5EF4-FFF2-40B4-BE49-F238E27FC236}">
+                <a16:creationId xmlns:a16="http://schemas.microsoft.com/office/drawing/2014/main" id="{215EBA8E-F79F-0C87-CACC-AB71DD39A9A1}"/>
+              </a:ext>
+            </a:extLst>
+          </p:cNvPr>
+          <p:cNvSpPr/>
+          <p:nvPr/>
+        </p:nvSpPr>
+        <p:spPr>
+          <a:xfrm>
+            <a:off x="1337185" y="2997147"/>
+            <a:ext cx="412955" cy="431853"/>
+          </a:xfrm>
+          <a:prstGeom prst="flowChartConnector">
+            <a:avLst/>
+          </a:prstGeom>
+        </p:spPr>
+        <p:style>
+          <a:lnRef idx="1">
+            <a:schemeClr val="dk1"/>
+          </a:lnRef>
+          <a:fillRef idx="2">
+            <a:schemeClr val="dk1"/>
+          </a:fillRef>
+          <a:effectRef idx="1">
+            <a:schemeClr val="dk1"/>
+          </a:effectRef>
+          <a:fontRef idx="minor">
+            <a:schemeClr val="dk1"/>
+          </a:fontRef>
+        </p:style>
+        <p:txBody>
+          <a:bodyPr rtlCol="0" anchor="ctr"/>
+          <a:lstStyle/>
+          <a:p>
+            <a:pPr algn="ctr"/>
+            <a:r>
+              <a:rPr lang="fr-FR" b="1" dirty="0">
+                <a:solidFill>
+                  <a:schemeClr val="bg1"/>
+                </a:solidFill>
+              </a:rPr>
+              <a:t>4</a:t>
+            </a:r>
+          </a:p>
+        </p:txBody>
+      </p:sp>
+      <p:sp>
+        <p:nvSpPr>
+          <p:cNvPr id="12" name="Organigramme : Connecteur 11">
+            <a:extLst>
+              <a:ext uri="{FF2B5EF4-FFF2-40B4-BE49-F238E27FC236}">
+                <a16:creationId xmlns:a16="http://schemas.microsoft.com/office/drawing/2014/main" id="{501FFD8D-AB79-A591-54E3-0FA59430DD03}"/>
+              </a:ext>
+            </a:extLst>
+          </p:cNvPr>
+          <p:cNvSpPr/>
+          <p:nvPr/>
+        </p:nvSpPr>
+        <p:spPr>
+          <a:xfrm>
+            <a:off x="1342100" y="3497826"/>
+            <a:ext cx="412955" cy="431853"/>
+          </a:xfrm>
+          <a:prstGeom prst="flowChartConnector">
+            <a:avLst/>
+          </a:prstGeom>
+        </p:spPr>
+        <p:style>
+          <a:lnRef idx="1">
+            <a:schemeClr val="dk1"/>
+          </a:lnRef>
+          <a:fillRef idx="2">
+            <a:schemeClr val="dk1"/>
+          </a:fillRef>
+          <a:effectRef idx="1">
+            <a:schemeClr val="dk1"/>
+          </a:effectRef>
+          <a:fontRef idx="minor">
+            <a:schemeClr val="dk1"/>
+          </a:fontRef>
+        </p:style>
+        <p:txBody>
+          <a:bodyPr rtlCol="0" anchor="ctr"/>
+          <a:lstStyle/>
+          <a:p>
+            <a:pPr algn="ctr"/>
+            <a:r>
+              <a:rPr lang="fr-FR" b="1" dirty="0">
+                <a:solidFill>
+                  <a:schemeClr val="bg1"/>
+                </a:solidFill>
+              </a:rPr>
+              <a:t>5</a:t>
+            </a:r>
+          </a:p>
+        </p:txBody>
+      </p:sp>
+    </p:spTree>
+    <p:extLst>
+      <p:ext uri="{BB962C8B-B14F-4D97-AF65-F5344CB8AC3E}">
+        <p14:creationId xmlns:p14="http://schemas.microsoft.com/office/powerpoint/2010/main" val="1984120807"/>
+      </p:ext>
+    </p:extLst>
+  </p:cSld>
+  <p:clrMapOvr>
+    <a:masterClrMapping/>
+  </p:clrMapOvr>
+</p:sld>
+</file>
+
+<file path=ppt/slides/slide27.xml><?xml version="1.0" encoding="utf-8"?>
+<p:sld xmlns:a="http://schemas.openxmlformats.org/drawingml/2006/main" xmlns:r="http://schemas.openxmlformats.org/officeDocument/2006/relationships" xmlns:p="http://schemas.openxmlformats.org/presentationml/2006/main">
+  <p:cSld>
+    <p:spTree>
+      <p:nvGrpSpPr>
+        <p:cNvPr id="1" name=""/>
+        <p:cNvGrpSpPr/>
+        <p:nvPr/>
+      </p:nvGrpSpPr>
+      <p:grpSpPr>
+        <a:xfrm>
+          <a:off x="0" y="0"/>
+          <a:ext cx="0" cy="0"/>
+          <a:chOff x="0" y="0"/>
+          <a:chExt cx="0" cy="0"/>
+        </a:xfrm>
+      </p:grpSpPr>
+      <p:pic>
+        <p:nvPicPr>
+          <p:cNvPr id="4" name="Image 3" descr="Une image contenant flou, jaune, orange, Ambré">
+            <a:extLst>
+              <a:ext uri="{FF2B5EF4-FFF2-40B4-BE49-F238E27FC236}">
+                <a16:creationId xmlns:a16="http://schemas.microsoft.com/office/drawing/2014/main" id="{BE743077-E280-D598-34FE-C1AD59360247}"/>
+              </a:ext>
+            </a:extLst>
+          </p:cNvPr>
+          <p:cNvPicPr>
+            <a:picLocks noChangeAspect="1"/>
+          </p:cNvPicPr>
+          <p:nvPr/>
+        </p:nvPicPr>
+        <p:blipFill>
+          <a:blip r:embed="rId2">
+            <a:grayscl/>
+            <a:extLst>
+              <a:ext uri="{28A0092B-C50C-407E-A947-70E740481C1C}">
+                <a14:useLocalDpi xmlns:a14="http://schemas.microsoft.com/office/drawing/2010/main" val="0"/>
+              </a:ext>
+            </a:extLst>
+          </a:blip>
+          <a:stretch>
+            <a:fillRect/>
+          </a:stretch>
+        </p:blipFill>
+        <p:spPr>
+          <a:xfrm>
+            <a:off x="0" y="0"/>
+            <a:ext cx="12192000" cy="763398"/>
+          </a:xfrm>
+          <a:prstGeom prst="rect">
+            <a:avLst/>
+          </a:prstGeom>
+          <a:solidFill>
+            <a:schemeClr val="bg1">
+              <a:lumMod val="85000"/>
+            </a:schemeClr>
+          </a:solidFill>
+        </p:spPr>
+      </p:pic>
+      <p:sp>
+        <p:nvSpPr>
+          <p:cNvPr id="5" name="Titre 1">
+            <a:extLst>
+              <a:ext uri="{FF2B5EF4-FFF2-40B4-BE49-F238E27FC236}">
+                <a16:creationId xmlns:a16="http://schemas.microsoft.com/office/drawing/2014/main" id="{2C61C1BE-51C2-C47F-2586-08FD8D62CB06}"/>
+              </a:ext>
+            </a:extLst>
+          </p:cNvPr>
+          <p:cNvSpPr>
+            <a:spLocks noGrp="1"/>
+          </p:cNvSpPr>
+          <p:nvPr>
+            <p:ph type="title"/>
+          </p:nvPr>
+        </p:nvSpPr>
+        <p:spPr>
+          <a:xfrm>
+            <a:off x="478173" y="62611"/>
+            <a:ext cx="10967906" cy="700787"/>
+          </a:xfrm>
+        </p:spPr>
+        <p:txBody>
+          <a:bodyPr>
+            <a:normAutofit/>
+          </a:bodyPr>
+          <a:lstStyle/>
+          <a:p>
+            <a:r>
+              <a:rPr lang="fr-FR" sz="2800" dirty="0">
+                <a:latin typeface="+mn-lt"/>
+                <a:ea typeface="Calibri" panose="020F0502020204030204" pitchFamily="34" charset="0"/>
+                <a:cs typeface="Calibri" panose="020F0502020204030204" pitchFamily="34" charset="0"/>
+              </a:rPr>
+              <a:t>             Conclusions </a:t>
+            </a:r>
+            <a:r>
+              <a:rPr lang="fr-FR" sz="3200" dirty="0">
+                <a:latin typeface="+mn-lt"/>
+                <a:ea typeface="Calibri" panose="020F0502020204030204" pitchFamily="34" charset="0"/>
+                <a:cs typeface="Calibri" panose="020F0502020204030204" pitchFamily="34" charset="0"/>
+              </a:rPr>
+              <a:t> </a:t>
+            </a:r>
+            <a:endParaRPr lang="fr-FR" sz="3200" dirty="0">
+              <a:latin typeface="Calibri" panose="020F0502020204030204" pitchFamily="34" charset="0"/>
+              <a:ea typeface="Calibri" panose="020F0502020204030204" pitchFamily="34" charset="0"/>
+              <a:cs typeface="Calibri" panose="020F0502020204030204" pitchFamily="34" charset="0"/>
+            </a:endParaRPr>
+          </a:p>
+        </p:txBody>
+      </p:sp>
+      <p:pic>
+        <p:nvPicPr>
+          <p:cNvPr id="6" name="Image 5" descr="Une image contenant cercle, blanc, noir et blanc, conception">
+            <a:extLst>
+              <a:ext uri="{FF2B5EF4-FFF2-40B4-BE49-F238E27FC236}">
+                <a16:creationId xmlns:a16="http://schemas.microsoft.com/office/drawing/2014/main" id="{A80E67CD-B642-0718-BFFD-A6BA76F9BCA2}"/>
+              </a:ext>
+            </a:extLst>
+          </p:cNvPr>
+          <p:cNvPicPr>
+            <a:picLocks noChangeAspect="1"/>
+          </p:cNvPicPr>
+          <p:nvPr/>
+        </p:nvPicPr>
+        <p:blipFill>
+          <a:blip r:embed="rId3">
+            <a:extLst>
+              <a:ext uri="{28A0092B-C50C-407E-A947-70E740481C1C}">
+                <a14:useLocalDpi xmlns:a14="http://schemas.microsoft.com/office/drawing/2010/main" val="0"/>
+              </a:ext>
+            </a:extLst>
+          </a:blip>
+          <a:stretch>
+            <a:fillRect/>
+          </a:stretch>
+        </p:blipFill>
+        <p:spPr>
+          <a:xfrm>
+            <a:off x="10697497" y="1"/>
+            <a:ext cx="1016330" cy="763398"/>
+          </a:xfrm>
+          <a:prstGeom prst="rect">
+            <a:avLst/>
+          </a:prstGeom>
+        </p:spPr>
+      </p:pic>
+      <p:sp>
+        <p:nvSpPr>
+          <p:cNvPr id="2" name="Organigramme : Connecteur 1">
+            <a:extLst>
+              <a:ext uri="{FF2B5EF4-FFF2-40B4-BE49-F238E27FC236}">
+                <a16:creationId xmlns:a16="http://schemas.microsoft.com/office/drawing/2014/main" id="{F16D6A68-11F5-655A-CDB0-BD5E4BC77E50}"/>
+              </a:ext>
+            </a:extLst>
+          </p:cNvPr>
+          <p:cNvSpPr/>
+          <p:nvPr/>
+        </p:nvSpPr>
+        <p:spPr>
+          <a:xfrm>
+            <a:off x="651384" y="197077"/>
+            <a:ext cx="412955" cy="431853"/>
+          </a:xfrm>
+          <a:prstGeom prst="flowChartConnector">
+            <a:avLst/>
+          </a:prstGeom>
+        </p:spPr>
+        <p:style>
+          <a:lnRef idx="1">
+            <a:schemeClr val="dk1"/>
+          </a:lnRef>
+          <a:fillRef idx="2">
+            <a:schemeClr val="dk1"/>
+          </a:fillRef>
+          <a:effectRef idx="1">
+            <a:schemeClr val="dk1"/>
+          </a:effectRef>
+          <a:fontRef idx="minor">
+            <a:schemeClr val="dk1"/>
+          </a:fontRef>
+        </p:style>
+        <p:txBody>
+          <a:bodyPr rtlCol="0" anchor="ctr"/>
+          <a:lstStyle/>
+          <a:p>
+            <a:pPr algn="ctr"/>
+            <a:r>
+              <a:rPr lang="fr-FR" b="1" dirty="0">
+                <a:solidFill>
+                  <a:schemeClr val="bg1"/>
+                </a:solidFill>
+              </a:rPr>
+              <a:t>5</a:t>
+            </a:r>
+          </a:p>
+        </p:txBody>
+      </p:sp>
+      <p:sp>
+        <p:nvSpPr>
+          <p:cNvPr id="7" name="ZoneTexte 6">
+            <a:extLst>
+              <a:ext uri="{FF2B5EF4-FFF2-40B4-BE49-F238E27FC236}">
+                <a16:creationId xmlns:a16="http://schemas.microsoft.com/office/drawing/2014/main" id="{A81868D2-6854-5694-A0F5-4C9BFE6386AF}"/>
+              </a:ext>
+            </a:extLst>
+          </p:cNvPr>
+          <p:cNvSpPr txBox="1"/>
+          <p:nvPr/>
+        </p:nvSpPr>
+        <p:spPr>
+          <a:xfrm>
+            <a:off x="875071" y="1327355"/>
+            <a:ext cx="10571008" cy="3785652"/>
+          </a:xfrm>
+          <a:prstGeom prst="rect">
+            <a:avLst/>
+          </a:prstGeom>
+          <a:noFill/>
+        </p:spPr>
+        <p:txBody>
+          <a:bodyPr wrap="square" rtlCol="0">
+            <a:spAutoFit/>
+          </a:bodyPr>
+          <a:lstStyle/>
+          <a:p>
+            <a:pPr marL="285750" indent="-285750">
+              <a:buFontTx/>
+              <a:buChar char="-"/>
+            </a:pPr>
+            <a:r>
+              <a:rPr lang="fr-FR" sz="2000" dirty="0"/>
+              <a:t>Manque de connaissance précise du </a:t>
+            </a:r>
+            <a:r>
+              <a:rPr lang="fr-FR" sz="2000" b="1" dirty="0">
+                <a:effectLst>
+                  <a:outerShdw blurRad="38100" dist="38100" dir="2700000" algn="tl">
+                    <a:srgbClr val="000000">
+                      <a:alpha val="43137"/>
+                    </a:srgbClr>
+                  </a:outerShdw>
+                </a:effectLst>
+              </a:rPr>
+              <a:t>secteur bancaire</a:t>
+            </a:r>
+            <a:r>
+              <a:rPr lang="fr-FR" sz="2000" dirty="0"/>
+              <a:t>: vérification au niveau </a:t>
+            </a:r>
+            <a:r>
+              <a:rPr lang="fr-FR" sz="2000" b="1" dirty="0">
+                <a:effectLst>
+                  <a:outerShdw blurRad="38100" dist="38100" dir="2700000" algn="tl">
+                    <a:srgbClr val="000000">
+                      <a:alpha val="43137"/>
+                    </a:srgbClr>
+                  </a:outerShdw>
+                </a:effectLst>
+              </a:rPr>
+              <a:t>métier</a:t>
+            </a:r>
+            <a:r>
+              <a:rPr lang="fr-FR" sz="2000" dirty="0"/>
+              <a:t> des </a:t>
+            </a:r>
+            <a:r>
+              <a:rPr lang="fr-FR" sz="2000" b="1" dirty="0">
+                <a:effectLst>
+                  <a:outerShdw blurRad="38100" dist="38100" dir="2700000" algn="tl">
+                    <a:srgbClr val="000000">
+                      <a:alpha val="43137"/>
+                    </a:srgbClr>
+                  </a:outerShdw>
+                </a:effectLst>
+              </a:rPr>
+              <a:t>variables retenus </a:t>
+            </a:r>
+            <a:r>
+              <a:rPr lang="fr-FR" sz="2000" dirty="0"/>
+              <a:t>lors du pré-process</a:t>
+            </a:r>
+          </a:p>
+          <a:p>
+            <a:pPr marL="285750" indent="-285750">
+              <a:buFontTx/>
+              <a:buChar char="-"/>
+            </a:pPr>
+            <a:endParaRPr lang="fr-FR" sz="2000" dirty="0"/>
+          </a:p>
+          <a:p>
+            <a:pPr marL="285750" indent="-285750">
+              <a:buFontTx/>
+              <a:buChar char="-"/>
+            </a:pPr>
+            <a:r>
+              <a:rPr lang="fr-FR" sz="2000" dirty="0"/>
+              <a:t>Définir de façon plus détaillée la </a:t>
+            </a:r>
+            <a:r>
+              <a:rPr lang="fr-FR" sz="2000" b="1" dirty="0">
+                <a:effectLst>
+                  <a:outerShdw blurRad="38100" dist="38100" dir="2700000" algn="tl">
+                    <a:srgbClr val="000000">
+                      <a:alpha val="43137"/>
+                    </a:srgbClr>
+                  </a:outerShdw>
+                </a:effectLst>
+              </a:rPr>
+              <a:t>métrique d’ évaluation </a:t>
+            </a:r>
+            <a:r>
+              <a:rPr lang="fr-FR" sz="2000" dirty="0"/>
+              <a:t>et de </a:t>
+            </a:r>
+            <a:r>
+              <a:rPr lang="fr-FR" sz="2000" b="1" dirty="0">
+                <a:effectLst>
+                  <a:outerShdw blurRad="38100" dist="38100" dir="2700000" algn="tl">
+                    <a:srgbClr val="000000">
+                      <a:alpha val="43137"/>
+                    </a:srgbClr>
+                  </a:outerShdw>
+                </a:effectLst>
+              </a:rPr>
+              <a:t>fonction de cout </a:t>
+            </a:r>
+            <a:r>
+              <a:rPr lang="fr-FR" sz="2000" dirty="0"/>
+              <a:t>avec les équipes métiers</a:t>
+            </a:r>
+          </a:p>
+          <a:p>
+            <a:pPr marL="285750" indent="-285750">
+              <a:buFontTx/>
+              <a:buChar char="-"/>
+            </a:pPr>
+            <a:endParaRPr lang="fr-FR" sz="2000" dirty="0"/>
+          </a:p>
+          <a:p>
+            <a:pPr marL="342900" indent="-342900">
+              <a:buFontTx/>
+              <a:buChar char="-"/>
+            </a:pPr>
+            <a:r>
+              <a:rPr lang="fr-FR" sz="2000" dirty="0"/>
+              <a:t>Développer un dashboard avec une page </a:t>
+            </a:r>
+            <a:r>
+              <a:rPr lang="fr-FR" sz="2000" b="1" dirty="0">
+                <a:effectLst>
+                  <a:outerShdw blurRad="38100" dist="38100" dir="2700000" algn="tl">
+                    <a:srgbClr val="000000">
+                      <a:alpha val="43137"/>
+                    </a:srgbClr>
+                  </a:outerShdw>
+                </a:effectLst>
+              </a:rPr>
+              <a:t>Données bancaires </a:t>
+            </a:r>
+            <a:r>
+              <a:rPr lang="fr-FR" sz="2000" dirty="0"/>
+              <a:t>coté décideur et une page </a:t>
+            </a:r>
+            <a:r>
+              <a:rPr lang="fr-FR" sz="2000" b="1" dirty="0">
+                <a:effectLst>
+                  <a:outerShdw blurRad="38100" dist="38100" dir="2700000" algn="tl">
+                    <a:srgbClr val="000000">
+                      <a:alpha val="43137"/>
+                    </a:srgbClr>
+                  </a:outerShdw>
+                </a:effectLst>
+              </a:rPr>
+              <a:t>Données Clients </a:t>
+            </a:r>
+            <a:r>
+              <a:rPr lang="fr-FR" sz="2000" dirty="0"/>
+              <a:t>de façon à séparer, et sécuriser certaines données sensibles détenus uniquement du côté de la banque, sans pour autant certaines données au client.</a:t>
+            </a:r>
+          </a:p>
+          <a:p>
+            <a:pPr marL="342900" indent="-342900">
+              <a:buFontTx/>
+              <a:buChar char="-"/>
+            </a:pPr>
+            <a:endParaRPr lang="fr-FR" sz="2000" dirty="0"/>
+          </a:p>
+          <a:p>
+            <a:pPr marL="342900" indent="-342900">
+              <a:buFontTx/>
+              <a:buChar char="-"/>
+            </a:pPr>
+            <a:r>
+              <a:rPr lang="fr-FR" sz="2000" dirty="0"/>
+              <a:t>Entrevoir une section de r</a:t>
+            </a:r>
+            <a:r>
+              <a:rPr lang="fr-FR" sz="2000" b="1" dirty="0">
+                <a:effectLst>
+                  <a:outerShdw blurRad="38100" dist="38100" dir="2700000" algn="tl">
+                    <a:srgbClr val="000000">
+                      <a:alpha val="43137"/>
+                    </a:srgbClr>
+                  </a:outerShdw>
+                </a:effectLst>
+              </a:rPr>
+              <a:t>ecommandation </a:t>
+            </a:r>
+            <a:r>
+              <a:rPr lang="fr-FR" sz="2000" dirty="0"/>
+              <a:t>qui permettrait au client de voir quelle variable aurait pu influencer sur son obtention ou pas du prêt en question. </a:t>
+            </a:r>
+          </a:p>
+        </p:txBody>
+      </p:sp>
+    </p:spTree>
+    <p:extLst>
+      <p:ext uri="{BB962C8B-B14F-4D97-AF65-F5344CB8AC3E}">
+        <p14:creationId xmlns:p14="http://schemas.microsoft.com/office/powerpoint/2010/main" val="3580194618"/>
       </p:ext>
     </p:extLst>
   </p:cSld>
@@ -15594,7 +19500,7 @@
           <a:lstStyle/>
           <a:p>
             <a:r>
-              <a:rPr lang="fr-FR" sz="3200" dirty="0">
+              <a:rPr lang="fr-FR" sz="2800" dirty="0">
                 <a:latin typeface="+mn-lt"/>
                 <a:ea typeface="Calibri" panose="020F0502020204030204" pitchFamily="34" charset="0"/>
                 <a:cs typeface="Calibri" panose="020F0502020204030204" pitchFamily="34" charset="0"/>
@@ -15739,7 +19645,7 @@
                   </a:schemeClr>
                 </a:solidFill>
               </a:rPr>
-              <a:t>              Conclusion</a:t>
+              <a:t>              Conclusions</a:t>
             </a:r>
             <a:r>
               <a:rPr lang="fr-FR" dirty="0"/>
@@ -16115,6 +20021,14 @@
                 <a:ea typeface="Calibri" panose="020F0502020204030204" pitchFamily="34" charset="0"/>
                 <a:cs typeface="Calibri" panose="020F0502020204030204" pitchFamily="34" charset="0"/>
               </a:rPr>
+              <a:t>     </a:t>
+            </a:r>
+            <a:r>
+              <a:rPr lang="fr-FR" sz="2800" dirty="0">
+                <a:latin typeface="+mn-lt"/>
+                <a:ea typeface="Calibri" panose="020F0502020204030204" pitchFamily="34" charset="0"/>
+                <a:cs typeface="Calibri" panose="020F0502020204030204" pitchFamily="34" charset="0"/>
+              </a:rPr>
               <a:t>Contexte</a:t>
             </a:r>
           </a:p>
@@ -16359,7 +20273,7 @@
         <p:spPr>
           <a:xfrm>
             <a:off x="196645" y="869442"/>
-            <a:ext cx="3067664" cy="523220"/>
+            <a:ext cx="3067664" cy="461665"/>
           </a:xfrm>
           <a:prstGeom prst="rect">
             <a:avLst/>
@@ -16373,7 +20287,7 @@
           <a:lstStyle/>
           <a:p>
             <a:r>
-              <a:rPr lang="fr-FR" sz="2800" b="1" dirty="0">
+              <a:rPr lang="fr-FR" sz="2400" b="1" dirty="0">
                 <a:solidFill>
                   <a:schemeClr val="bg2">
                     <a:lumMod val="25000"/>
@@ -16442,7 +20356,7 @@
         <p:spPr>
           <a:xfrm>
             <a:off x="196645" y="2600736"/>
-            <a:ext cx="1563329" cy="523220"/>
+            <a:ext cx="1563329" cy="461665"/>
           </a:xfrm>
           <a:prstGeom prst="rect">
             <a:avLst/>
@@ -16456,7 +20370,7 @@
           <a:lstStyle/>
           <a:p>
             <a:r>
-              <a:rPr lang="fr-FR" sz="2800" b="1" dirty="0">
+              <a:rPr lang="fr-FR" sz="2400" b="1" dirty="0">
                 <a:solidFill>
                   <a:schemeClr val="bg2">
                     <a:lumMod val="25000"/>
@@ -16483,7 +20397,7 @@
         <p:spPr>
           <a:xfrm>
             <a:off x="196644" y="4286864"/>
-            <a:ext cx="1848466" cy="523220"/>
+            <a:ext cx="1848466" cy="461665"/>
           </a:xfrm>
           <a:prstGeom prst="rect">
             <a:avLst/>
@@ -16497,7 +20411,7 @@
           <a:lstStyle/>
           <a:p>
             <a:r>
-              <a:rPr lang="fr-FR" sz="2800" b="1" dirty="0">
+              <a:rPr lang="fr-FR" sz="2400" b="1" dirty="0">
                 <a:solidFill>
                   <a:schemeClr val="bg2">
                     <a:lumMod val="25000"/>
@@ -16645,6 +20559,57 @@
                 <a:latin typeface="Söhne"/>
               </a:rPr>
               <a:t>à leurs informations personnelles.</a:t>
+            </a:r>
+          </a:p>
+        </p:txBody>
+      </p:sp>
+      <p:sp>
+        <p:nvSpPr>
+          <p:cNvPr id="8" name="Organigramme : Connecteur 7">
+            <a:extLst>
+              <a:ext uri="{FF2B5EF4-FFF2-40B4-BE49-F238E27FC236}">
+                <a16:creationId xmlns:a16="http://schemas.microsoft.com/office/drawing/2014/main" id="{9884E589-5DF9-2D6A-3A4E-9F25E4F30932}"/>
+              </a:ext>
+            </a:extLst>
+          </p:cNvPr>
+          <p:cNvSpPr/>
+          <p:nvPr/>
+        </p:nvSpPr>
+        <p:spPr>
+          <a:xfrm>
+            <a:off x="271695" y="187949"/>
+            <a:ext cx="412955" cy="431853"/>
+          </a:xfrm>
+          <a:prstGeom prst="flowChartConnector">
+            <a:avLst/>
+          </a:prstGeom>
+        </p:spPr>
+        <p:style>
+          <a:lnRef idx="1">
+            <a:schemeClr val="dk1"/>
+          </a:lnRef>
+          <a:fillRef idx="2">
+            <a:schemeClr val="dk1"/>
+          </a:fillRef>
+          <a:effectRef idx="1">
+            <a:schemeClr val="dk1"/>
+          </a:effectRef>
+          <a:fontRef idx="minor">
+            <a:schemeClr val="dk1"/>
+          </a:fontRef>
+        </p:style>
+        <p:txBody>
+          <a:bodyPr rtlCol="0" anchor="ctr"/>
+          <a:lstStyle/>
+          <a:p>
+            <a:pPr algn="ctr"/>
+            <a:r>
+              <a:rPr lang="fr-FR" b="1" dirty="0">
+                <a:solidFill>
+                  <a:schemeClr val="bg1"/>
+                </a:solidFill>
+              </a:rPr>
+              <a:t>1</a:t>
             </a:r>
           </a:p>
         </p:txBody>
@@ -16755,6 +20720,14 @@
                 <a:ea typeface="Calibri" panose="020F0502020204030204" pitchFamily="34" charset="0"/>
                 <a:cs typeface="Calibri" panose="020F0502020204030204" pitchFamily="34" charset="0"/>
               </a:rPr>
+              <a:t>       </a:t>
+            </a:r>
+            <a:r>
+              <a:rPr lang="fr-FR" sz="2800" dirty="0">
+                <a:latin typeface="+mn-lt"/>
+                <a:ea typeface="Calibri" panose="020F0502020204030204" pitchFamily="34" charset="0"/>
+                <a:cs typeface="Calibri" panose="020F0502020204030204" pitchFamily="34" charset="0"/>
+              </a:rPr>
               <a:t>Contexte – déroulement</a:t>
             </a:r>
           </a:p>
@@ -18414,6 +22387,151 @@
           </a:prstGeom>
         </p:spPr>
       </p:pic>
+      <p:sp>
+        <p:nvSpPr>
+          <p:cNvPr id="7" name="Organigramme : Connecteur 6">
+            <a:extLst>
+              <a:ext uri="{FF2B5EF4-FFF2-40B4-BE49-F238E27FC236}">
+                <a16:creationId xmlns:a16="http://schemas.microsoft.com/office/drawing/2014/main" id="{9B9C5B9C-2BBE-30F2-E413-17DBAD380494}"/>
+              </a:ext>
+            </a:extLst>
+          </p:cNvPr>
+          <p:cNvSpPr/>
+          <p:nvPr/>
+        </p:nvSpPr>
+        <p:spPr>
+          <a:xfrm>
+            <a:off x="344229" y="197077"/>
+            <a:ext cx="412955" cy="431853"/>
+          </a:xfrm>
+          <a:prstGeom prst="flowChartConnector">
+            <a:avLst/>
+          </a:prstGeom>
+        </p:spPr>
+        <p:style>
+          <a:lnRef idx="1">
+            <a:schemeClr val="dk1"/>
+          </a:lnRef>
+          <a:fillRef idx="2">
+            <a:schemeClr val="dk1"/>
+          </a:fillRef>
+          <a:effectRef idx="1">
+            <a:schemeClr val="dk1"/>
+          </a:effectRef>
+          <a:fontRef idx="minor">
+            <a:schemeClr val="dk1"/>
+          </a:fontRef>
+        </p:style>
+        <p:txBody>
+          <a:bodyPr rtlCol="0" anchor="ctr"/>
+          <a:lstStyle>
+            <a:defPPr>
+              <a:defRPr lang="fr-FR"/>
+            </a:defPPr>
+            <a:lvl1pPr marL="0" algn="l" defTabSz="914400" rtl="0" eaLnBrk="1" latinLnBrk="0" hangingPunct="1">
+              <a:defRPr sz="1800" kern="1200">
+                <a:solidFill>
+                  <a:schemeClr val="dk1"/>
+                </a:solidFill>
+                <a:latin typeface="+mn-lt"/>
+                <a:ea typeface="+mn-ea"/>
+                <a:cs typeface="+mn-cs"/>
+              </a:defRPr>
+            </a:lvl1pPr>
+            <a:lvl2pPr marL="457200" algn="l" defTabSz="914400" rtl="0" eaLnBrk="1" latinLnBrk="0" hangingPunct="1">
+              <a:defRPr sz="1800" kern="1200">
+                <a:solidFill>
+                  <a:schemeClr val="dk1"/>
+                </a:solidFill>
+                <a:latin typeface="+mn-lt"/>
+                <a:ea typeface="+mn-ea"/>
+                <a:cs typeface="+mn-cs"/>
+              </a:defRPr>
+            </a:lvl2pPr>
+            <a:lvl3pPr marL="914400" algn="l" defTabSz="914400" rtl="0" eaLnBrk="1" latinLnBrk="0" hangingPunct="1">
+              <a:defRPr sz="1800" kern="1200">
+                <a:solidFill>
+                  <a:schemeClr val="dk1"/>
+                </a:solidFill>
+                <a:latin typeface="+mn-lt"/>
+                <a:ea typeface="+mn-ea"/>
+                <a:cs typeface="+mn-cs"/>
+              </a:defRPr>
+            </a:lvl3pPr>
+            <a:lvl4pPr marL="1371600" algn="l" defTabSz="914400" rtl="0" eaLnBrk="1" latinLnBrk="0" hangingPunct="1">
+              <a:defRPr sz="1800" kern="1200">
+                <a:solidFill>
+                  <a:schemeClr val="dk1"/>
+                </a:solidFill>
+                <a:latin typeface="+mn-lt"/>
+                <a:ea typeface="+mn-ea"/>
+                <a:cs typeface="+mn-cs"/>
+              </a:defRPr>
+            </a:lvl4pPr>
+            <a:lvl5pPr marL="1828800" algn="l" defTabSz="914400" rtl="0" eaLnBrk="1" latinLnBrk="0" hangingPunct="1">
+              <a:defRPr sz="1800" kern="1200">
+                <a:solidFill>
+                  <a:schemeClr val="dk1"/>
+                </a:solidFill>
+                <a:latin typeface="+mn-lt"/>
+                <a:ea typeface="+mn-ea"/>
+                <a:cs typeface="+mn-cs"/>
+              </a:defRPr>
+            </a:lvl5pPr>
+            <a:lvl6pPr marL="2286000" algn="l" defTabSz="914400" rtl="0" eaLnBrk="1" latinLnBrk="0" hangingPunct="1">
+              <a:defRPr sz="1800" kern="1200">
+                <a:solidFill>
+                  <a:schemeClr val="dk1"/>
+                </a:solidFill>
+                <a:latin typeface="+mn-lt"/>
+                <a:ea typeface="+mn-ea"/>
+                <a:cs typeface="+mn-cs"/>
+              </a:defRPr>
+            </a:lvl6pPr>
+            <a:lvl7pPr marL="2743200" algn="l" defTabSz="914400" rtl="0" eaLnBrk="1" latinLnBrk="0" hangingPunct="1">
+              <a:defRPr sz="1800" kern="1200">
+                <a:solidFill>
+                  <a:schemeClr val="dk1"/>
+                </a:solidFill>
+                <a:latin typeface="+mn-lt"/>
+                <a:ea typeface="+mn-ea"/>
+                <a:cs typeface="+mn-cs"/>
+              </a:defRPr>
+            </a:lvl7pPr>
+            <a:lvl8pPr marL="3200400" algn="l" defTabSz="914400" rtl="0" eaLnBrk="1" latinLnBrk="0" hangingPunct="1">
+              <a:defRPr sz="1800" kern="1200">
+                <a:solidFill>
+                  <a:schemeClr val="dk1"/>
+                </a:solidFill>
+                <a:latin typeface="+mn-lt"/>
+                <a:ea typeface="+mn-ea"/>
+                <a:cs typeface="+mn-cs"/>
+              </a:defRPr>
+            </a:lvl8pPr>
+            <a:lvl9pPr marL="3657600" algn="l" defTabSz="914400" rtl="0" eaLnBrk="1" latinLnBrk="0" hangingPunct="1">
+              <a:defRPr sz="1800" kern="1200">
+                <a:solidFill>
+                  <a:schemeClr val="dk1"/>
+                </a:solidFill>
+                <a:latin typeface="+mn-lt"/>
+                <a:ea typeface="+mn-ea"/>
+                <a:cs typeface="+mn-cs"/>
+              </a:defRPr>
+            </a:lvl9pPr>
+          </a:lstStyle>
+          <a:p>
+            <a:pPr algn="ctr"/>
+            <a:r>
+              <a:rPr lang="fr-FR" b="1" dirty="0">
+                <a:solidFill>
+                  <a:schemeClr val="bg1"/>
+                </a:solidFill>
+              </a:rPr>
+              <a:t>1</a:t>
+            </a:r>
+          </a:p>
+        </p:txBody>
+      </p:sp>
     </p:spTree>
     <p:extLst>
       <p:ext uri="{BB962C8B-B14F-4D97-AF65-F5344CB8AC3E}">
@@ -18515,7 +22633,7 @@
           <a:lstStyle/>
           <a:p>
             <a:r>
-              <a:rPr lang="fr-FR" sz="3200" dirty="0">
+              <a:rPr lang="fr-FR" sz="2800" dirty="0">
                 <a:latin typeface="+mn-lt"/>
                 <a:ea typeface="Calibri" panose="020F0502020204030204" pitchFamily="34" charset="0"/>
                 <a:cs typeface="Calibri" panose="020F0502020204030204" pitchFamily="34" charset="0"/>
@@ -18660,7 +22778,7 @@
                   </a:schemeClr>
                 </a:solidFill>
               </a:rPr>
-              <a:t>              Conclusion</a:t>
+              <a:t>              Conclusions</a:t>
             </a:r>
             <a:r>
               <a:rPr lang="fr-FR" dirty="0"/>
@@ -19365,6 +23483,14 @@
                 <a:ea typeface="Calibri" panose="020F0502020204030204" pitchFamily="34" charset="0"/>
                 <a:cs typeface="Calibri" panose="020F0502020204030204" pitchFamily="34" charset="0"/>
               </a:rPr>
+              <a:t>       </a:t>
+            </a:r>
+            <a:r>
+              <a:rPr lang="fr-FR" sz="2800" dirty="0">
+                <a:latin typeface="+mn-lt"/>
+                <a:ea typeface="Calibri" panose="020F0502020204030204" pitchFamily="34" charset="0"/>
+                <a:cs typeface="Calibri" panose="020F0502020204030204" pitchFamily="34" charset="0"/>
+              </a:rPr>
               <a:t>Traitement des données – jeu datasets</a:t>
             </a:r>
           </a:p>
@@ -19994,6 +24120,57 @@
             <a:r>
               <a:rPr lang="fr-FR" sz="1400" dirty="0"/>
               <a:t>307511 clients et 530 variables </a:t>
+            </a:r>
+          </a:p>
+        </p:txBody>
+      </p:sp>
+      <p:sp>
+        <p:nvSpPr>
+          <p:cNvPr id="7" name="Organigramme : Connecteur 6">
+            <a:extLst>
+              <a:ext uri="{FF2B5EF4-FFF2-40B4-BE49-F238E27FC236}">
+                <a16:creationId xmlns:a16="http://schemas.microsoft.com/office/drawing/2014/main" id="{149F4206-F4A9-25F0-97D3-070BC97507AA}"/>
+              </a:ext>
+            </a:extLst>
+          </p:cNvPr>
+          <p:cNvSpPr/>
+          <p:nvPr/>
+        </p:nvSpPr>
+        <p:spPr>
+          <a:xfrm>
+            <a:off x="478173" y="197078"/>
+            <a:ext cx="412955" cy="431853"/>
+          </a:xfrm>
+          <a:prstGeom prst="flowChartConnector">
+            <a:avLst/>
+          </a:prstGeom>
+        </p:spPr>
+        <p:style>
+          <a:lnRef idx="1">
+            <a:schemeClr val="dk1"/>
+          </a:lnRef>
+          <a:fillRef idx="2">
+            <a:schemeClr val="dk1"/>
+          </a:fillRef>
+          <a:effectRef idx="1">
+            <a:schemeClr val="dk1"/>
+          </a:effectRef>
+          <a:fontRef idx="minor">
+            <a:schemeClr val="dk1"/>
+          </a:fontRef>
+        </p:style>
+        <p:txBody>
+          <a:bodyPr rtlCol="0" anchor="ctr"/>
+          <a:lstStyle/>
+          <a:p>
+            <a:pPr algn="ctr"/>
+            <a:r>
+              <a:rPr lang="fr-FR" b="1" dirty="0">
+                <a:solidFill>
+                  <a:schemeClr val="bg1"/>
+                </a:solidFill>
+              </a:rPr>
+              <a:t>2</a:t>
             </a:r>
           </a:p>
         </p:txBody>
@@ -20099,12 +24276,12 @@
           <a:lstStyle/>
           <a:p>
             <a:r>
-              <a:rPr lang="fr-FR" sz="3200" dirty="0">
+              <a:rPr lang="fr-FR" sz="2800" dirty="0">
                 <a:latin typeface="+mn-lt"/>
                 <a:ea typeface="Calibri" panose="020F0502020204030204" pitchFamily="34" charset="0"/>
                 <a:cs typeface="Calibri" panose="020F0502020204030204" pitchFamily="34" charset="0"/>
               </a:rPr>
-              <a:t>Traitement des données – Pré-processing sur les 8 datasets</a:t>
+              <a:t>       Traitement des données – Pré-processing sur les 8 datasets</a:t>
             </a:r>
           </a:p>
         </p:txBody>
@@ -22251,6 +26428,57 @@
                 </a:solidFill>
               </a:rPr>
               <a:t>Suppression des variables fortement colinéaires </a:t>
+            </a:r>
+          </a:p>
+        </p:txBody>
+      </p:sp>
+      <p:sp>
+        <p:nvSpPr>
+          <p:cNvPr id="7" name="Organigramme : Connecteur 6">
+            <a:extLst>
+              <a:ext uri="{FF2B5EF4-FFF2-40B4-BE49-F238E27FC236}">
+                <a16:creationId xmlns:a16="http://schemas.microsoft.com/office/drawing/2014/main" id="{BF866875-9CF5-B1B7-E45A-B3EE9D68D543}"/>
+              </a:ext>
+            </a:extLst>
+          </p:cNvPr>
+          <p:cNvSpPr/>
+          <p:nvPr/>
+        </p:nvSpPr>
+        <p:spPr>
+          <a:xfrm>
+            <a:off x="374445" y="197077"/>
+            <a:ext cx="412955" cy="431853"/>
+          </a:xfrm>
+          <a:prstGeom prst="flowChartConnector">
+            <a:avLst/>
+          </a:prstGeom>
+        </p:spPr>
+        <p:style>
+          <a:lnRef idx="1">
+            <a:schemeClr val="dk1"/>
+          </a:lnRef>
+          <a:fillRef idx="2">
+            <a:schemeClr val="dk1"/>
+          </a:fillRef>
+          <a:effectRef idx="1">
+            <a:schemeClr val="dk1"/>
+          </a:effectRef>
+          <a:fontRef idx="minor">
+            <a:schemeClr val="dk1"/>
+          </a:fontRef>
+        </p:style>
+        <p:txBody>
+          <a:bodyPr rtlCol="0" anchor="ctr"/>
+          <a:lstStyle/>
+          <a:p>
+            <a:pPr algn="ctr"/>
+            <a:r>
+              <a:rPr lang="fr-FR" b="1" dirty="0">
+                <a:solidFill>
+                  <a:schemeClr val="bg1"/>
+                </a:solidFill>
+              </a:rPr>
+              <a:t>2</a:t>
             </a:r>
           </a:p>
         </p:txBody>
@@ -22546,12 +26774,12 @@
           <a:lstStyle/>
           <a:p>
             <a:r>
-              <a:rPr lang="fr-FR" sz="3200" dirty="0">
+              <a:rPr lang="fr-FR" sz="2800" dirty="0">
                 <a:latin typeface="+mn-lt"/>
                 <a:ea typeface="Calibri" panose="020F0502020204030204" pitchFamily="34" charset="0"/>
                 <a:cs typeface="Calibri" panose="020F0502020204030204" pitchFamily="34" charset="0"/>
               </a:rPr>
-              <a:t>Traitement des données – Feature Engineering </a:t>
+              <a:t>       Traitement des données – Feature Engineering </a:t>
             </a:r>
           </a:p>
         </p:txBody>
@@ -22696,6 +26924,57 @@
             <a:r>
               <a:rPr lang="fr-FR" sz="2400" b="1" dirty="0"/>
               <a:t>Manuel</a:t>
+            </a:r>
+          </a:p>
+        </p:txBody>
+      </p:sp>
+      <p:sp>
+        <p:nvSpPr>
+          <p:cNvPr id="7" name="Organigramme : Connecteur 6">
+            <a:extLst>
+              <a:ext uri="{FF2B5EF4-FFF2-40B4-BE49-F238E27FC236}">
+                <a16:creationId xmlns:a16="http://schemas.microsoft.com/office/drawing/2014/main" id="{1CBCB8AB-2804-41AE-A69F-F73CC82F3AB0}"/>
+              </a:ext>
+            </a:extLst>
+          </p:cNvPr>
+          <p:cNvSpPr/>
+          <p:nvPr/>
+        </p:nvSpPr>
+        <p:spPr>
+          <a:xfrm>
+            <a:off x="374445" y="197077"/>
+            <a:ext cx="412955" cy="431853"/>
+          </a:xfrm>
+          <a:prstGeom prst="flowChartConnector">
+            <a:avLst/>
+          </a:prstGeom>
+        </p:spPr>
+        <p:style>
+          <a:lnRef idx="1">
+            <a:schemeClr val="dk1"/>
+          </a:lnRef>
+          <a:fillRef idx="2">
+            <a:schemeClr val="dk1"/>
+          </a:fillRef>
+          <a:effectRef idx="1">
+            <a:schemeClr val="dk1"/>
+          </a:effectRef>
+          <a:fontRef idx="minor">
+            <a:schemeClr val="dk1"/>
+          </a:fontRef>
+        </p:style>
+        <p:txBody>
+          <a:bodyPr rtlCol="0" anchor="ctr"/>
+          <a:lstStyle/>
+          <a:p>
+            <a:pPr algn="ctr"/>
+            <a:r>
+              <a:rPr lang="fr-FR" b="1" dirty="0">
+                <a:solidFill>
+                  <a:schemeClr val="bg1"/>
+                </a:solidFill>
+              </a:rPr>
+              <a:t>2</a:t>
             </a:r>
           </a:p>
         </p:txBody>
